--- a/Datastores & Distributed File Systems/Apache Cassandra/JamesVu_CraigTopham_ThomasBoudreau/Documentation/CS 6381 Final Project_ApacheCassandra.pptx
+++ b/Datastores & Distributed File Systems/Apache Cassandra/JamesVu_CraigTopham_ThomasBoudreau/Documentation/CS 6381 Final Project_ApacheCassandra.pptx
@@ -23,6 +23,10 @@
     <p:sldId id="271" r:id="rId17"/>
     <p:sldId id="272" r:id="rId18"/>
     <p:sldId id="273" r:id="rId19"/>
+    <p:sldId id="278" r:id="rId20"/>
+    <p:sldId id="277" r:id="rId21"/>
+    <p:sldId id="279" r:id="rId22"/>
+    <p:sldId id="280" r:id="rId23"/>
   </p:sldIdLst>
   <p:sldSz cx="12192000" cy="6858000"/>
   <p:notesSz cx="6858000" cy="9144000"/>
@@ -129,6 +133,4274 @@
 </p:presentation>
 </file>
 
+<file path=ppt/charts/chart1.xml><?xml version="1.0" encoding="utf-8"?>
+<c:chartSpace xmlns:c="http://schemas.openxmlformats.org/drawingml/2006/chart" xmlns:a="http://schemas.openxmlformats.org/drawingml/2006/main" xmlns:r="http://schemas.openxmlformats.org/officeDocument/2006/relationships" xmlns:c16r2="http://schemas.microsoft.com/office/drawing/2015/06/chart">
+  <c:date1904 val="0"/>
+  <c:lang val="en-US"/>
+  <c:roundedCorners val="0"/>
+  <mc:AlternateContent xmlns:mc="http://schemas.openxmlformats.org/markup-compatibility/2006">
+    <mc:Choice xmlns:c14="http://schemas.microsoft.com/office/drawing/2007/8/2/chart" Requires="c14">
+      <c14:style val="102"/>
+    </mc:Choice>
+    <mc:Fallback>
+      <c:style val="2"/>
+    </mc:Fallback>
+  </mc:AlternateContent>
+  <c:chart>
+    <c:title>
+      <c:tx>
+        <c:rich>
+          <a:bodyPr rot="0" spcFirstLastPara="1" vertOverflow="ellipsis" vert="horz" wrap="square" anchor="ctr" anchorCtr="1"/>
+          <a:lstStyle/>
+          <a:p>
+            <a:pPr>
+              <a:defRPr sz="1400" b="0" i="0" u="none" strike="noStrike" kern="1200" spc="0" baseline="0">
+                <a:solidFill>
+                  <a:schemeClr val="tx1">
+                    <a:lumMod val="65000"/>
+                    <a:lumOff val="35000"/>
+                  </a:schemeClr>
+                </a:solidFill>
+                <a:latin typeface="+mn-lt"/>
+                <a:ea typeface="+mn-ea"/>
+                <a:cs typeface="+mn-cs"/>
+              </a:defRPr>
+            </a:pPr>
+            <a:r>
+              <a:rPr lang="en-US"/>
+              <a:t>1 Writer 10</a:t>
+            </a:r>
+            <a:r>
+              <a:rPr lang="en-US" baseline="0"/>
+              <a:t> Readers</a:t>
+            </a:r>
+            <a:endParaRPr lang="en-US"/>
+          </a:p>
+        </c:rich>
+      </c:tx>
+      <c:overlay val="0"/>
+      <c:spPr>
+        <a:noFill/>
+        <a:ln>
+          <a:noFill/>
+        </a:ln>
+        <a:effectLst/>
+      </c:spPr>
+      <c:txPr>
+        <a:bodyPr rot="0" spcFirstLastPara="1" vertOverflow="ellipsis" vert="horz" wrap="square" anchor="ctr" anchorCtr="1"/>
+        <a:lstStyle/>
+        <a:p>
+          <a:pPr>
+            <a:defRPr sz="1400" b="0" i="0" u="none" strike="noStrike" kern="1200" spc="0" baseline="0">
+              <a:solidFill>
+                <a:schemeClr val="tx1">
+                  <a:lumMod val="65000"/>
+                  <a:lumOff val="35000"/>
+                </a:schemeClr>
+              </a:solidFill>
+              <a:latin typeface="+mn-lt"/>
+              <a:ea typeface="+mn-ea"/>
+              <a:cs typeface="+mn-cs"/>
+            </a:defRPr>
+          </a:pPr>
+          <a:endParaRPr lang="en-US"/>
+        </a:p>
+      </c:txPr>
+    </c:title>
+    <c:autoTitleDeleted val="0"/>
+    <c:plotArea>
+      <c:layout/>
+      <c:barChart>
+        <c:barDir val="bar"/>
+        <c:grouping val="clustered"/>
+        <c:varyColors val="0"/>
+        <c:ser>
+          <c:idx val="0"/>
+          <c:order val="0"/>
+          <c:spPr>
+            <a:solidFill>
+              <a:schemeClr val="accent1"/>
+            </a:solidFill>
+            <a:ln>
+              <a:noFill/>
+            </a:ln>
+            <a:effectLst/>
+          </c:spPr>
+          <c:invertIfNegative val="0"/>
+          <c:cat>
+            <c:strRef>
+              <c:f>Sheet1!$A$1:$J$1</c:f>
+              <c:strCache>
+                <c:ptCount val="10"/>
+                <c:pt idx="0">
+                  <c:v>1writer10reader1</c:v>
+                </c:pt>
+                <c:pt idx="1">
+                  <c:v>1writer10reader2</c:v>
+                </c:pt>
+                <c:pt idx="2">
+                  <c:v>1writer10reader3</c:v>
+                </c:pt>
+                <c:pt idx="3">
+                  <c:v>1writer10reader4</c:v>
+                </c:pt>
+                <c:pt idx="4">
+                  <c:v>1writer10reader5</c:v>
+                </c:pt>
+                <c:pt idx="5">
+                  <c:v>1writer10reader6</c:v>
+                </c:pt>
+                <c:pt idx="6">
+                  <c:v>1writer10reader7</c:v>
+                </c:pt>
+                <c:pt idx="7">
+                  <c:v>1writer10reader8</c:v>
+                </c:pt>
+                <c:pt idx="8">
+                  <c:v>1writer10reader9</c:v>
+                </c:pt>
+                <c:pt idx="9">
+                  <c:v>1writer10reader10</c:v>
+                </c:pt>
+              </c:strCache>
+            </c:strRef>
+          </c:cat>
+          <c:val>
+            <c:numRef>
+              <c:f>Sheet1!$A$2:$J$2</c:f>
+              <c:numCache>
+                <c:formatCode>General</c:formatCode>
+                <c:ptCount val="10"/>
+                <c:pt idx="0">
+                  <c:v>18771.015838383839</c:v>
+                </c:pt>
+                <c:pt idx="1">
+                  <c:v>19194.236848484848</c:v>
+                </c:pt>
+                <c:pt idx="2">
+                  <c:v>18789.682666666668</c:v>
+                </c:pt>
+                <c:pt idx="3">
+                  <c:v>18821.659070707072</c:v>
+                </c:pt>
+                <c:pt idx="4">
+                  <c:v>18598.818747474746</c:v>
+                </c:pt>
+                <c:pt idx="5">
+                  <c:v>18206.214787878787</c:v>
+                </c:pt>
+                <c:pt idx="6">
+                  <c:v>18483.327676767676</c:v>
+                </c:pt>
+                <c:pt idx="7">
+                  <c:v>18720.565010101011</c:v>
+                </c:pt>
+                <c:pt idx="8">
+                  <c:v>18057.201454545455</c:v>
+                </c:pt>
+                <c:pt idx="9">
+                  <c:v>18427.306424242423</c:v>
+                </c:pt>
+              </c:numCache>
+            </c:numRef>
+          </c:val>
+          <c:extLst>
+            <c:ext xmlns:c16="http://schemas.microsoft.com/office/drawing/2014/chart" uri="{C3380CC4-5D6E-409C-BE32-E72D297353CC}">
+              <c16:uniqueId val="{00000000-4F38-4154-8008-B0C4E6C3959E}"/>
+            </c:ext>
+          </c:extLst>
+        </c:ser>
+        <c:dLbls>
+          <c:showLegendKey val="0"/>
+          <c:showVal val="0"/>
+          <c:showCatName val="0"/>
+          <c:showSerName val="0"/>
+          <c:showPercent val="0"/>
+          <c:showBubbleSize val="0"/>
+        </c:dLbls>
+        <c:gapWidth val="182"/>
+        <c:axId val="690583632"/>
+        <c:axId val="690602832"/>
+      </c:barChart>
+      <c:catAx>
+        <c:axId val="690583632"/>
+        <c:scaling>
+          <c:orientation val="minMax"/>
+        </c:scaling>
+        <c:delete val="0"/>
+        <c:axPos val="l"/>
+        <c:numFmt formatCode="General" sourceLinked="1"/>
+        <c:majorTickMark val="none"/>
+        <c:minorTickMark val="none"/>
+        <c:tickLblPos val="nextTo"/>
+        <c:spPr>
+          <a:noFill/>
+          <a:ln w="9525" cap="flat" cmpd="sng" algn="ctr">
+            <a:solidFill>
+              <a:schemeClr val="tx1">
+                <a:lumMod val="15000"/>
+                <a:lumOff val="85000"/>
+              </a:schemeClr>
+            </a:solidFill>
+            <a:round/>
+          </a:ln>
+          <a:effectLst/>
+        </c:spPr>
+        <c:txPr>
+          <a:bodyPr rot="-60000000" spcFirstLastPara="1" vertOverflow="ellipsis" vert="horz" wrap="square" anchor="ctr" anchorCtr="1"/>
+          <a:lstStyle/>
+          <a:p>
+            <a:pPr>
+              <a:defRPr sz="900" b="0" i="0" u="none" strike="noStrike" kern="1200" baseline="0">
+                <a:solidFill>
+                  <a:schemeClr val="tx1">
+                    <a:lumMod val="65000"/>
+                    <a:lumOff val="35000"/>
+                  </a:schemeClr>
+                </a:solidFill>
+                <a:latin typeface="+mn-lt"/>
+                <a:ea typeface="+mn-ea"/>
+                <a:cs typeface="+mn-cs"/>
+              </a:defRPr>
+            </a:pPr>
+            <a:endParaRPr lang="en-US"/>
+          </a:p>
+        </c:txPr>
+        <c:crossAx val="690602832"/>
+        <c:crosses val="autoZero"/>
+        <c:auto val="1"/>
+        <c:lblAlgn val="ctr"/>
+        <c:lblOffset val="100"/>
+        <c:noMultiLvlLbl val="0"/>
+      </c:catAx>
+      <c:valAx>
+        <c:axId val="690602832"/>
+        <c:scaling>
+          <c:orientation val="minMax"/>
+        </c:scaling>
+        <c:delete val="0"/>
+        <c:axPos val="b"/>
+        <c:majorGridlines>
+          <c:spPr>
+            <a:ln w="9525" cap="flat" cmpd="sng" algn="ctr">
+              <a:solidFill>
+                <a:schemeClr val="tx1">
+                  <a:lumMod val="15000"/>
+                  <a:lumOff val="85000"/>
+                </a:schemeClr>
+              </a:solidFill>
+              <a:round/>
+            </a:ln>
+            <a:effectLst/>
+          </c:spPr>
+        </c:majorGridlines>
+        <c:numFmt formatCode="General" sourceLinked="1"/>
+        <c:majorTickMark val="none"/>
+        <c:minorTickMark val="none"/>
+        <c:tickLblPos val="nextTo"/>
+        <c:spPr>
+          <a:noFill/>
+          <a:ln>
+            <a:noFill/>
+          </a:ln>
+          <a:effectLst/>
+        </c:spPr>
+        <c:txPr>
+          <a:bodyPr rot="-60000000" spcFirstLastPara="1" vertOverflow="ellipsis" vert="horz" wrap="square" anchor="ctr" anchorCtr="1"/>
+          <a:lstStyle/>
+          <a:p>
+            <a:pPr>
+              <a:defRPr sz="900" b="0" i="0" u="none" strike="noStrike" kern="1200" baseline="0">
+                <a:solidFill>
+                  <a:schemeClr val="tx1">
+                    <a:lumMod val="65000"/>
+                    <a:lumOff val="35000"/>
+                  </a:schemeClr>
+                </a:solidFill>
+                <a:latin typeface="+mn-lt"/>
+                <a:ea typeface="+mn-ea"/>
+                <a:cs typeface="+mn-cs"/>
+              </a:defRPr>
+            </a:pPr>
+            <a:endParaRPr lang="en-US"/>
+          </a:p>
+        </c:txPr>
+        <c:crossAx val="690583632"/>
+        <c:crosses val="autoZero"/>
+        <c:crossBetween val="between"/>
+      </c:valAx>
+      <c:spPr>
+        <a:noFill/>
+        <a:ln>
+          <a:noFill/>
+        </a:ln>
+        <a:effectLst/>
+      </c:spPr>
+    </c:plotArea>
+    <c:plotVisOnly val="1"/>
+    <c:dispBlanksAs val="gap"/>
+    <c:showDLblsOverMax val="0"/>
+  </c:chart>
+  <c:spPr>
+    <a:noFill/>
+    <a:ln>
+      <a:noFill/>
+    </a:ln>
+    <a:effectLst/>
+  </c:spPr>
+  <c:txPr>
+    <a:bodyPr/>
+    <a:lstStyle/>
+    <a:p>
+      <a:pPr>
+        <a:defRPr/>
+      </a:pPr>
+      <a:endParaRPr lang="en-US"/>
+    </a:p>
+  </c:txPr>
+  <c:externalData r:id="rId3">
+    <c:autoUpdate val="0"/>
+  </c:externalData>
+</c:chartSpace>
+</file>
+
+<file path=ppt/charts/chart2.xml><?xml version="1.0" encoding="utf-8"?>
+<c:chartSpace xmlns:c="http://schemas.openxmlformats.org/drawingml/2006/chart" xmlns:a="http://schemas.openxmlformats.org/drawingml/2006/main" xmlns:r="http://schemas.openxmlformats.org/officeDocument/2006/relationships" xmlns:c16r2="http://schemas.microsoft.com/office/drawing/2015/06/chart">
+  <c:date1904 val="0"/>
+  <c:lang val="en-US"/>
+  <c:roundedCorners val="0"/>
+  <mc:AlternateContent xmlns:mc="http://schemas.openxmlformats.org/markup-compatibility/2006">
+    <mc:Choice xmlns:c14="http://schemas.microsoft.com/office/drawing/2007/8/2/chart" Requires="c14">
+      <c14:style val="102"/>
+    </mc:Choice>
+    <mc:Fallback>
+      <c:style val="2"/>
+    </mc:Fallback>
+  </mc:AlternateContent>
+  <c:chart>
+    <c:title>
+      <c:tx>
+        <c:rich>
+          <a:bodyPr rot="0" spcFirstLastPara="1" vertOverflow="ellipsis" vert="horz" wrap="square" anchor="ctr" anchorCtr="1"/>
+          <a:lstStyle/>
+          <a:p>
+            <a:pPr>
+              <a:defRPr sz="1400" b="0" i="0" u="none" strike="noStrike" kern="1200" spc="0" baseline="0">
+                <a:solidFill>
+                  <a:schemeClr val="tx1">
+                    <a:lumMod val="65000"/>
+                    <a:lumOff val="35000"/>
+                  </a:schemeClr>
+                </a:solidFill>
+                <a:latin typeface="+mn-lt"/>
+                <a:ea typeface="+mn-ea"/>
+                <a:cs typeface="+mn-cs"/>
+              </a:defRPr>
+            </a:pPr>
+            <a:r>
+              <a:rPr lang="en-US"/>
+              <a:t>10 Writers 1 Reader</a:t>
+            </a:r>
+          </a:p>
+        </c:rich>
+      </c:tx>
+      <c:overlay val="0"/>
+      <c:spPr>
+        <a:noFill/>
+        <a:ln>
+          <a:noFill/>
+        </a:ln>
+        <a:effectLst/>
+      </c:spPr>
+      <c:txPr>
+        <a:bodyPr rot="0" spcFirstLastPara="1" vertOverflow="ellipsis" vert="horz" wrap="square" anchor="ctr" anchorCtr="1"/>
+        <a:lstStyle/>
+        <a:p>
+          <a:pPr>
+            <a:defRPr sz="1400" b="0" i="0" u="none" strike="noStrike" kern="1200" spc="0" baseline="0">
+              <a:solidFill>
+                <a:schemeClr val="tx1">
+                  <a:lumMod val="65000"/>
+                  <a:lumOff val="35000"/>
+                </a:schemeClr>
+              </a:solidFill>
+              <a:latin typeface="+mn-lt"/>
+              <a:ea typeface="+mn-ea"/>
+              <a:cs typeface="+mn-cs"/>
+            </a:defRPr>
+          </a:pPr>
+          <a:endParaRPr lang="en-US"/>
+        </a:p>
+      </c:txPr>
+    </c:title>
+    <c:autoTitleDeleted val="0"/>
+    <c:plotArea>
+      <c:layout/>
+      <c:barChart>
+        <c:barDir val="bar"/>
+        <c:grouping val="clustered"/>
+        <c:varyColors val="0"/>
+        <c:ser>
+          <c:idx val="0"/>
+          <c:order val="0"/>
+          <c:spPr>
+            <a:solidFill>
+              <a:schemeClr val="accent1"/>
+            </a:solidFill>
+            <a:ln>
+              <a:noFill/>
+            </a:ln>
+            <a:effectLst/>
+          </c:spPr>
+          <c:invertIfNegative val="0"/>
+          <c:cat>
+            <c:strRef>
+              <c:f>Sheet1!$A$5:$I$5</c:f>
+              <c:strCache>
+                <c:ptCount val="9"/>
+                <c:pt idx="0">
+                  <c:v>10writer1reader1</c:v>
+                </c:pt>
+                <c:pt idx="1">
+                  <c:v>10writer1reader2</c:v>
+                </c:pt>
+                <c:pt idx="2">
+                  <c:v>10writer1reader3</c:v>
+                </c:pt>
+                <c:pt idx="3">
+                  <c:v>10writer1reader4</c:v>
+                </c:pt>
+                <c:pt idx="4">
+                  <c:v>10writer1reader5</c:v>
+                </c:pt>
+                <c:pt idx="5">
+                  <c:v>10writer1reader6</c:v>
+                </c:pt>
+                <c:pt idx="6">
+                  <c:v>10writer1reader7</c:v>
+                </c:pt>
+                <c:pt idx="7">
+                  <c:v>10writer1reader8</c:v>
+                </c:pt>
+                <c:pt idx="8">
+                  <c:v>10writer1reader9</c:v>
+                </c:pt>
+              </c:strCache>
+            </c:strRef>
+          </c:cat>
+          <c:val>
+            <c:numRef>
+              <c:f>Sheet1!$A$6:$I$6</c:f>
+              <c:numCache>
+                <c:formatCode>General</c:formatCode>
+                <c:ptCount val="9"/>
+                <c:pt idx="0">
+                  <c:v>21363.258426966291</c:v>
+                </c:pt>
+                <c:pt idx="1">
+                  <c:v>22306.426966292136</c:v>
+                </c:pt>
+                <c:pt idx="2">
+                  <c:v>21280.432584269663</c:v>
+                </c:pt>
+                <c:pt idx="3">
+                  <c:v>24154.331460674159</c:v>
+                </c:pt>
+                <c:pt idx="4">
+                  <c:v>22620.483146067414</c:v>
+                </c:pt>
+                <c:pt idx="5">
+                  <c:v>20710.528089887641</c:v>
+                </c:pt>
+                <c:pt idx="6">
+                  <c:v>22066.196629213482</c:v>
+                </c:pt>
+                <c:pt idx="7">
+                  <c:v>22277.528089887641</c:v>
+                </c:pt>
+                <c:pt idx="8">
+                  <c:v>21023.573033707864</c:v>
+                </c:pt>
+              </c:numCache>
+            </c:numRef>
+          </c:val>
+          <c:extLst>
+            <c:ext xmlns:c16="http://schemas.microsoft.com/office/drawing/2014/chart" uri="{C3380CC4-5D6E-409C-BE32-E72D297353CC}">
+              <c16:uniqueId val="{00000000-6E26-4B37-B265-0EF11128E8E7}"/>
+            </c:ext>
+          </c:extLst>
+        </c:ser>
+        <c:dLbls>
+          <c:showLegendKey val="0"/>
+          <c:showVal val="0"/>
+          <c:showCatName val="0"/>
+          <c:showSerName val="0"/>
+          <c:showPercent val="0"/>
+          <c:showBubbleSize val="0"/>
+        </c:dLbls>
+        <c:gapWidth val="182"/>
+        <c:axId val="735764624"/>
+        <c:axId val="735761104"/>
+      </c:barChart>
+      <c:catAx>
+        <c:axId val="735764624"/>
+        <c:scaling>
+          <c:orientation val="minMax"/>
+        </c:scaling>
+        <c:delete val="0"/>
+        <c:axPos val="l"/>
+        <c:numFmt formatCode="General" sourceLinked="1"/>
+        <c:majorTickMark val="none"/>
+        <c:minorTickMark val="none"/>
+        <c:tickLblPos val="nextTo"/>
+        <c:spPr>
+          <a:noFill/>
+          <a:ln w="9525" cap="flat" cmpd="sng" algn="ctr">
+            <a:solidFill>
+              <a:schemeClr val="tx1">
+                <a:lumMod val="15000"/>
+                <a:lumOff val="85000"/>
+              </a:schemeClr>
+            </a:solidFill>
+            <a:round/>
+          </a:ln>
+          <a:effectLst/>
+        </c:spPr>
+        <c:txPr>
+          <a:bodyPr rot="-60000000" spcFirstLastPara="1" vertOverflow="ellipsis" vert="horz" wrap="square" anchor="ctr" anchorCtr="1"/>
+          <a:lstStyle/>
+          <a:p>
+            <a:pPr>
+              <a:defRPr sz="900" b="0" i="0" u="none" strike="noStrike" kern="1200" baseline="0">
+                <a:solidFill>
+                  <a:schemeClr val="tx1">
+                    <a:lumMod val="65000"/>
+                    <a:lumOff val="35000"/>
+                  </a:schemeClr>
+                </a:solidFill>
+                <a:latin typeface="+mn-lt"/>
+                <a:ea typeface="+mn-ea"/>
+                <a:cs typeface="+mn-cs"/>
+              </a:defRPr>
+            </a:pPr>
+            <a:endParaRPr lang="en-US"/>
+          </a:p>
+        </c:txPr>
+        <c:crossAx val="735761104"/>
+        <c:crosses val="autoZero"/>
+        <c:auto val="1"/>
+        <c:lblAlgn val="ctr"/>
+        <c:lblOffset val="100"/>
+        <c:noMultiLvlLbl val="0"/>
+      </c:catAx>
+      <c:valAx>
+        <c:axId val="735761104"/>
+        <c:scaling>
+          <c:orientation val="minMax"/>
+        </c:scaling>
+        <c:delete val="0"/>
+        <c:axPos val="b"/>
+        <c:majorGridlines>
+          <c:spPr>
+            <a:ln w="9525" cap="flat" cmpd="sng" algn="ctr">
+              <a:solidFill>
+                <a:schemeClr val="tx1">
+                  <a:lumMod val="15000"/>
+                  <a:lumOff val="85000"/>
+                </a:schemeClr>
+              </a:solidFill>
+              <a:round/>
+            </a:ln>
+            <a:effectLst/>
+          </c:spPr>
+        </c:majorGridlines>
+        <c:numFmt formatCode="General" sourceLinked="1"/>
+        <c:majorTickMark val="none"/>
+        <c:minorTickMark val="none"/>
+        <c:tickLblPos val="nextTo"/>
+        <c:spPr>
+          <a:noFill/>
+          <a:ln>
+            <a:noFill/>
+          </a:ln>
+          <a:effectLst/>
+        </c:spPr>
+        <c:txPr>
+          <a:bodyPr rot="-60000000" spcFirstLastPara="1" vertOverflow="ellipsis" vert="horz" wrap="square" anchor="ctr" anchorCtr="1"/>
+          <a:lstStyle/>
+          <a:p>
+            <a:pPr>
+              <a:defRPr sz="900" b="0" i="0" u="none" strike="noStrike" kern="1200" baseline="0">
+                <a:solidFill>
+                  <a:schemeClr val="tx1">
+                    <a:lumMod val="65000"/>
+                    <a:lumOff val="35000"/>
+                  </a:schemeClr>
+                </a:solidFill>
+                <a:latin typeface="+mn-lt"/>
+                <a:ea typeface="+mn-ea"/>
+                <a:cs typeface="+mn-cs"/>
+              </a:defRPr>
+            </a:pPr>
+            <a:endParaRPr lang="en-US"/>
+          </a:p>
+        </c:txPr>
+        <c:crossAx val="735764624"/>
+        <c:crosses val="autoZero"/>
+        <c:crossBetween val="between"/>
+      </c:valAx>
+      <c:spPr>
+        <a:noFill/>
+        <a:ln>
+          <a:noFill/>
+        </a:ln>
+        <a:effectLst/>
+      </c:spPr>
+    </c:plotArea>
+    <c:plotVisOnly val="1"/>
+    <c:dispBlanksAs val="gap"/>
+    <c:showDLblsOverMax val="0"/>
+  </c:chart>
+  <c:spPr>
+    <a:noFill/>
+    <a:ln>
+      <a:noFill/>
+    </a:ln>
+    <a:effectLst/>
+  </c:spPr>
+  <c:txPr>
+    <a:bodyPr/>
+    <a:lstStyle/>
+    <a:p>
+      <a:pPr>
+        <a:defRPr/>
+      </a:pPr>
+      <a:endParaRPr lang="en-US"/>
+    </a:p>
+  </c:txPr>
+  <c:externalData r:id="rId3">
+    <c:autoUpdate val="0"/>
+  </c:externalData>
+</c:chartSpace>
+</file>
+
+<file path=ppt/charts/chart3.xml><?xml version="1.0" encoding="utf-8"?>
+<c:chartSpace xmlns:c="http://schemas.openxmlformats.org/drawingml/2006/chart" xmlns:a="http://schemas.openxmlformats.org/drawingml/2006/main" xmlns:r="http://schemas.openxmlformats.org/officeDocument/2006/relationships" xmlns:c16r2="http://schemas.microsoft.com/office/drawing/2015/06/chart">
+  <c:date1904 val="0"/>
+  <c:lang val="en-US"/>
+  <c:roundedCorners val="0"/>
+  <mc:AlternateContent xmlns:mc="http://schemas.openxmlformats.org/markup-compatibility/2006">
+    <mc:Choice xmlns:c14="http://schemas.microsoft.com/office/drawing/2007/8/2/chart" Requires="c14">
+      <c14:style val="102"/>
+    </mc:Choice>
+    <mc:Fallback>
+      <c:style val="2"/>
+    </mc:Fallback>
+  </mc:AlternateContent>
+  <c:chart>
+    <c:title>
+      <c:tx>
+        <c:rich>
+          <a:bodyPr rot="0" spcFirstLastPara="1" vertOverflow="ellipsis" vert="horz" wrap="square" anchor="ctr" anchorCtr="1"/>
+          <a:lstStyle/>
+          <a:p>
+            <a:pPr>
+              <a:defRPr sz="1400" b="0" i="0" u="none" strike="noStrike" kern="1200" spc="0" baseline="0">
+                <a:solidFill>
+                  <a:schemeClr val="tx1">
+                    <a:lumMod val="65000"/>
+                    <a:lumOff val="35000"/>
+                  </a:schemeClr>
+                </a:solidFill>
+                <a:latin typeface="+mn-lt"/>
+                <a:ea typeface="+mn-ea"/>
+                <a:cs typeface="+mn-cs"/>
+              </a:defRPr>
+            </a:pPr>
+            <a:r>
+              <a:rPr lang="en-US"/>
+              <a:t>25 Writer 25 Readers</a:t>
+            </a:r>
+          </a:p>
+        </c:rich>
+      </c:tx>
+      <c:overlay val="0"/>
+      <c:spPr>
+        <a:noFill/>
+        <a:ln>
+          <a:noFill/>
+        </a:ln>
+        <a:effectLst/>
+      </c:spPr>
+      <c:txPr>
+        <a:bodyPr rot="0" spcFirstLastPara="1" vertOverflow="ellipsis" vert="horz" wrap="square" anchor="ctr" anchorCtr="1"/>
+        <a:lstStyle/>
+        <a:p>
+          <a:pPr>
+            <a:defRPr sz="1400" b="0" i="0" u="none" strike="noStrike" kern="1200" spc="0" baseline="0">
+              <a:solidFill>
+                <a:schemeClr val="tx1">
+                  <a:lumMod val="65000"/>
+                  <a:lumOff val="35000"/>
+                </a:schemeClr>
+              </a:solidFill>
+              <a:latin typeface="+mn-lt"/>
+              <a:ea typeface="+mn-ea"/>
+              <a:cs typeface="+mn-cs"/>
+            </a:defRPr>
+          </a:pPr>
+          <a:endParaRPr lang="en-US"/>
+        </a:p>
+      </c:txPr>
+    </c:title>
+    <c:autoTitleDeleted val="0"/>
+    <c:plotArea>
+      <c:layout/>
+      <c:barChart>
+        <c:barDir val="bar"/>
+        <c:grouping val="clustered"/>
+        <c:varyColors val="0"/>
+        <c:ser>
+          <c:idx val="0"/>
+          <c:order val="0"/>
+          <c:spPr>
+            <a:solidFill>
+              <a:schemeClr val="accent1"/>
+            </a:solidFill>
+            <a:ln>
+              <a:noFill/>
+            </a:ln>
+            <a:effectLst/>
+          </c:spPr>
+          <c:invertIfNegative val="0"/>
+          <c:cat>
+            <c:strRef>
+              <c:f>Sheet1!$A$9:$E$9</c:f>
+              <c:strCache>
+                <c:ptCount val="5"/>
+                <c:pt idx="0">
+                  <c:v>25writer25reader1</c:v>
+                </c:pt>
+                <c:pt idx="1">
+                  <c:v>25writer25reader2</c:v>
+                </c:pt>
+                <c:pt idx="2">
+                  <c:v>25writer25reader3</c:v>
+                </c:pt>
+                <c:pt idx="3">
+                  <c:v>25writer25reader4</c:v>
+                </c:pt>
+                <c:pt idx="4">
+                  <c:v>25writer25reader5</c:v>
+                </c:pt>
+              </c:strCache>
+            </c:strRef>
+          </c:cat>
+          <c:val>
+            <c:numRef>
+              <c:f>Sheet1!$A$10:$E$10</c:f>
+              <c:numCache>
+                <c:formatCode>General</c:formatCode>
+                <c:ptCount val="5"/>
+                <c:pt idx="0">
+                  <c:v>18399.550802139038</c:v>
+                </c:pt>
+                <c:pt idx="1">
+                  <c:v>18850.213903743315</c:v>
+                </c:pt>
+                <c:pt idx="2">
+                  <c:v>18732.203208556151</c:v>
+                </c:pt>
+                <c:pt idx="3">
+                  <c:v>19719.957219251337</c:v>
+                </c:pt>
+                <c:pt idx="4">
+                  <c:v>18800.534759358288</c:v>
+                </c:pt>
+              </c:numCache>
+            </c:numRef>
+          </c:val>
+          <c:extLst>
+            <c:ext xmlns:c16="http://schemas.microsoft.com/office/drawing/2014/chart" uri="{C3380CC4-5D6E-409C-BE32-E72D297353CC}">
+              <c16:uniqueId val="{00000000-4752-4808-A10C-8B82348AA2A5}"/>
+            </c:ext>
+          </c:extLst>
+        </c:ser>
+        <c:dLbls>
+          <c:showLegendKey val="0"/>
+          <c:showVal val="0"/>
+          <c:showCatName val="0"/>
+          <c:showSerName val="0"/>
+          <c:showPercent val="0"/>
+          <c:showBubbleSize val="0"/>
+        </c:dLbls>
+        <c:gapWidth val="182"/>
+        <c:axId val="735767824"/>
+        <c:axId val="735766224"/>
+      </c:barChart>
+      <c:catAx>
+        <c:axId val="735767824"/>
+        <c:scaling>
+          <c:orientation val="minMax"/>
+        </c:scaling>
+        <c:delete val="0"/>
+        <c:axPos val="l"/>
+        <c:numFmt formatCode="General" sourceLinked="1"/>
+        <c:majorTickMark val="none"/>
+        <c:minorTickMark val="none"/>
+        <c:tickLblPos val="nextTo"/>
+        <c:spPr>
+          <a:noFill/>
+          <a:ln w="9525" cap="flat" cmpd="sng" algn="ctr">
+            <a:solidFill>
+              <a:schemeClr val="tx1">
+                <a:lumMod val="15000"/>
+                <a:lumOff val="85000"/>
+              </a:schemeClr>
+            </a:solidFill>
+            <a:round/>
+          </a:ln>
+          <a:effectLst/>
+        </c:spPr>
+        <c:txPr>
+          <a:bodyPr rot="-60000000" spcFirstLastPara="1" vertOverflow="ellipsis" vert="horz" wrap="square" anchor="ctr" anchorCtr="1"/>
+          <a:lstStyle/>
+          <a:p>
+            <a:pPr>
+              <a:defRPr sz="900" b="0" i="0" u="none" strike="noStrike" kern="1200" baseline="0">
+                <a:solidFill>
+                  <a:schemeClr val="tx1">
+                    <a:lumMod val="65000"/>
+                    <a:lumOff val="35000"/>
+                  </a:schemeClr>
+                </a:solidFill>
+                <a:latin typeface="+mn-lt"/>
+                <a:ea typeface="+mn-ea"/>
+                <a:cs typeface="+mn-cs"/>
+              </a:defRPr>
+            </a:pPr>
+            <a:endParaRPr lang="en-US"/>
+          </a:p>
+        </c:txPr>
+        <c:crossAx val="735766224"/>
+        <c:crosses val="autoZero"/>
+        <c:auto val="1"/>
+        <c:lblAlgn val="ctr"/>
+        <c:lblOffset val="100"/>
+        <c:noMultiLvlLbl val="0"/>
+      </c:catAx>
+      <c:valAx>
+        <c:axId val="735766224"/>
+        <c:scaling>
+          <c:orientation val="minMax"/>
+        </c:scaling>
+        <c:delete val="0"/>
+        <c:axPos val="b"/>
+        <c:majorGridlines>
+          <c:spPr>
+            <a:ln w="9525" cap="flat" cmpd="sng" algn="ctr">
+              <a:solidFill>
+                <a:schemeClr val="tx1">
+                  <a:lumMod val="15000"/>
+                  <a:lumOff val="85000"/>
+                </a:schemeClr>
+              </a:solidFill>
+              <a:round/>
+            </a:ln>
+            <a:effectLst/>
+          </c:spPr>
+        </c:majorGridlines>
+        <c:numFmt formatCode="General" sourceLinked="1"/>
+        <c:majorTickMark val="none"/>
+        <c:minorTickMark val="none"/>
+        <c:tickLblPos val="nextTo"/>
+        <c:spPr>
+          <a:noFill/>
+          <a:ln>
+            <a:noFill/>
+          </a:ln>
+          <a:effectLst/>
+        </c:spPr>
+        <c:txPr>
+          <a:bodyPr rot="-60000000" spcFirstLastPara="1" vertOverflow="ellipsis" vert="horz" wrap="square" anchor="ctr" anchorCtr="1"/>
+          <a:lstStyle/>
+          <a:p>
+            <a:pPr>
+              <a:defRPr sz="900" b="0" i="0" u="none" strike="noStrike" kern="1200" baseline="0">
+                <a:solidFill>
+                  <a:schemeClr val="tx1">
+                    <a:lumMod val="65000"/>
+                    <a:lumOff val="35000"/>
+                  </a:schemeClr>
+                </a:solidFill>
+                <a:latin typeface="+mn-lt"/>
+                <a:ea typeface="+mn-ea"/>
+                <a:cs typeface="+mn-cs"/>
+              </a:defRPr>
+            </a:pPr>
+            <a:endParaRPr lang="en-US"/>
+          </a:p>
+        </c:txPr>
+        <c:crossAx val="735767824"/>
+        <c:crosses val="autoZero"/>
+        <c:crossBetween val="between"/>
+      </c:valAx>
+      <c:spPr>
+        <a:noFill/>
+        <a:ln>
+          <a:noFill/>
+        </a:ln>
+        <a:effectLst/>
+      </c:spPr>
+    </c:plotArea>
+    <c:plotVisOnly val="1"/>
+    <c:dispBlanksAs val="gap"/>
+    <c:showDLblsOverMax val="0"/>
+  </c:chart>
+  <c:spPr>
+    <a:noFill/>
+    <a:ln>
+      <a:noFill/>
+    </a:ln>
+    <a:effectLst/>
+  </c:spPr>
+  <c:txPr>
+    <a:bodyPr/>
+    <a:lstStyle/>
+    <a:p>
+      <a:pPr>
+        <a:defRPr/>
+      </a:pPr>
+      <a:endParaRPr lang="en-US"/>
+    </a:p>
+  </c:txPr>
+  <c:externalData r:id="rId3">
+    <c:autoUpdate val="0"/>
+  </c:externalData>
+</c:chartSpace>
+</file>
+
+<file path=ppt/charts/chart4.xml><?xml version="1.0" encoding="utf-8"?>
+<c:chartSpace xmlns:c="http://schemas.openxmlformats.org/drawingml/2006/chart" xmlns:a="http://schemas.openxmlformats.org/drawingml/2006/main" xmlns:r="http://schemas.openxmlformats.org/officeDocument/2006/relationships" xmlns:c16r2="http://schemas.microsoft.com/office/drawing/2015/06/chart">
+  <c:date1904 val="0"/>
+  <c:lang val="en-US"/>
+  <c:roundedCorners val="0"/>
+  <mc:AlternateContent xmlns:mc="http://schemas.openxmlformats.org/markup-compatibility/2006">
+    <mc:Choice xmlns:c14="http://schemas.microsoft.com/office/drawing/2007/8/2/chart" Requires="c14">
+      <c14:style val="102"/>
+    </mc:Choice>
+    <mc:Fallback>
+      <c:style val="2"/>
+    </mc:Fallback>
+  </mc:AlternateContent>
+  <c:chart>
+    <c:title>
+      <c:tx>
+        <c:rich>
+          <a:bodyPr rot="0" spcFirstLastPara="1" vertOverflow="ellipsis" vert="horz" wrap="square" anchor="ctr" anchorCtr="1"/>
+          <a:lstStyle/>
+          <a:p>
+            <a:pPr>
+              <a:defRPr sz="1400" b="0" i="0" u="none" strike="noStrike" kern="1200" spc="0" baseline="0">
+                <a:solidFill>
+                  <a:schemeClr val="tx1">
+                    <a:lumMod val="65000"/>
+                    <a:lumOff val="35000"/>
+                  </a:schemeClr>
+                </a:solidFill>
+                <a:latin typeface="+mn-lt"/>
+                <a:ea typeface="+mn-ea"/>
+                <a:cs typeface="+mn-cs"/>
+              </a:defRPr>
+            </a:pPr>
+            <a:r>
+              <a:rPr lang="en-US"/>
+              <a:t>CAP Data</a:t>
+            </a:r>
+          </a:p>
+        </c:rich>
+      </c:tx>
+      <c:overlay val="0"/>
+      <c:spPr>
+        <a:noFill/>
+        <a:ln>
+          <a:noFill/>
+        </a:ln>
+        <a:effectLst/>
+      </c:spPr>
+      <c:txPr>
+        <a:bodyPr rot="0" spcFirstLastPara="1" vertOverflow="ellipsis" vert="horz" wrap="square" anchor="ctr" anchorCtr="1"/>
+        <a:lstStyle/>
+        <a:p>
+          <a:pPr>
+            <a:defRPr sz="1400" b="0" i="0" u="none" strike="noStrike" kern="1200" spc="0" baseline="0">
+              <a:solidFill>
+                <a:schemeClr val="tx1">
+                  <a:lumMod val="65000"/>
+                  <a:lumOff val="35000"/>
+                </a:schemeClr>
+              </a:solidFill>
+              <a:latin typeface="+mn-lt"/>
+              <a:ea typeface="+mn-ea"/>
+              <a:cs typeface="+mn-cs"/>
+            </a:defRPr>
+          </a:pPr>
+          <a:endParaRPr lang="en-US"/>
+        </a:p>
+      </c:txPr>
+    </c:title>
+    <c:autoTitleDeleted val="0"/>
+    <c:plotArea>
+      <c:layout/>
+      <c:lineChart>
+        <c:grouping val="standard"/>
+        <c:varyColors val="0"/>
+        <c:ser>
+          <c:idx val="0"/>
+          <c:order val="0"/>
+          <c:tx>
+            <c:strRef>
+              <c:f>Sheet5!$A$2</c:f>
+              <c:strCache>
+                <c:ptCount val="1"/>
+                <c:pt idx="0">
+                  <c:v>SRAW</c:v>
+                </c:pt>
+              </c:strCache>
+            </c:strRef>
+          </c:tx>
+          <c:spPr>
+            <a:ln w="28575" cap="rnd">
+              <a:solidFill>
+                <a:schemeClr val="accent1"/>
+              </a:solidFill>
+              <a:round/>
+            </a:ln>
+            <a:effectLst/>
+          </c:spPr>
+          <c:marker>
+            <c:symbol val="none"/>
+          </c:marker>
+          <c:cat>
+            <c:strRef>
+              <c:f>Sheet5!$B$1:$I$1</c:f>
+              <c:strCache>
+                <c:ptCount val="8"/>
+                <c:pt idx="0">
+                  <c:v>Cap Time 1</c:v>
+                </c:pt>
+                <c:pt idx="1">
+                  <c:v>Cap Time 2</c:v>
+                </c:pt>
+                <c:pt idx="2">
+                  <c:v>Cap Time 3</c:v>
+                </c:pt>
+                <c:pt idx="3">
+                  <c:v>Cap Time 4</c:v>
+                </c:pt>
+                <c:pt idx="4">
+                  <c:v>Cap Time 5</c:v>
+                </c:pt>
+                <c:pt idx="5">
+                  <c:v>Cap Time 6</c:v>
+                </c:pt>
+                <c:pt idx="6">
+                  <c:v>Cap Time 7</c:v>
+                </c:pt>
+                <c:pt idx="7">
+                  <c:v>Cap Time 8</c:v>
+                </c:pt>
+              </c:strCache>
+            </c:strRef>
+          </c:cat>
+          <c:val>
+            <c:numRef>
+              <c:f>Sheet5!$B$2:$I$2</c:f>
+              <c:numCache>
+                <c:formatCode>General</c:formatCode>
+                <c:ptCount val="8"/>
+                <c:pt idx="0">
+                  <c:v>1.2</c:v>
+                </c:pt>
+                <c:pt idx="1">
+                  <c:v>1.7</c:v>
+                </c:pt>
+                <c:pt idx="2">
+                  <c:v>1.7</c:v>
+                </c:pt>
+                <c:pt idx="3">
+                  <c:v>4.01</c:v>
+                </c:pt>
+                <c:pt idx="4">
+                  <c:v>6.6</c:v>
+                </c:pt>
+                <c:pt idx="5">
+                  <c:v>3.64</c:v>
+                </c:pt>
+                <c:pt idx="6">
+                  <c:v>7.83</c:v>
+                </c:pt>
+                <c:pt idx="7">
+                  <c:v>5.51</c:v>
+                </c:pt>
+              </c:numCache>
+            </c:numRef>
+          </c:val>
+          <c:smooth val="0"/>
+          <c:extLst>
+            <c:ext xmlns:c16="http://schemas.microsoft.com/office/drawing/2014/chart" uri="{C3380CC4-5D6E-409C-BE32-E72D297353CC}">
+              <c16:uniqueId val="{00000000-A60F-485E-ABD1-1824E14F58C9}"/>
+            </c:ext>
+          </c:extLst>
+        </c:ser>
+        <c:ser>
+          <c:idx val="1"/>
+          <c:order val="1"/>
+          <c:tx>
+            <c:strRef>
+              <c:f>Sheet5!$A$3</c:f>
+              <c:strCache>
+                <c:ptCount val="1"/>
+                <c:pt idx="0">
+                  <c:v>RAW:</c:v>
+                </c:pt>
+              </c:strCache>
+            </c:strRef>
+          </c:tx>
+          <c:spPr>
+            <a:ln w="28575" cap="rnd">
+              <a:solidFill>
+                <a:schemeClr val="accent2"/>
+              </a:solidFill>
+              <a:round/>
+            </a:ln>
+            <a:effectLst/>
+          </c:spPr>
+          <c:marker>
+            <c:symbol val="none"/>
+          </c:marker>
+          <c:cat>
+            <c:strRef>
+              <c:f>Sheet5!$B$1:$I$1</c:f>
+              <c:strCache>
+                <c:ptCount val="8"/>
+                <c:pt idx="0">
+                  <c:v>Cap Time 1</c:v>
+                </c:pt>
+                <c:pt idx="1">
+                  <c:v>Cap Time 2</c:v>
+                </c:pt>
+                <c:pt idx="2">
+                  <c:v>Cap Time 3</c:v>
+                </c:pt>
+                <c:pt idx="3">
+                  <c:v>Cap Time 4</c:v>
+                </c:pt>
+                <c:pt idx="4">
+                  <c:v>Cap Time 5</c:v>
+                </c:pt>
+                <c:pt idx="5">
+                  <c:v>Cap Time 6</c:v>
+                </c:pt>
+                <c:pt idx="6">
+                  <c:v>Cap Time 7</c:v>
+                </c:pt>
+                <c:pt idx="7">
+                  <c:v>Cap Time 8</c:v>
+                </c:pt>
+              </c:strCache>
+            </c:strRef>
+          </c:cat>
+          <c:val>
+            <c:numRef>
+              <c:f>Sheet5!$B$3:$I$3</c:f>
+              <c:numCache>
+                <c:formatCode>General</c:formatCode>
+                <c:ptCount val="8"/>
+                <c:pt idx="0">
+                  <c:v>4.8</c:v>
+                </c:pt>
+                <c:pt idx="1">
+                  <c:v>1.4</c:v>
+                </c:pt>
+                <c:pt idx="2">
+                  <c:v>1.8</c:v>
+                </c:pt>
+                <c:pt idx="3">
+                  <c:v>5.0199999999999996</c:v>
+                </c:pt>
+                <c:pt idx="4">
+                  <c:v>5.04</c:v>
+                </c:pt>
+                <c:pt idx="5">
+                  <c:v>4.99</c:v>
+                </c:pt>
+                <c:pt idx="6">
+                  <c:v>4.9400000000000004</c:v>
+                </c:pt>
+                <c:pt idx="7">
+                  <c:v>5.19</c:v>
+                </c:pt>
+              </c:numCache>
+            </c:numRef>
+          </c:val>
+          <c:smooth val="0"/>
+          <c:extLst>
+            <c:ext xmlns:c16="http://schemas.microsoft.com/office/drawing/2014/chart" uri="{C3380CC4-5D6E-409C-BE32-E72D297353CC}">
+              <c16:uniqueId val="{00000001-A60F-485E-ABD1-1824E14F58C9}"/>
+            </c:ext>
+          </c:extLst>
+        </c:ser>
+        <c:dLbls>
+          <c:showLegendKey val="0"/>
+          <c:showVal val="0"/>
+          <c:showCatName val="0"/>
+          <c:showSerName val="0"/>
+          <c:showPercent val="0"/>
+          <c:showBubbleSize val="0"/>
+        </c:dLbls>
+        <c:smooth val="0"/>
+        <c:axId val="605070096"/>
+        <c:axId val="605067216"/>
+      </c:lineChart>
+      <c:catAx>
+        <c:axId val="605070096"/>
+        <c:scaling>
+          <c:orientation val="minMax"/>
+        </c:scaling>
+        <c:delete val="0"/>
+        <c:axPos val="b"/>
+        <c:numFmt formatCode="General" sourceLinked="1"/>
+        <c:majorTickMark val="none"/>
+        <c:minorTickMark val="none"/>
+        <c:tickLblPos val="nextTo"/>
+        <c:spPr>
+          <a:noFill/>
+          <a:ln w="9525" cap="flat" cmpd="sng" algn="ctr">
+            <a:solidFill>
+              <a:schemeClr val="tx1">
+                <a:lumMod val="15000"/>
+                <a:lumOff val="85000"/>
+              </a:schemeClr>
+            </a:solidFill>
+            <a:round/>
+          </a:ln>
+          <a:effectLst/>
+        </c:spPr>
+        <c:txPr>
+          <a:bodyPr rot="-60000000" spcFirstLastPara="1" vertOverflow="ellipsis" vert="horz" wrap="square" anchor="ctr" anchorCtr="1"/>
+          <a:lstStyle/>
+          <a:p>
+            <a:pPr>
+              <a:defRPr sz="900" b="0" i="0" u="none" strike="noStrike" kern="1200" baseline="0">
+                <a:solidFill>
+                  <a:schemeClr val="tx1">
+                    <a:lumMod val="65000"/>
+                    <a:lumOff val="35000"/>
+                  </a:schemeClr>
+                </a:solidFill>
+                <a:latin typeface="+mn-lt"/>
+                <a:ea typeface="+mn-ea"/>
+                <a:cs typeface="+mn-cs"/>
+              </a:defRPr>
+            </a:pPr>
+            <a:endParaRPr lang="en-US"/>
+          </a:p>
+        </c:txPr>
+        <c:crossAx val="605067216"/>
+        <c:crosses val="autoZero"/>
+        <c:auto val="1"/>
+        <c:lblAlgn val="ctr"/>
+        <c:lblOffset val="100"/>
+        <c:noMultiLvlLbl val="0"/>
+      </c:catAx>
+      <c:valAx>
+        <c:axId val="605067216"/>
+        <c:scaling>
+          <c:orientation val="minMax"/>
+        </c:scaling>
+        <c:delete val="0"/>
+        <c:axPos val="l"/>
+        <c:majorGridlines>
+          <c:spPr>
+            <a:ln w="9525" cap="flat" cmpd="sng" algn="ctr">
+              <a:solidFill>
+                <a:schemeClr val="tx1">
+                  <a:lumMod val="15000"/>
+                  <a:lumOff val="85000"/>
+                </a:schemeClr>
+              </a:solidFill>
+              <a:round/>
+            </a:ln>
+            <a:effectLst/>
+          </c:spPr>
+        </c:majorGridlines>
+        <c:numFmt formatCode="General" sourceLinked="1"/>
+        <c:majorTickMark val="none"/>
+        <c:minorTickMark val="none"/>
+        <c:tickLblPos val="nextTo"/>
+        <c:spPr>
+          <a:noFill/>
+          <a:ln>
+            <a:noFill/>
+          </a:ln>
+          <a:effectLst/>
+        </c:spPr>
+        <c:txPr>
+          <a:bodyPr rot="-60000000" spcFirstLastPara="1" vertOverflow="ellipsis" vert="horz" wrap="square" anchor="ctr" anchorCtr="1"/>
+          <a:lstStyle/>
+          <a:p>
+            <a:pPr>
+              <a:defRPr sz="900" b="0" i="0" u="none" strike="noStrike" kern="1200" baseline="0">
+                <a:solidFill>
+                  <a:schemeClr val="tx1">
+                    <a:lumMod val="65000"/>
+                    <a:lumOff val="35000"/>
+                  </a:schemeClr>
+                </a:solidFill>
+                <a:latin typeface="+mn-lt"/>
+                <a:ea typeface="+mn-ea"/>
+                <a:cs typeface="+mn-cs"/>
+              </a:defRPr>
+            </a:pPr>
+            <a:endParaRPr lang="en-US"/>
+          </a:p>
+        </c:txPr>
+        <c:crossAx val="605070096"/>
+        <c:crosses val="autoZero"/>
+        <c:crossBetween val="between"/>
+      </c:valAx>
+      <c:spPr>
+        <a:noFill/>
+        <a:ln>
+          <a:noFill/>
+        </a:ln>
+        <a:effectLst/>
+      </c:spPr>
+    </c:plotArea>
+    <c:legend>
+      <c:legendPos val="b"/>
+      <c:overlay val="0"/>
+      <c:spPr>
+        <a:noFill/>
+        <a:ln>
+          <a:noFill/>
+        </a:ln>
+        <a:effectLst/>
+      </c:spPr>
+      <c:txPr>
+        <a:bodyPr rot="0" spcFirstLastPara="1" vertOverflow="ellipsis" vert="horz" wrap="square" anchor="ctr" anchorCtr="1"/>
+        <a:lstStyle/>
+        <a:p>
+          <a:pPr>
+            <a:defRPr sz="900" b="0" i="0" u="none" strike="noStrike" kern="1200" baseline="0">
+              <a:solidFill>
+                <a:schemeClr val="tx1">
+                  <a:lumMod val="65000"/>
+                  <a:lumOff val="35000"/>
+                </a:schemeClr>
+              </a:solidFill>
+              <a:latin typeface="+mn-lt"/>
+              <a:ea typeface="+mn-ea"/>
+              <a:cs typeface="+mn-cs"/>
+            </a:defRPr>
+          </a:pPr>
+          <a:endParaRPr lang="en-US"/>
+        </a:p>
+      </c:txPr>
+    </c:legend>
+    <c:plotVisOnly val="1"/>
+    <c:dispBlanksAs val="gap"/>
+    <c:showDLblsOverMax val="0"/>
+  </c:chart>
+  <c:spPr>
+    <a:noFill/>
+    <a:ln>
+      <a:noFill/>
+    </a:ln>
+    <a:effectLst/>
+  </c:spPr>
+  <c:txPr>
+    <a:bodyPr/>
+    <a:lstStyle/>
+    <a:p>
+      <a:pPr>
+        <a:defRPr/>
+      </a:pPr>
+      <a:endParaRPr lang="en-US"/>
+    </a:p>
+  </c:txPr>
+  <c:externalData r:id="rId3">
+    <c:autoUpdate val="0"/>
+  </c:externalData>
+</c:chartSpace>
+</file>
+
+<file path=ppt/charts/chartEx1.xml><?xml version="1.0" encoding="utf-8"?>
+<cx:chartSpace xmlns:a="http://schemas.openxmlformats.org/drawingml/2006/main" xmlns:r="http://schemas.openxmlformats.org/officeDocument/2006/relationships" xmlns:cx="http://schemas.microsoft.com/office/drawing/2014/chartex">
+  <cx:chartData>
+    <cx:externalData r:id="rId1" cx:autoUpdate="0"/>
+    <cx:data id="0">
+      <cx:strDim type="cat">
+        <cx:f dir="row">Sheet3!$A$1:$O$1</cx:f>
+        <cx:lvl ptCount="15">
+          <cx:pt idx="0">1writer10reader1</cx:pt>
+          <cx:pt idx="1">1writer10reader2</cx:pt>
+          <cx:pt idx="2">1writer10reader3</cx:pt>
+          <cx:pt idx="3">1writer10reader4</cx:pt>
+          <cx:pt idx="4">1writer10reader5</cx:pt>
+          <cx:pt idx="5">10writer1reader1</cx:pt>
+          <cx:pt idx="6">10writer1reader2</cx:pt>
+          <cx:pt idx="7">10writer1reader3</cx:pt>
+          <cx:pt idx="8">10writer1reader4</cx:pt>
+          <cx:pt idx="9">10writer1reader5</cx:pt>
+          <cx:pt idx="10">25writer25reader1</cx:pt>
+          <cx:pt idx="11">25writer25reader2</cx:pt>
+          <cx:pt idx="12">25writer25reader3</cx:pt>
+          <cx:pt idx="13">25writer25reader4</cx:pt>
+          <cx:pt idx="14">25writer25reader5</cx:pt>
+        </cx:lvl>
+      </cx:strDim>
+      <cx:numDim type="val">
+        <cx:f dir="row">Sheet3!$A$2:$O$2</cx:f>
+        <cx:lvl ptCount="15" formatCode="General">
+          <cx:pt idx="0">18771.015838383839</cx:pt>
+          <cx:pt idx="1">19194.236848484848</cx:pt>
+          <cx:pt idx="2">18789.682666666668</cx:pt>
+          <cx:pt idx="3">18821.659070707072</cx:pt>
+          <cx:pt idx="4">18598.818747474746</cx:pt>
+          <cx:pt idx="5">21363.258426966291</cx:pt>
+          <cx:pt idx="6">22306.426966292136</cx:pt>
+          <cx:pt idx="7">21280.432584269663</cx:pt>
+          <cx:pt idx="8">24154.331460674159</cx:pt>
+          <cx:pt idx="9">22620.483146067414</cx:pt>
+          <cx:pt idx="10">18399.550802139038</cx:pt>
+          <cx:pt idx="11">18850.213903743315</cx:pt>
+          <cx:pt idx="12">18732.203208556151</cx:pt>
+          <cx:pt idx="13">19719.957219251337</cx:pt>
+          <cx:pt idx="14">18800.534759358288</cx:pt>
+        </cx:lvl>
+      </cx:numDim>
+    </cx:data>
+  </cx:chartData>
+  <cx:chart>
+    <cx:title pos="t" align="ctr" overlay="0">
+      <cx:tx>
+        <cx:txData>
+          <cx:v>Full Comparison</cx:v>
+        </cx:txData>
+      </cx:tx>
+      <cx:txPr>
+        <a:bodyPr spcFirstLastPara="1" vertOverflow="ellipsis" horzOverflow="overflow" wrap="square" lIns="0" tIns="0" rIns="0" bIns="0" anchor="ctr" anchorCtr="1"/>
+        <a:lstStyle/>
+        <a:p>
+          <a:pPr algn="ctr" rtl="0">
+            <a:defRPr/>
+          </a:pPr>
+          <a:r>
+            <a:rPr lang="en-US" sz="1400" b="0" i="0" u="none" strike="noStrike" baseline="0">
+              <a:solidFill>
+                <a:sysClr val="windowText" lastClr="000000">
+                  <a:lumMod val="65000"/>
+                  <a:lumOff val="35000"/>
+                </a:sysClr>
+              </a:solidFill>
+              <a:latin typeface="Calibri" panose="020F0502020204030204"/>
+            </a:rPr>
+            <a:t>Full Comparison</a:t>
+          </a:r>
+        </a:p>
+      </cx:txPr>
+    </cx:title>
+    <cx:plotArea>
+      <cx:plotAreaRegion>
+        <cx:series layoutId="clusteredColumn" uniqueId="{FA7F6CE7-9FB8-46DA-8C8A-021627A3CDC8}">
+          <cx:dataId val="0"/>
+          <cx:layoutPr>
+            <cx:aggregation/>
+          </cx:layoutPr>
+          <cx:axisId val="1"/>
+        </cx:series>
+        <cx:series layoutId="paretoLine" ownerIdx="0" uniqueId="{72E6440D-986B-4297-A5D7-3BE68A7DC493}">
+          <cx:axisId val="2"/>
+        </cx:series>
+      </cx:plotAreaRegion>
+      <cx:axis id="0">
+        <cx:catScaling gapWidth="0"/>
+        <cx:tickLabels/>
+      </cx:axis>
+      <cx:axis id="1">
+        <cx:valScaling/>
+        <cx:majorGridlines/>
+        <cx:tickLabels/>
+      </cx:axis>
+      <cx:axis id="2" hidden="1">
+        <cx:valScaling max="1" min="0"/>
+        <cx:units unit="percentage"/>
+        <cx:tickLabels/>
+        <cx:txPr>
+          <a:bodyPr spcFirstLastPara="1" vertOverflow="ellipsis" horzOverflow="overflow" wrap="square" lIns="0" tIns="0" rIns="0" bIns="0" anchor="ctr" anchorCtr="1"/>
+          <a:lstStyle/>
+          <a:p>
+            <a:pPr algn="ctr" rtl="0">
+              <a:defRPr/>
+            </a:pPr>
+            <a:endParaRPr lang="en-US" sz="900" b="0" i="0" u="none" strike="noStrike" baseline="0">
+              <a:solidFill>
+                <a:sysClr val="windowText" lastClr="000000">
+                  <a:lumMod val="65000"/>
+                  <a:lumOff val="35000"/>
+                </a:sysClr>
+              </a:solidFill>
+              <a:latin typeface="Calibri" panose="020F0502020204030204"/>
+            </a:endParaRPr>
+          </a:p>
+        </cx:txPr>
+      </cx:axis>
+    </cx:plotArea>
+  </cx:chart>
+</cx:chartSpace>
+</file>
+
+<file path=ppt/charts/colors1.xml><?xml version="1.0" encoding="utf-8"?>
+<cs:colorStyle xmlns:cs="http://schemas.microsoft.com/office/drawing/2012/chartStyle" xmlns:a="http://schemas.openxmlformats.org/drawingml/2006/main" meth="cycle" id="10">
+  <a:schemeClr val="accent1"/>
+  <a:schemeClr val="accent2"/>
+  <a:schemeClr val="accent3"/>
+  <a:schemeClr val="accent4"/>
+  <a:schemeClr val="accent5"/>
+  <a:schemeClr val="accent6"/>
+  <cs:variation/>
+  <cs:variation>
+    <a:lumMod val="60000"/>
+  </cs:variation>
+  <cs:variation>
+    <a:lumMod val="80000"/>
+    <a:lumOff val="20000"/>
+  </cs:variation>
+  <cs:variation>
+    <a:lumMod val="80000"/>
+  </cs:variation>
+  <cs:variation>
+    <a:lumMod val="60000"/>
+    <a:lumOff val="40000"/>
+  </cs:variation>
+  <cs:variation>
+    <a:lumMod val="50000"/>
+  </cs:variation>
+  <cs:variation>
+    <a:lumMod val="70000"/>
+    <a:lumOff val="30000"/>
+  </cs:variation>
+  <cs:variation>
+    <a:lumMod val="70000"/>
+  </cs:variation>
+  <cs:variation>
+    <a:lumMod val="50000"/>
+    <a:lumOff val="50000"/>
+  </cs:variation>
+</cs:colorStyle>
+</file>
+
+<file path=ppt/charts/colors2.xml><?xml version="1.0" encoding="utf-8"?>
+<cs:colorStyle xmlns:cs="http://schemas.microsoft.com/office/drawing/2012/chartStyle" xmlns:a="http://schemas.openxmlformats.org/drawingml/2006/main" meth="cycle" id="10">
+  <a:schemeClr val="accent1"/>
+  <a:schemeClr val="accent2"/>
+  <a:schemeClr val="accent3"/>
+  <a:schemeClr val="accent4"/>
+  <a:schemeClr val="accent5"/>
+  <a:schemeClr val="accent6"/>
+  <cs:variation/>
+  <cs:variation>
+    <a:lumMod val="60000"/>
+  </cs:variation>
+  <cs:variation>
+    <a:lumMod val="80000"/>
+    <a:lumOff val="20000"/>
+  </cs:variation>
+  <cs:variation>
+    <a:lumMod val="80000"/>
+  </cs:variation>
+  <cs:variation>
+    <a:lumMod val="60000"/>
+    <a:lumOff val="40000"/>
+  </cs:variation>
+  <cs:variation>
+    <a:lumMod val="50000"/>
+  </cs:variation>
+  <cs:variation>
+    <a:lumMod val="70000"/>
+    <a:lumOff val="30000"/>
+  </cs:variation>
+  <cs:variation>
+    <a:lumMod val="70000"/>
+  </cs:variation>
+  <cs:variation>
+    <a:lumMod val="50000"/>
+    <a:lumOff val="50000"/>
+  </cs:variation>
+</cs:colorStyle>
+</file>
+
+<file path=ppt/charts/colors3.xml><?xml version="1.0" encoding="utf-8"?>
+<cs:colorStyle xmlns:cs="http://schemas.microsoft.com/office/drawing/2012/chartStyle" xmlns:a="http://schemas.openxmlformats.org/drawingml/2006/main" meth="cycle" id="10">
+  <a:schemeClr val="accent1"/>
+  <a:schemeClr val="accent2"/>
+  <a:schemeClr val="accent3"/>
+  <a:schemeClr val="accent4"/>
+  <a:schemeClr val="accent5"/>
+  <a:schemeClr val="accent6"/>
+  <cs:variation/>
+  <cs:variation>
+    <a:lumMod val="60000"/>
+  </cs:variation>
+  <cs:variation>
+    <a:lumMod val="80000"/>
+    <a:lumOff val="20000"/>
+  </cs:variation>
+  <cs:variation>
+    <a:lumMod val="80000"/>
+  </cs:variation>
+  <cs:variation>
+    <a:lumMod val="60000"/>
+    <a:lumOff val="40000"/>
+  </cs:variation>
+  <cs:variation>
+    <a:lumMod val="50000"/>
+  </cs:variation>
+  <cs:variation>
+    <a:lumMod val="70000"/>
+    <a:lumOff val="30000"/>
+  </cs:variation>
+  <cs:variation>
+    <a:lumMod val="70000"/>
+  </cs:variation>
+  <cs:variation>
+    <a:lumMod val="50000"/>
+    <a:lumOff val="50000"/>
+  </cs:variation>
+</cs:colorStyle>
+</file>
+
+<file path=ppt/charts/colors4.xml><?xml version="1.0" encoding="utf-8"?>
+<cs:colorStyle xmlns:cs="http://schemas.microsoft.com/office/drawing/2012/chartStyle" xmlns:a="http://schemas.openxmlformats.org/drawingml/2006/main" meth="cycle" id="10">
+  <a:schemeClr val="accent1"/>
+  <a:schemeClr val="accent2"/>
+  <a:schemeClr val="accent3"/>
+  <a:schemeClr val="accent4"/>
+  <a:schemeClr val="accent5"/>
+  <a:schemeClr val="accent6"/>
+  <cs:variation/>
+  <cs:variation>
+    <a:lumMod val="60000"/>
+  </cs:variation>
+  <cs:variation>
+    <a:lumMod val="80000"/>
+    <a:lumOff val="20000"/>
+  </cs:variation>
+  <cs:variation>
+    <a:lumMod val="80000"/>
+  </cs:variation>
+  <cs:variation>
+    <a:lumMod val="60000"/>
+    <a:lumOff val="40000"/>
+  </cs:variation>
+  <cs:variation>
+    <a:lumMod val="50000"/>
+  </cs:variation>
+  <cs:variation>
+    <a:lumMod val="70000"/>
+    <a:lumOff val="30000"/>
+  </cs:variation>
+  <cs:variation>
+    <a:lumMod val="70000"/>
+  </cs:variation>
+  <cs:variation>
+    <a:lumMod val="50000"/>
+    <a:lumOff val="50000"/>
+  </cs:variation>
+</cs:colorStyle>
+</file>
+
+<file path=ppt/charts/colors5.xml><?xml version="1.0" encoding="utf-8"?>
+<cs:colorStyle xmlns:cs="http://schemas.microsoft.com/office/drawing/2012/chartStyle" xmlns:a="http://schemas.openxmlformats.org/drawingml/2006/main" meth="cycle" id="10">
+  <a:schemeClr val="accent1"/>
+  <a:schemeClr val="accent2"/>
+  <a:schemeClr val="accent3"/>
+  <a:schemeClr val="accent4"/>
+  <a:schemeClr val="accent5"/>
+  <a:schemeClr val="accent6"/>
+  <cs:variation/>
+  <cs:variation>
+    <a:lumMod val="60000"/>
+  </cs:variation>
+  <cs:variation>
+    <a:lumMod val="80000"/>
+    <a:lumOff val="20000"/>
+  </cs:variation>
+  <cs:variation>
+    <a:lumMod val="80000"/>
+  </cs:variation>
+  <cs:variation>
+    <a:lumMod val="60000"/>
+    <a:lumOff val="40000"/>
+  </cs:variation>
+  <cs:variation>
+    <a:lumMod val="50000"/>
+  </cs:variation>
+  <cs:variation>
+    <a:lumMod val="70000"/>
+    <a:lumOff val="30000"/>
+  </cs:variation>
+  <cs:variation>
+    <a:lumMod val="70000"/>
+  </cs:variation>
+  <cs:variation>
+    <a:lumMod val="50000"/>
+    <a:lumOff val="50000"/>
+  </cs:variation>
+</cs:colorStyle>
+</file>
+
+<file path=ppt/charts/style1.xml><?xml version="1.0" encoding="utf-8"?>
+<cs:chartStyle xmlns:cs="http://schemas.microsoft.com/office/drawing/2012/chartStyle" xmlns:a="http://schemas.openxmlformats.org/drawingml/2006/main" id="216">
+  <cs:axisTitle>
+    <cs:lnRef idx="0"/>
+    <cs:fillRef idx="0"/>
+    <cs:effectRef idx="0"/>
+    <cs:fontRef idx="minor">
+      <a:schemeClr val="tx1">
+        <a:lumMod val="65000"/>
+        <a:lumOff val="35000"/>
+      </a:schemeClr>
+    </cs:fontRef>
+    <cs:defRPr sz="1000" kern="1200"/>
+  </cs:axisTitle>
+  <cs:categoryAxis>
+    <cs:lnRef idx="0"/>
+    <cs:fillRef idx="0"/>
+    <cs:effectRef idx="0"/>
+    <cs:fontRef idx="minor">
+      <a:schemeClr val="tx1">
+        <a:lumMod val="65000"/>
+        <a:lumOff val="35000"/>
+      </a:schemeClr>
+    </cs:fontRef>
+    <cs:spPr>
+      <a:ln w="9525" cap="flat" cmpd="sng" algn="ctr">
+        <a:solidFill>
+          <a:schemeClr val="tx1">
+            <a:lumMod val="15000"/>
+            <a:lumOff val="85000"/>
+          </a:schemeClr>
+        </a:solidFill>
+        <a:round/>
+      </a:ln>
+    </cs:spPr>
+    <cs:defRPr sz="900" kern="1200"/>
+  </cs:categoryAxis>
+  <cs:chartArea mods="allowNoFillOverride allowNoLineOverride">
+    <cs:lnRef idx="0"/>
+    <cs:fillRef idx="0"/>
+    <cs:effectRef idx="0"/>
+    <cs:fontRef idx="minor">
+      <a:schemeClr val="tx1"/>
+    </cs:fontRef>
+    <cs:spPr>
+      <a:solidFill>
+        <a:schemeClr val="bg1"/>
+      </a:solidFill>
+      <a:ln w="9525" cap="flat" cmpd="sng" algn="ctr">
+        <a:solidFill>
+          <a:schemeClr val="tx1">
+            <a:lumMod val="15000"/>
+            <a:lumOff val="85000"/>
+          </a:schemeClr>
+        </a:solidFill>
+        <a:round/>
+      </a:ln>
+    </cs:spPr>
+    <cs:defRPr sz="1000" kern="1200"/>
+  </cs:chartArea>
+  <cs:dataLabel>
+    <cs:lnRef idx="0"/>
+    <cs:fillRef idx="0"/>
+    <cs:effectRef idx="0"/>
+    <cs:fontRef idx="minor">
+      <a:schemeClr val="tx1">
+        <a:lumMod val="75000"/>
+        <a:lumOff val="25000"/>
+      </a:schemeClr>
+    </cs:fontRef>
+    <cs:defRPr sz="900" kern="1200"/>
+  </cs:dataLabel>
+  <cs:dataLabelCallout>
+    <cs:lnRef idx="0"/>
+    <cs:fillRef idx="0"/>
+    <cs:effectRef idx="0"/>
+    <cs:fontRef idx="minor">
+      <a:schemeClr val="dk1">
+        <a:lumMod val="65000"/>
+        <a:lumOff val="35000"/>
+      </a:schemeClr>
+    </cs:fontRef>
+    <cs:spPr>
+      <a:solidFill>
+        <a:schemeClr val="lt1"/>
+      </a:solidFill>
+      <a:ln>
+        <a:solidFill>
+          <a:schemeClr val="dk1">
+            <a:lumMod val="25000"/>
+            <a:lumOff val="75000"/>
+          </a:schemeClr>
+        </a:solidFill>
+      </a:ln>
+    </cs:spPr>
+    <cs:defRPr sz="900" kern="1200"/>
+    <cs:bodyPr rot="0" spcFirstLastPara="1" vertOverflow="clip" horzOverflow="clip" vert="horz" wrap="square" lIns="36576" tIns="18288" rIns="36576" bIns="18288" anchor="ctr" anchorCtr="1">
+      <a:spAutoFit/>
+    </cs:bodyPr>
+  </cs:dataLabelCallout>
+  <cs:dataPoint>
+    <cs:lnRef idx="0"/>
+    <cs:fillRef idx="1">
+      <cs:styleClr val="auto"/>
+    </cs:fillRef>
+    <cs:effectRef idx="0"/>
+    <cs:fontRef idx="minor">
+      <a:schemeClr val="tx1"/>
+    </cs:fontRef>
+  </cs:dataPoint>
+  <cs:dataPoint3D>
+    <cs:lnRef idx="0"/>
+    <cs:fillRef idx="1">
+      <cs:styleClr val="auto"/>
+    </cs:fillRef>
+    <cs:effectRef idx="0"/>
+    <cs:fontRef idx="minor">
+      <a:schemeClr val="tx1"/>
+    </cs:fontRef>
+  </cs:dataPoint3D>
+  <cs:dataPointLine>
+    <cs:lnRef idx="0">
+      <cs:styleClr val="auto"/>
+    </cs:lnRef>
+    <cs:fillRef idx="1"/>
+    <cs:effectRef idx="0"/>
+    <cs:fontRef idx="minor">
+      <a:schemeClr val="tx1"/>
+    </cs:fontRef>
+    <cs:spPr>
+      <a:ln w="28575" cap="rnd">
+        <a:solidFill>
+          <a:schemeClr val="phClr"/>
+        </a:solidFill>
+        <a:round/>
+      </a:ln>
+    </cs:spPr>
+  </cs:dataPointLine>
+  <cs:dataPointMarker>
+    <cs:lnRef idx="0">
+      <cs:styleClr val="auto"/>
+    </cs:lnRef>
+    <cs:fillRef idx="1">
+      <cs:styleClr val="auto"/>
+    </cs:fillRef>
+    <cs:effectRef idx="0"/>
+    <cs:fontRef idx="minor">
+      <a:schemeClr val="tx1"/>
+    </cs:fontRef>
+    <cs:spPr>
+      <a:ln w="9525">
+        <a:solidFill>
+          <a:schemeClr val="phClr"/>
+        </a:solidFill>
+      </a:ln>
+    </cs:spPr>
+  </cs:dataPointMarker>
+  <cs:dataPointMarkerLayout symbol="circle" size="5"/>
+  <cs:dataPointWireframe>
+    <cs:lnRef idx="0">
+      <cs:styleClr val="auto"/>
+    </cs:lnRef>
+    <cs:fillRef idx="1"/>
+    <cs:effectRef idx="0"/>
+    <cs:fontRef idx="minor">
+      <a:schemeClr val="tx1"/>
+    </cs:fontRef>
+    <cs:spPr>
+      <a:ln w="9525" cap="rnd">
+        <a:solidFill>
+          <a:schemeClr val="phClr"/>
+        </a:solidFill>
+        <a:round/>
+      </a:ln>
+    </cs:spPr>
+  </cs:dataPointWireframe>
+  <cs:dataTable>
+    <cs:lnRef idx="0"/>
+    <cs:fillRef idx="0"/>
+    <cs:effectRef idx="0"/>
+    <cs:fontRef idx="minor">
+      <a:schemeClr val="tx1">
+        <a:lumMod val="65000"/>
+        <a:lumOff val="35000"/>
+      </a:schemeClr>
+    </cs:fontRef>
+    <cs:spPr>
+      <a:noFill/>
+      <a:ln w="9525" cap="flat" cmpd="sng" algn="ctr">
+        <a:solidFill>
+          <a:schemeClr val="tx1">
+            <a:lumMod val="15000"/>
+            <a:lumOff val="85000"/>
+          </a:schemeClr>
+        </a:solidFill>
+        <a:round/>
+      </a:ln>
+    </cs:spPr>
+    <cs:defRPr sz="900" kern="1200"/>
+  </cs:dataTable>
+  <cs:downBar>
+    <cs:lnRef idx="0"/>
+    <cs:fillRef idx="0"/>
+    <cs:effectRef idx="0"/>
+    <cs:fontRef idx="minor">
+      <a:schemeClr val="tx1"/>
+    </cs:fontRef>
+    <cs:spPr>
+      <a:solidFill>
+        <a:schemeClr val="dk1">
+          <a:lumMod val="75000"/>
+          <a:lumOff val="25000"/>
+        </a:schemeClr>
+      </a:solidFill>
+      <a:ln w="9525" cap="flat" cmpd="sng" algn="ctr">
+        <a:solidFill>
+          <a:schemeClr val="tx1">
+            <a:lumMod val="65000"/>
+            <a:lumOff val="35000"/>
+          </a:schemeClr>
+        </a:solidFill>
+        <a:round/>
+      </a:ln>
+    </cs:spPr>
+  </cs:downBar>
+  <cs:dropLine>
+    <cs:lnRef idx="0"/>
+    <cs:fillRef idx="0"/>
+    <cs:effectRef idx="0"/>
+    <cs:fontRef idx="minor">
+      <a:schemeClr val="tx1"/>
+    </cs:fontRef>
+    <cs:spPr>
+      <a:ln w="9525" cap="flat" cmpd="sng" algn="ctr">
+        <a:solidFill>
+          <a:schemeClr val="tx1">
+            <a:lumMod val="35000"/>
+            <a:lumOff val="65000"/>
+          </a:schemeClr>
+        </a:solidFill>
+        <a:round/>
+      </a:ln>
+    </cs:spPr>
+  </cs:dropLine>
+  <cs:errorBar>
+    <cs:lnRef idx="0"/>
+    <cs:fillRef idx="0"/>
+    <cs:effectRef idx="0"/>
+    <cs:fontRef idx="minor">
+      <a:schemeClr val="tx1"/>
+    </cs:fontRef>
+    <cs:spPr>
+      <a:ln w="9525" cap="flat" cmpd="sng" algn="ctr">
+        <a:solidFill>
+          <a:schemeClr val="tx1">
+            <a:lumMod val="65000"/>
+            <a:lumOff val="35000"/>
+          </a:schemeClr>
+        </a:solidFill>
+        <a:round/>
+      </a:ln>
+    </cs:spPr>
+  </cs:errorBar>
+  <cs:floor>
+    <cs:lnRef idx="0"/>
+    <cs:fillRef idx="0"/>
+    <cs:effectRef idx="0"/>
+    <cs:fontRef idx="minor">
+      <a:schemeClr val="tx1"/>
+    </cs:fontRef>
+    <cs:spPr>
+      <a:noFill/>
+      <a:ln>
+        <a:noFill/>
+      </a:ln>
+    </cs:spPr>
+  </cs:floor>
+  <cs:gridlineMajor>
+    <cs:lnRef idx="0"/>
+    <cs:fillRef idx="0"/>
+    <cs:effectRef idx="0"/>
+    <cs:fontRef idx="minor">
+      <a:schemeClr val="tx1"/>
+    </cs:fontRef>
+    <cs:spPr>
+      <a:ln w="9525" cap="flat" cmpd="sng" algn="ctr">
+        <a:solidFill>
+          <a:schemeClr val="tx1">
+            <a:lumMod val="15000"/>
+            <a:lumOff val="85000"/>
+          </a:schemeClr>
+        </a:solidFill>
+        <a:round/>
+      </a:ln>
+    </cs:spPr>
+  </cs:gridlineMajor>
+  <cs:gridlineMinor>
+    <cs:lnRef idx="0"/>
+    <cs:fillRef idx="0"/>
+    <cs:effectRef idx="0"/>
+    <cs:fontRef idx="minor">
+      <a:schemeClr val="tx1"/>
+    </cs:fontRef>
+    <cs:spPr>
+      <a:ln w="9525" cap="flat" cmpd="sng" algn="ctr">
+        <a:solidFill>
+          <a:schemeClr val="tx1">
+            <a:lumMod val="5000"/>
+            <a:lumOff val="95000"/>
+          </a:schemeClr>
+        </a:solidFill>
+        <a:round/>
+      </a:ln>
+    </cs:spPr>
+  </cs:gridlineMinor>
+  <cs:hiLoLine>
+    <cs:lnRef idx="0"/>
+    <cs:fillRef idx="0"/>
+    <cs:effectRef idx="0"/>
+    <cs:fontRef idx="minor">
+      <a:schemeClr val="tx1"/>
+    </cs:fontRef>
+    <cs:spPr>
+      <a:ln w="9525" cap="flat" cmpd="sng" algn="ctr">
+        <a:solidFill>
+          <a:schemeClr val="tx1">
+            <a:lumMod val="50000"/>
+            <a:lumOff val="50000"/>
+          </a:schemeClr>
+        </a:solidFill>
+        <a:round/>
+      </a:ln>
+    </cs:spPr>
+  </cs:hiLoLine>
+  <cs:leaderLine>
+    <cs:lnRef idx="0"/>
+    <cs:fillRef idx="0"/>
+    <cs:effectRef idx="0"/>
+    <cs:fontRef idx="minor">
+      <a:schemeClr val="tx1"/>
+    </cs:fontRef>
+    <cs:spPr>
+      <a:ln w="9525" cap="flat" cmpd="sng" algn="ctr">
+        <a:solidFill>
+          <a:schemeClr val="tx1">
+            <a:lumMod val="35000"/>
+            <a:lumOff val="65000"/>
+          </a:schemeClr>
+        </a:solidFill>
+        <a:round/>
+      </a:ln>
+    </cs:spPr>
+  </cs:leaderLine>
+  <cs:legend>
+    <cs:lnRef idx="0"/>
+    <cs:fillRef idx="0"/>
+    <cs:effectRef idx="0"/>
+    <cs:fontRef idx="minor">
+      <a:schemeClr val="tx1">
+        <a:lumMod val="65000"/>
+        <a:lumOff val="35000"/>
+      </a:schemeClr>
+    </cs:fontRef>
+    <cs:defRPr sz="900" kern="1200"/>
+  </cs:legend>
+  <cs:plotArea mods="allowNoFillOverride allowNoLineOverride">
+    <cs:lnRef idx="0"/>
+    <cs:fillRef idx="0"/>
+    <cs:effectRef idx="0"/>
+    <cs:fontRef idx="minor">
+      <a:schemeClr val="tx1"/>
+    </cs:fontRef>
+  </cs:plotArea>
+  <cs:plotArea3D mods="allowNoFillOverride allowNoLineOverride">
+    <cs:lnRef idx="0"/>
+    <cs:fillRef idx="0"/>
+    <cs:effectRef idx="0"/>
+    <cs:fontRef idx="minor">
+      <a:schemeClr val="tx1"/>
+    </cs:fontRef>
+  </cs:plotArea3D>
+  <cs:seriesAxis>
+    <cs:lnRef idx="0"/>
+    <cs:fillRef idx="0"/>
+    <cs:effectRef idx="0"/>
+    <cs:fontRef idx="minor">
+      <a:schemeClr val="tx1">
+        <a:lumMod val="65000"/>
+        <a:lumOff val="35000"/>
+      </a:schemeClr>
+    </cs:fontRef>
+    <cs:defRPr sz="900" kern="1200"/>
+  </cs:seriesAxis>
+  <cs:seriesLine>
+    <cs:lnRef idx="0"/>
+    <cs:fillRef idx="0"/>
+    <cs:effectRef idx="0"/>
+    <cs:fontRef idx="minor">
+      <a:schemeClr val="tx1"/>
+    </cs:fontRef>
+    <cs:spPr>
+      <a:ln w="9525" cap="flat" cmpd="sng" algn="ctr">
+        <a:solidFill>
+          <a:schemeClr val="tx1">
+            <a:lumMod val="35000"/>
+            <a:lumOff val="65000"/>
+          </a:schemeClr>
+        </a:solidFill>
+        <a:round/>
+      </a:ln>
+    </cs:spPr>
+  </cs:seriesLine>
+  <cs:title>
+    <cs:lnRef idx="0"/>
+    <cs:fillRef idx="0"/>
+    <cs:effectRef idx="0"/>
+    <cs:fontRef idx="minor">
+      <a:schemeClr val="tx1">
+        <a:lumMod val="65000"/>
+        <a:lumOff val="35000"/>
+      </a:schemeClr>
+    </cs:fontRef>
+    <cs:defRPr sz="1400" b="0" kern="1200" spc="0" baseline="0"/>
+  </cs:title>
+  <cs:trendline>
+    <cs:lnRef idx="0">
+      <cs:styleClr val="auto"/>
+    </cs:lnRef>
+    <cs:fillRef idx="0"/>
+    <cs:effectRef idx="0"/>
+    <cs:fontRef idx="minor">
+      <a:schemeClr val="tx1"/>
+    </cs:fontRef>
+    <cs:spPr>
+      <a:ln w="19050" cap="rnd">
+        <a:solidFill>
+          <a:schemeClr val="phClr"/>
+        </a:solidFill>
+        <a:prstDash val="sysDot"/>
+      </a:ln>
+    </cs:spPr>
+  </cs:trendline>
+  <cs:trendlineLabel>
+    <cs:lnRef idx="0"/>
+    <cs:fillRef idx="0"/>
+    <cs:effectRef idx="0"/>
+    <cs:fontRef idx="minor">
+      <a:schemeClr val="tx1">
+        <a:lumMod val="65000"/>
+        <a:lumOff val="35000"/>
+      </a:schemeClr>
+    </cs:fontRef>
+    <cs:defRPr sz="900" kern="1200"/>
+  </cs:trendlineLabel>
+  <cs:upBar>
+    <cs:lnRef idx="0"/>
+    <cs:fillRef idx="0"/>
+    <cs:effectRef idx="0"/>
+    <cs:fontRef idx="minor">
+      <a:schemeClr val="tx1"/>
+    </cs:fontRef>
+    <cs:spPr>
+      <a:solidFill>
+        <a:schemeClr val="lt1"/>
+      </a:solidFill>
+      <a:ln w="9525" cap="flat" cmpd="sng" algn="ctr">
+        <a:solidFill>
+          <a:schemeClr val="tx1">
+            <a:lumMod val="65000"/>
+            <a:lumOff val="35000"/>
+          </a:schemeClr>
+        </a:solidFill>
+        <a:round/>
+      </a:ln>
+    </cs:spPr>
+  </cs:upBar>
+  <cs:valueAxis>
+    <cs:lnRef idx="0"/>
+    <cs:fillRef idx="0"/>
+    <cs:effectRef idx="0"/>
+    <cs:fontRef idx="minor">
+      <a:schemeClr val="tx1">
+        <a:lumMod val="65000"/>
+        <a:lumOff val="35000"/>
+      </a:schemeClr>
+    </cs:fontRef>
+    <cs:defRPr sz="900" kern="1200"/>
+  </cs:valueAxis>
+  <cs:wall>
+    <cs:lnRef idx="0"/>
+    <cs:fillRef idx="0"/>
+    <cs:effectRef idx="0"/>
+    <cs:fontRef idx="minor">
+      <a:schemeClr val="tx1"/>
+    </cs:fontRef>
+    <cs:spPr>
+      <a:noFill/>
+      <a:ln>
+        <a:noFill/>
+      </a:ln>
+    </cs:spPr>
+  </cs:wall>
+</cs:chartStyle>
+</file>
+
+<file path=ppt/charts/style2.xml><?xml version="1.0" encoding="utf-8"?>
+<cs:chartStyle xmlns:cs="http://schemas.microsoft.com/office/drawing/2012/chartStyle" xmlns:a="http://schemas.openxmlformats.org/drawingml/2006/main" id="216">
+  <cs:axisTitle>
+    <cs:lnRef idx="0"/>
+    <cs:fillRef idx="0"/>
+    <cs:effectRef idx="0"/>
+    <cs:fontRef idx="minor">
+      <a:schemeClr val="tx1">
+        <a:lumMod val="65000"/>
+        <a:lumOff val="35000"/>
+      </a:schemeClr>
+    </cs:fontRef>
+    <cs:defRPr sz="1000" kern="1200"/>
+  </cs:axisTitle>
+  <cs:categoryAxis>
+    <cs:lnRef idx="0"/>
+    <cs:fillRef idx="0"/>
+    <cs:effectRef idx="0"/>
+    <cs:fontRef idx="minor">
+      <a:schemeClr val="tx1">
+        <a:lumMod val="65000"/>
+        <a:lumOff val="35000"/>
+      </a:schemeClr>
+    </cs:fontRef>
+    <cs:spPr>
+      <a:ln w="9525" cap="flat" cmpd="sng" algn="ctr">
+        <a:solidFill>
+          <a:schemeClr val="tx1">
+            <a:lumMod val="15000"/>
+            <a:lumOff val="85000"/>
+          </a:schemeClr>
+        </a:solidFill>
+        <a:round/>
+      </a:ln>
+    </cs:spPr>
+    <cs:defRPr sz="900" kern="1200"/>
+  </cs:categoryAxis>
+  <cs:chartArea mods="allowNoFillOverride allowNoLineOverride">
+    <cs:lnRef idx="0"/>
+    <cs:fillRef idx="0"/>
+    <cs:effectRef idx="0"/>
+    <cs:fontRef idx="minor">
+      <a:schemeClr val="tx1"/>
+    </cs:fontRef>
+    <cs:spPr>
+      <a:solidFill>
+        <a:schemeClr val="bg1"/>
+      </a:solidFill>
+      <a:ln w="9525" cap="flat" cmpd="sng" algn="ctr">
+        <a:solidFill>
+          <a:schemeClr val="tx1">
+            <a:lumMod val="15000"/>
+            <a:lumOff val="85000"/>
+          </a:schemeClr>
+        </a:solidFill>
+        <a:round/>
+      </a:ln>
+    </cs:spPr>
+    <cs:defRPr sz="1000" kern="1200"/>
+  </cs:chartArea>
+  <cs:dataLabel>
+    <cs:lnRef idx="0"/>
+    <cs:fillRef idx="0"/>
+    <cs:effectRef idx="0"/>
+    <cs:fontRef idx="minor">
+      <a:schemeClr val="tx1">
+        <a:lumMod val="75000"/>
+        <a:lumOff val="25000"/>
+      </a:schemeClr>
+    </cs:fontRef>
+    <cs:defRPr sz="900" kern="1200"/>
+  </cs:dataLabel>
+  <cs:dataLabelCallout>
+    <cs:lnRef idx="0"/>
+    <cs:fillRef idx="0"/>
+    <cs:effectRef idx="0"/>
+    <cs:fontRef idx="minor">
+      <a:schemeClr val="dk1">
+        <a:lumMod val="65000"/>
+        <a:lumOff val="35000"/>
+      </a:schemeClr>
+    </cs:fontRef>
+    <cs:spPr>
+      <a:solidFill>
+        <a:schemeClr val="lt1"/>
+      </a:solidFill>
+      <a:ln>
+        <a:solidFill>
+          <a:schemeClr val="dk1">
+            <a:lumMod val="25000"/>
+            <a:lumOff val="75000"/>
+          </a:schemeClr>
+        </a:solidFill>
+      </a:ln>
+    </cs:spPr>
+    <cs:defRPr sz="900" kern="1200"/>
+    <cs:bodyPr rot="0" spcFirstLastPara="1" vertOverflow="clip" horzOverflow="clip" vert="horz" wrap="square" lIns="36576" tIns="18288" rIns="36576" bIns="18288" anchor="ctr" anchorCtr="1">
+      <a:spAutoFit/>
+    </cs:bodyPr>
+  </cs:dataLabelCallout>
+  <cs:dataPoint>
+    <cs:lnRef idx="0"/>
+    <cs:fillRef idx="1">
+      <cs:styleClr val="auto"/>
+    </cs:fillRef>
+    <cs:effectRef idx="0"/>
+    <cs:fontRef idx="minor">
+      <a:schemeClr val="tx1"/>
+    </cs:fontRef>
+  </cs:dataPoint>
+  <cs:dataPoint3D>
+    <cs:lnRef idx="0"/>
+    <cs:fillRef idx="1">
+      <cs:styleClr val="auto"/>
+    </cs:fillRef>
+    <cs:effectRef idx="0"/>
+    <cs:fontRef idx="minor">
+      <a:schemeClr val="tx1"/>
+    </cs:fontRef>
+  </cs:dataPoint3D>
+  <cs:dataPointLine>
+    <cs:lnRef idx="0">
+      <cs:styleClr val="auto"/>
+    </cs:lnRef>
+    <cs:fillRef idx="1"/>
+    <cs:effectRef idx="0"/>
+    <cs:fontRef idx="minor">
+      <a:schemeClr val="tx1"/>
+    </cs:fontRef>
+    <cs:spPr>
+      <a:ln w="28575" cap="rnd">
+        <a:solidFill>
+          <a:schemeClr val="phClr"/>
+        </a:solidFill>
+        <a:round/>
+      </a:ln>
+    </cs:spPr>
+  </cs:dataPointLine>
+  <cs:dataPointMarker>
+    <cs:lnRef idx="0">
+      <cs:styleClr val="auto"/>
+    </cs:lnRef>
+    <cs:fillRef idx="1">
+      <cs:styleClr val="auto"/>
+    </cs:fillRef>
+    <cs:effectRef idx="0"/>
+    <cs:fontRef idx="minor">
+      <a:schemeClr val="tx1"/>
+    </cs:fontRef>
+    <cs:spPr>
+      <a:ln w="9525">
+        <a:solidFill>
+          <a:schemeClr val="phClr"/>
+        </a:solidFill>
+      </a:ln>
+    </cs:spPr>
+  </cs:dataPointMarker>
+  <cs:dataPointMarkerLayout symbol="circle" size="5"/>
+  <cs:dataPointWireframe>
+    <cs:lnRef idx="0">
+      <cs:styleClr val="auto"/>
+    </cs:lnRef>
+    <cs:fillRef idx="1"/>
+    <cs:effectRef idx="0"/>
+    <cs:fontRef idx="minor">
+      <a:schemeClr val="tx1"/>
+    </cs:fontRef>
+    <cs:spPr>
+      <a:ln w="9525" cap="rnd">
+        <a:solidFill>
+          <a:schemeClr val="phClr"/>
+        </a:solidFill>
+        <a:round/>
+      </a:ln>
+    </cs:spPr>
+  </cs:dataPointWireframe>
+  <cs:dataTable>
+    <cs:lnRef idx="0"/>
+    <cs:fillRef idx="0"/>
+    <cs:effectRef idx="0"/>
+    <cs:fontRef idx="minor">
+      <a:schemeClr val="tx1">
+        <a:lumMod val="65000"/>
+        <a:lumOff val="35000"/>
+      </a:schemeClr>
+    </cs:fontRef>
+    <cs:spPr>
+      <a:noFill/>
+      <a:ln w="9525" cap="flat" cmpd="sng" algn="ctr">
+        <a:solidFill>
+          <a:schemeClr val="tx1">
+            <a:lumMod val="15000"/>
+            <a:lumOff val="85000"/>
+          </a:schemeClr>
+        </a:solidFill>
+        <a:round/>
+      </a:ln>
+    </cs:spPr>
+    <cs:defRPr sz="900" kern="1200"/>
+  </cs:dataTable>
+  <cs:downBar>
+    <cs:lnRef idx="0"/>
+    <cs:fillRef idx="0"/>
+    <cs:effectRef idx="0"/>
+    <cs:fontRef idx="minor">
+      <a:schemeClr val="tx1"/>
+    </cs:fontRef>
+    <cs:spPr>
+      <a:solidFill>
+        <a:schemeClr val="dk1">
+          <a:lumMod val="75000"/>
+          <a:lumOff val="25000"/>
+        </a:schemeClr>
+      </a:solidFill>
+      <a:ln w="9525" cap="flat" cmpd="sng" algn="ctr">
+        <a:solidFill>
+          <a:schemeClr val="tx1">
+            <a:lumMod val="65000"/>
+            <a:lumOff val="35000"/>
+          </a:schemeClr>
+        </a:solidFill>
+        <a:round/>
+      </a:ln>
+    </cs:spPr>
+  </cs:downBar>
+  <cs:dropLine>
+    <cs:lnRef idx="0"/>
+    <cs:fillRef idx="0"/>
+    <cs:effectRef idx="0"/>
+    <cs:fontRef idx="minor">
+      <a:schemeClr val="tx1"/>
+    </cs:fontRef>
+    <cs:spPr>
+      <a:ln w="9525" cap="flat" cmpd="sng" algn="ctr">
+        <a:solidFill>
+          <a:schemeClr val="tx1">
+            <a:lumMod val="35000"/>
+            <a:lumOff val="65000"/>
+          </a:schemeClr>
+        </a:solidFill>
+        <a:round/>
+      </a:ln>
+    </cs:spPr>
+  </cs:dropLine>
+  <cs:errorBar>
+    <cs:lnRef idx="0"/>
+    <cs:fillRef idx="0"/>
+    <cs:effectRef idx="0"/>
+    <cs:fontRef idx="minor">
+      <a:schemeClr val="tx1"/>
+    </cs:fontRef>
+    <cs:spPr>
+      <a:ln w="9525" cap="flat" cmpd="sng" algn="ctr">
+        <a:solidFill>
+          <a:schemeClr val="tx1">
+            <a:lumMod val="65000"/>
+            <a:lumOff val="35000"/>
+          </a:schemeClr>
+        </a:solidFill>
+        <a:round/>
+      </a:ln>
+    </cs:spPr>
+  </cs:errorBar>
+  <cs:floor>
+    <cs:lnRef idx="0"/>
+    <cs:fillRef idx="0"/>
+    <cs:effectRef idx="0"/>
+    <cs:fontRef idx="minor">
+      <a:schemeClr val="tx1"/>
+    </cs:fontRef>
+    <cs:spPr>
+      <a:noFill/>
+      <a:ln>
+        <a:noFill/>
+      </a:ln>
+    </cs:spPr>
+  </cs:floor>
+  <cs:gridlineMajor>
+    <cs:lnRef idx="0"/>
+    <cs:fillRef idx="0"/>
+    <cs:effectRef idx="0"/>
+    <cs:fontRef idx="minor">
+      <a:schemeClr val="tx1"/>
+    </cs:fontRef>
+    <cs:spPr>
+      <a:ln w="9525" cap="flat" cmpd="sng" algn="ctr">
+        <a:solidFill>
+          <a:schemeClr val="tx1">
+            <a:lumMod val="15000"/>
+            <a:lumOff val="85000"/>
+          </a:schemeClr>
+        </a:solidFill>
+        <a:round/>
+      </a:ln>
+    </cs:spPr>
+  </cs:gridlineMajor>
+  <cs:gridlineMinor>
+    <cs:lnRef idx="0"/>
+    <cs:fillRef idx="0"/>
+    <cs:effectRef idx="0"/>
+    <cs:fontRef idx="minor">
+      <a:schemeClr val="tx1"/>
+    </cs:fontRef>
+    <cs:spPr>
+      <a:ln w="9525" cap="flat" cmpd="sng" algn="ctr">
+        <a:solidFill>
+          <a:schemeClr val="tx1">
+            <a:lumMod val="5000"/>
+            <a:lumOff val="95000"/>
+          </a:schemeClr>
+        </a:solidFill>
+        <a:round/>
+      </a:ln>
+    </cs:spPr>
+  </cs:gridlineMinor>
+  <cs:hiLoLine>
+    <cs:lnRef idx="0"/>
+    <cs:fillRef idx="0"/>
+    <cs:effectRef idx="0"/>
+    <cs:fontRef idx="minor">
+      <a:schemeClr val="tx1"/>
+    </cs:fontRef>
+    <cs:spPr>
+      <a:ln w="9525" cap="flat" cmpd="sng" algn="ctr">
+        <a:solidFill>
+          <a:schemeClr val="tx1">
+            <a:lumMod val="50000"/>
+            <a:lumOff val="50000"/>
+          </a:schemeClr>
+        </a:solidFill>
+        <a:round/>
+      </a:ln>
+    </cs:spPr>
+  </cs:hiLoLine>
+  <cs:leaderLine>
+    <cs:lnRef idx="0"/>
+    <cs:fillRef idx="0"/>
+    <cs:effectRef idx="0"/>
+    <cs:fontRef idx="minor">
+      <a:schemeClr val="tx1"/>
+    </cs:fontRef>
+    <cs:spPr>
+      <a:ln w="9525" cap="flat" cmpd="sng" algn="ctr">
+        <a:solidFill>
+          <a:schemeClr val="tx1">
+            <a:lumMod val="35000"/>
+            <a:lumOff val="65000"/>
+          </a:schemeClr>
+        </a:solidFill>
+        <a:round/>
+      </a:ln>
+    </cs:spPr>
+  </cs:leaderLine>
+  <cs:legend>
+    <cs:lnRef idx="0"/>
+    <cs:fillRef idx="0"/>
+    <cs:effectRef idx="0"/>
+    <cs:fontRef idx="minor">
+      <a:schemeClr val="tx1">
+        <a:lumMod val="65000"/>
+        <a:lumOff val="35000"/>
+      </a:schemeClr>
+    </cs:fontRef>
+    <cs:defRPr sz="900" kern="1200"/>
+  </cs:legend>
+  <cs:plotArea mods="allowNoFillOverride allowNoLineOverride">
+    <cs:lnRef idx="0"/>
+    <cs:fillRef idx="0"/>
+    <cs:effectRef idx="0"/>
+    <cs:fontRef idx="minor">
+      <a:schemeClr val="tx1"/>
+    </cs:fontRef>
+  </cs:plotArea>
+  <cs:plotArea3D mods="allowNoFillOverride allowNoLineOverride">
+    <cs:lnRef idx="0"/>
+    <cs:fillRef idx="0"/>
+    <cs:effectRef idx="0"/>
+    <cs:fontRef idx="minor">
+      <a:schemeClr val="tx1"/>
+    </cs:fontRef>
+  </cs:plotArea3D>
+  <cs:seriesAxis>
+    <cs:lnRef idx="0"/>
+    <cs:fillRef idx="0"/>
+    <cs:effectRef idx="0"/>
+    <cs:fontRef idx="minor">
+      <a:schemeClr val="tx1">
+        <a:lumMod val="65000"/>
+        <a:lumOff val="35000"/>
+      </a:schemeClr>
+    </cs:fontRef>
+    <cs:defRPr sz="900" kern="1200"/>
+  </cs:seriesAxis>
+  <cs:seriesLine>
+    <cs:lnRef idx="0"/>
+    <cs:fillRef idx="0"/>
+    <cs:effectRef idx="0"/>
+    <cs:fontRef idx="minor">
+      <a:schemeClr val="tx1"/>
+    </cs:fontRef>
+    <cs:spPr>
+      <a:ln w="9525" cap="flat" cmpd="sng" algn="ctr">
+        <a:solidFill>
+          <a:schemeClr val="tx1">
+            <a:lumMod val="35000"/>
+            <a:lumOff val="65000"/>
+          </a:schemeClr>
+        </a:solidFill>
+        <a:round/>
+      </a:ln>
+    </cs:spPr>
+  </cs:seriesLine>
+  <cs:title>
+    <cs:lnRef idx="0"/>
+    <cs:fillRef idx="0"/>
+    <cs:effectRef idx="0"/>
+    <cs:fontRef idx="minor">
+      <a:schemeClr val="tx1">
+        <a:lumMod val="65000"/>
+        <a:lumOff val="35000"/>
+      </a:schemeClr>
+    </cs:fontRef>
+    <cs:defRPr sz="1400" b="0" kern="1200" spc="0" baseline="0"/>
+  </cs:title>
+  <cs:trendline>
+    <cs:lnRef idx="0">
+      <cs:styleClr val="auto"/>
+    </cs:lnRef>
+    <cs:fillRef idx="0"/>
+    <cs:effectRef idx="0"/>
+    <cs:fontRef idx="minor">
+      <a:schemeClr val="tx1"/>
+    </cs:fontRef>
+    <cs:spPr>
+      <a:ln w="19050" cap="rnd">
+        <a:solidFill>
+          <a:schemeClr val="phClr"/>
+        </a:solidFill>
+        <a:prstDash val="sysDot"/>
+      </a:ln>
+    </cs:spPr>
+  </cs:trendline>
+  <cs:trendlineLabel>
+    <cs:lnRef idx="0"/>
+    <cs:fillRef idx="0"/>
+    <cs:effectRef idx="0"/>
+    <cs:fontRef idx="minor">
+      <a:schemeClr val="tx1">
+        <a:lumMod val="65000"/>
+        <a:lumOff val="35000"/>
+      </a:schemeClr>
+    </cs:fontRef>
+    <cs:defRPr sz="900" kern="1200"/>
+  </cs:trendlineLabel>
+  <cs:upBar>
+    <cs:lnRef idx="0"/>
+    <cs:fillRef idx="0"/>
+    <cs:effectRef idx="0"/>
+    <cs:fontRef idx="minor">
+      <a:schemeClr val="tx1"/>
+    </cs:fontRef>
+    <cs:spPr>
+      <a:solidFill>
+        <a:schemeClr val="lt1"/>
+      </a:solidFill>
+      <a:ln w="9525" cap="flat" cmpd="sng" algn="ctr">
+        <a:solidFill>
+          <a:schemeClr val="tx1">
+            <a:lumMod val="65000"/>
+            <a:lumOff val="35000"/>
+          </a:schemeClr>
+        </a:solidFill>
+        <a:round/>
+      </a:ln>
+    </cs:spPr>
+  </cs:upBar>
+  <cs:valueAxis>
+    <cs:lnRef idx="0"/>
+    <cs:fillRef idx="0"/>
+    <cs:effectRef idx="0"/>
+    <cs:fontRef idx="minor">
+      <a:schemeClr val="tx1">
+        <a:lumMod val="65000"/>
+        <a:lumOff val="35000"/>
+      </a:schemeClr>
+    </cs:fontRef>
+    <cs:defRPr sz="900" kern="1200"/>
+  </cs:valueAxis>
+  <cs:wall>
+    <cs:lnRef idx="0"/>
+    <cs:fillRef idx="0"/>
+    <cs:effectRef idx="0"/>
+    <cs:fontRef idx="minor">
+      <a:schemeClr val="tx1"/>
+    </cs:fontRef>
+    <cs:spPr>
+      <a:noFill/>
+      <a:ln>
+        <a:noFill/>
+      </a:ln>
+    </cs:spPr>
+  </cs:wall>
+</cs:chartStyle>
+</file>
+
+<file path=ppt/charts/style3.xml><?xml version="1.0" encoding="utf-8"?>
+<cs:chartStyle xmlns:cs="http://schemas.microsoft.com/office/drawing/2012/chartStyle" xmlns:a="http://schemas.openxmlformats.org/drawingml/2006/main" id="216">
+  <cs:axisTitle>
+    <cs:lnRef idx="0"/>
+    <cs:fillRef idx="0"/>
+    <cs:effectRef idx="0"/>
+    <cs:fontRef idx="minor">
+      <a:schemeClr val="tx1">
+        <a:lumMod val="65000"/>
+        <a:lumOff val="35000"/>
+      </a:schemeClr>
+    </cs:fontRef>
+    <cs:defRPr sz="1000" kern="1200"/>
+  </cs:axisTitle>
+  <cs:categoryAxis>
+    <cs:lnRef idx="0"/>
+    <cs:fillRef idx="0"/>
+    <cs:effectRef idx="0"/>
+    <cs:fontRef idx="minor">
+      <a:schemeClr val="tx1">
+        <a:lumMod val="65000"/>
+        <a:lumOff val="35000"/>
+      </a:schemeClr>
+    </cs:fontRef>
+    <cs:spPr>
+      <a:ln w="9525" cap="flat" cmpd="sng" algn="ctr">
+        <a:solidFill>
+          <a:schemeClr val="tx1">
+            <a:lumMod val="15000"/>
+            <a:lumOff val="85000"/>
+          </a:schemeClr>
+        </a:solidFill>
+        <a:round/>
+      </a:ln>
+    </cs:spPr>
+    <cs:defRPr sz="900" kern="1200"/>
+  </cs:categoryAxis>
+  <cs:chartArea mods="allowNoFillOverride allowNoLineOverride">
+    <cs:lnRef idx="0"/>
+    <cs:fillRef idx="0"/>
+    <cs:effectRef idx="0"/>
+    <cs:fontRef idx="minor">
+      <a:schemeClr val="tx1"/>
+    </cs:fontRef>
+    <cs:spPr>
+      <a:solidFill>
+        <a:schemeClr val="bg1"/>
+      </a:solidFill>
+      <a:ln w="9525" cap="flat" cmpd="sng" algn="ctr">
+        <a:solidFill>
+          <a:schemeClr val="tx1">
+            <a:lumMod val="15000"/>
+            <a:lumOff val="85000"/>
+          </a:schemeClr>
+        </a:solidFill>
+        <a:round/>
+      </a:ln>
+    </cs:spPr>
+    <cs:defRPr sz="1000" kern="1200"/>
+  </cs:chartArea>
+  <cs:dataLabel>
+    <cs:lnRef idx="0"/>
+    <cs:fillRef idx="0"/>
+    <cs:effectRef idx="0"/>
+    <cs:fontRef idx="minor">
+      <a:schemeClr val="tx1">
+        <a:lumMod val="75000"/>
+        <a:lumOff val="25000"/>
+      </a:schemeClr>
+    </cs:fontRef>
+    <cs:defRPr sz="900" kern="1200"/>
+  </cs:dataLabel>
+  <cs:dataLabelCallout>
+    <cs:lnRef idx="0"/>
+    <cs:fillRef idx="0"/>
+    <cs:effectRef idx="0"/>
+    <cs:fontRef idx="minor">
+      <a:schemeClr val="dk1">
+        <a:lumMod val="65000"/>
+        <a:lumOff val="35000"/>
+      </a:schemeClr>
+    </cs:fontRef>
+    <cs:spPr>
+      <a:solidFill>
+        <a:schemeClr val="lt1"/>
+      </a:solidFill>
+      <a:ln>
+        <a:solidFill>
+          <a:schemeClr val="dk1">
+            <a:lumMod val="25000"/>
+            <a:lumOff val="75000"/>
+          </a:schemeClr>
+        </a:solidFill>
+      </a:ln>
+    </cs:spPr>
+    <cs:defRPr sz="900" kern="1200"/>
+    <cs:bodyPr rot="0" spcFirstLastPara="1" vertOverflow="clip" horzOverflow="clip" vert="horz" wrap="square" lIns="36576" tIns="18288" rIns="36576" bIns="18288" anchor="ctr" anchorCtr="1">
+      <a:spAutoFit/>
+    </cs:bodyPr>
+  </cs:dataLabelCallout>
+  <cs:dataPoint>
+    <cs:lnRef idx="0"/>
+    <cs:fillRef idx="1">
+      <cs:styleClr val="auto"/>
+    </cs:fillRef>
+    <cs:effectRef idx="0"/>
+    <cs:fontRef idx="minor">
+      <a:schemeClr val="tx1"/>
+    </cs:fontRef>
+  </cs:dataPoint>
+  <cs:dataPoint3D>
+    <cs:lnRef idx="0"/>
+    <cs:fillRef idx="1">
+      <cs:styleClr val="auto"/>
+    </cs:fillRef>
+    <cs:effectRef idx="0"/>
+    <cs:fontRef idx="minor">
+      <a:schemeClr val="tx1"/>
+    </cs:fontRef>
+  </cs:dataPoint3D>
+  <cs:dataPointLine>
+    <cs:lnRef idx="0">
+      <cs:styleClr val="auto"/>
+    </cs:lnRef>
+    <cs:fillRef idx="1"/>
+    <cs:effectRef idx="0"/>
+    <cs:fontRef idx="minor">
+      <a:schemeClr val="tx1"/>
+    </cs:fontRef>
+    <cs:spPr>
+      <a:ln w="28575" cap="rnd">
+        <a:solidFill>
+          <a:schemeClr val="phClr"/>
+        </a:solidFill>
+        <a:round/>
+      </a:ln>
+    </cs:spPr>
+  </cs:dataPointLine>
+  <cs:dataPointMarker>
+    <cs:lnRef idx="0">
+      <cs:styleClr val="auto"/>
+    </cs:lnRef>
+    <cs:fillRef idx="1">
+      <cs:styleClr val="auto"/>
+    </cs:fillRef>
+    <cs:effectRef idx="0"/>
+    <cs:fontRef idx="minor">
+      <a:schemeClr val="tx1"/>
+    </cs:fontRef>
+    <cs:spPr>
+      <a:ln w="9525">
+        <a:solidFill>
+          <a:schemeClr val="phClr"/>
+        </a:solidFill>
+      </a:ln>
+    </cs:spPr>
+  </cs:dataPointMarker>
+  <cs:dataPointMarkerLayout symbol="circle" size="5"/>
+  <cs:dataPointWireframe>
+    <cs:lnRef idx="0">
+      <cs:styleClr val="auto"/>
+    </cs:lnRef>
+    <cs:fillRef idx="1"/>
+    <cs:effectRef idx="0"/>
+    <cs:fontRef idx="minor">
+      <a:schemeClr val="tx1"/>
+    </cs:fontRef>
+    <cs:spPr>
+      <a:ln w="9525" cap="rnd">
+        <a:solidFill>
+          <a:schemeClr val="phClr"/>
+        </a:solidFill>
+        <a:round/>
+      </a:ln>
+    </cs:spPr>
+  </cs:dataPointWireframe>
+  <cs:dataTable>
+    <cs:lnRef idx="0"/>
+    <cs:fillRef idx="0"/>
+    <cs:effectRef idx="0"/>
+    <cs:fontRef idx="minor">
+      <a:schemeClr val="tx1">
+        <a:lumMod val="65000"/>
+        <a:lumOff val="35000"/>
+      </a:schemeClr>
+    </cs:fontRef>
+    <cs:spPr>
+      <a:noFill/>
+      <a:ln w="9525" cap="flat" cmpd="sng" algn="ctr">
+        <a:solidFill>
+          <a:schemeClr val="tx1">
+            <a:lumMod val="15000"/>
+            <a:lumOff val="85000"/>
+          </a:schemeClr>
+        </a:solidFill>
+        <a:round/>
+      </a:ln>
+    </cs:spPr>
+    <cs:defRPr sz="900" kern="1200"/>
+  </cs:dataTable>
+  <cs:downBar>
+    <cs:lnRef idx="0"/>
+    <cs:fillRef idx="0"/>
+    <cs:effectRef idx="0"/>
+    <cs:fontRef idx="minor">
+      <a:schemeClr val="tx1"/>
+    </cs:fontRef>
+    <cs:spPr>
+      <a:solidFill>
+        <a:schemeClr val="dk1">
+          <a:lumMod val="75000"/>
+          <a:lumOff val="25000"/>
+        </a:schemeClr>
+      </a:solidFill>
+      <a:ln w="9525" cap="flat" cmpd="sng" algn="ctr">
+        <a:solidFill>
+          <a:schemeClr val="tx1">
+            <a:lumMod val="65000"/>
+            <a:lumOff val="35000"/>
+          </a:schemeClr>
+        </a:solidFill>
+        <a:round/>
+      </a:ln>
+    </cs:spPr>
+  </cs:downBar>
+  <cs:dropLine>
+    <cs:lnRef idx="0"/>
+    <cs:fillRef idx="0"/>
+    <cs:effectRef idx="0"/>
+    <cs:fontRef idx="minor">
+      <a:schemeClr val="tx1"/>
+    </cs:fontRef>
+    <cs:spPr>
+      <a:ln w="9525" cap="flat" cmpd="sng" algn="ctr">
+        <a:solidFill>
+          <a:schemeClr val="tx1">
+            <a:lumMod val="35000"/>
+            <a:lumOff val="65000"/>
+          </a:schemeClr>
+        </a:solidFill>
+        <a:round/>
+      </a:ln>
+    </cs:spPr>
+  </cs:dropLine>
+  <cs:errorBar>
+    <cs:lnRef idx="0"/>
+    <cs:fillRef idx="0"/>
+    <cs:effectRef idx="0"/>
+    <cs:fontRef idx="minor">
+      <a:schemeClr val="tx1"/>
+    </cs:fontRef>
+    <cs:spPr>
+      <a:ln w="9525" cap="flat" cmpd="sng" algn="ctr">
+        <a:solidFill>
+          <a:schemeClr val="tx1">
+            <a:lumMod val="65000"/>
+            <a:lumOff val="35000"/>
+          </a:schemeClr>
+        </a:solidFill>
+        <a:round/>
+      </a:ln>
+    </cs:spPr>
+  </cs:errorBar>
+  <cs:floor>
+    <cs:lnRef idx="0"/>
+    <cs:fillRef idx="0"/>
+    <cs:effectRef idx="0"/>
+    <cs:fontRef idx="minor">
+      <a:schemeClr val="tx1"/>
+    </cs:fontRef>
+    <cs:spPr>
+      <a:noFill/>
+      <a:ln>
+        <a:noFill/>
+      </a:ln>
+    </cs:spPr>
+  </cs:floor>
+  <cs:gridlineMajor>
+    <cs:lnRef idx="0"/>
+    <cs:fillRef idx="0"/>
+    <cs:effectRef idx="0"/>
+    <cs:fontRef idx="minor">
+      <a:schemeClr val="tx1"/>
+    </cs:fontRef>
+    <cs:spPr>
+      <a:ln w="9525" cap="flat" cmpd="sng" algn="ctr">
+        <a:solidFill>
+          <a:schemeClr val="tx1">
+            <a:lumMod val="15000"/>
+            <a:lumOff val="85000"/>
+          </a:schemeClr>
+        </a:solidFill>
+        <a:round/>
+      </a:ln>
+    </cs:spPr>
+  </cs:gridlineMajor>
+  <cs:gridlineMinor>
+    <cs:lnRef idx="0"/>
+    <cs:fillRef idx="0"/>
+    <cs:effectRef idx="0"/>
+    <cs:fontRef idx="minor">
+      <a:schemeClr val="tx1"/>
+    </cs:fontRef>
+    <cs:spPr>
+      <a:ln w="9525" cap="flat" cmpd="sng" algn="ctr">
+        <a:solidFill>
+          <a:schemeClr val="tx1">
+            <a:lumMod val="5000"/>
+            <a:lumOff val="95000"/>
+          </a:schemeClr>
+        </a:solidFill>
+        <a:round/>
+      </a:ln>
+    </cs:spPr>
+  </cs:gridlineMinor>
+  <cs:hiLoLine>
+    <cs:lnRef idx="0"/>
+    <cs:fillRef idx="0"/>
+    <cs:effectRef idx="0"/>
+    <cs:fontRef idx="minor">
+      <a:schemeClr val="tx1"/>
+    </cs:fontRef>
+    <cs:spPr>
+      <a:ln w="9525" cap="flat" cmpd="sng" algn="ctr">
+        <a:solidFill>
+          <a:schemeClr val="tx1">
+            <a:lumMod val="50000"/>
+            <a:lumOff val="50000"/>
+          </a:schemeClr>
+        </a:solidFill>
+        <a:round/>
+      </a:ln>
+    </cs:spPr>
+  </cs:hiLoLine>
+  <cs:leaderLine>
+    <cs:lnRef idx="0"/>
+    <cs:fillRef idx="0"/>
+    <cs:effectRef idx="0"/>
+    <cs:fontRef idx="minor">
+      <a:schemeClr val="tx1"/>
+    </cs:fontRef>
+    <cs:spPr>
+      <a:ln w="9525" cap="flat" cmpd="sng" algn="ctr">
+        <a:solidFill>
+          <a:schemeClr val="tx1">
+            <a:lumMod val="35000"/>
+            <a:lumOff val="65000"/>
+          </a:schemeClr>
+        </a:solidFill>
+        <a:round/>
+      </a:ln>
+    </cs:spPr>
+  </cs:leaderLine>
+  <cs:legend>
+    <cs:lnRef idx="0"/>
+    <cs:fillRef idx="0"/>
+    <cs:effectRef idx="0"/>
+    <cs:fontRef idx="minor">
+      <a:schemeClr val="tx1">
+        <a:lumMod val="65000"/>
+        <a:lumOff val="35000"/>
+      </a:schemeClr>
+    </cs:fontRef>
+    <cs:defRPr sz="900" kern="1200"/>
+  </cs:legend>
+  <cs:plotArea mods="allowNoFillOverride allowNoLineOverride">
+    <cs:lnRef idx="0"/>
+    <cs:fillRef idx="0"/>
+    <cs:effectRef idx="0"/>
+    <cs:fontRef idx="minor">
+      <a:schemeClr val="tx1"/>
+    </cs:fontRef>
+  </cs:plotArea>
+  <cs:plotArea3D mods="allowNoFillOverride allowNoLineOverride">
+    <cs:lnRef idx="0"/>
+    <cs:fillRef idx="0"/>
+    <cs:effectRef idx="0"/>
+    <cs:fontRef idx="minor">
+      <a:schemeClr val="tx1"/>
+    </cs:fontRef>
+  </cs:plotArea3D>
+  <cs:seriesAxis>
+    <cs:lnRef idx="0"/>
+    <cs:fillRef idx="0"/>
+    <cs:effectRef idx="0"/>
+    <cs:fontRef idx="minor">
+      <a:schemeClr val="tx1">
+        <a:lumMod val="65000"/>
+        <a:lumOff val="35000"/>
+      </a:schemeClr>
+    </cs:fontRef>
+    <cs:defRPr sz="900" kern="1200"/>
+  </cs:seriesAxis>
+  <cs:seriesLine>
+    <cs:lnRef idx="0"/>
+    <cs:fillRef idx="0"/>
+    <cs:effectRef idx="0"/>
+    <cs:fontRef idx="minor">
+      <a:schemeClr val="tx1"/>
+    </cs:fontRef>
+    <cs:spPr>
+      <a:ln w="9525" cap="flat" cmpd="sng" algn="ctr">
+        <a:solidFill>
+          <a:schemeClr val="tx1">
+            <a:lumMod val="35000"/>
+            <a:lumOff val="65000"/>
+          </a:schemeClr>
+        </a:solidFill>
+        <a:round/>
+      </a:ln>
+    </cs:spPr>
+  </cs:seriesLine>
+  <cs:title>
+    <cs:lnRef idx="0"/>
+    <cs:fillRef idx="0"/>
+    <cs:effectRef idx="0"/>
+    <cs:fontRef idx="minor">
+      <a:schemeClr val="tx1">
+        <a:lumMod val="65000"/>
+        <a:lumOff val="35000"/>
+      </a:schemeClr>
+    </cs:fontRef>
+    <cs:defRPr sz="1400" b="0" kern="1200" spc="0" baseline="0"/>
+  </cs:title>
+  <cs:trendline>
+    <cs:lnRef idx="0">
+      <cs:styleClr val="auto"/>
+    </cs:lnRef>
+    <cs:fillRef idx="0"/>
+    <cs:effectRef idx="0"/>
+    <cs:fontRef idx="minor">
+      <a:schemeClr val="tx1"/>
+    </cs:fontRef>
+    <cs:spPr>
+      <a:ln w="19050" cap="rnd">
+        <a:solidFill>
+          <a:schemeClr val="phClr"/>
+        </a:solidFill>
+        <a:prstDash val="sysDot"/>
+      </a:ln>
+    </cs:spPr>
+  </cs:trendline>
+  <cs:trendlineLabel>
+    <cs:lnRef idx="0"/>
+    <cs:fillRef idx="0"/>
+    <cs:effectRef idx="0"/>
+    <cs:fontRef idx="minor">
+      <a:schemeClr val="tx1">
+        <a:lumMod val="65000"/>
+        <a:lumOff val="35000"/>
+      </a:schemeClr>
+    </cs:fontRef>
+    <cs:defRPr sz="900" kern="1200"/>
+  </cs:trendlineLabel>
+  <cs:upBar>
+    <cs:lnRef idx="0"/>
+    <cs:fillRef idx="0"/>
+    <cs:effectRef idx="0"/>
+    <cs:fontRef idx="minor">
+      <a:schemeClr val="tx1"/>
+    </cs:fontRef>
+    <cs:spPr>
+      <a:solidFill>
+        <a:schemeClr val="lt1"/>
+      </a:solidFill>
+      <a:ln w="9525" cap="flat" cmpd="sng" algn="ctr">
+        <a:solidFill>
+          <a:schemeClr val="tx1">
+            <a:lumMod val="65000"/>
+            <a:lumOff val="35000"/>
+          </a:schemeClr>
+        </a:solidFill>
+        <a:round/>
+      </a:ln>
+    </cs:spPr>
+  </cs:upBar>
+  <cs:valueAxis>
+    <cs:lnRef idx="0"/>
+    <cs:fillRef idx="0"/>
+    <cs:effectRef idx="0"/>
+    <cs:fontRef idx="minor">
+      <a:schemeClr val="tx1">
+        <a:lumMod val="65000"/>
+        <a:lumOff val="35000"/>
+      </a:schemeClr>
+    </cs:fontRef>
+    <cs:defRPr sz="900" kern="1200"/>
+  </cs:valueAxis>
+  <cs:wall>
+    <cs:lnRef idx="0"/>
+    <cs:fillRef idx="0"/>
+    <cs:effectRef idx="0"/>
+    <cs:fontRef idx="minor">
+      <a:schemeClr val="tx1"/>
+    </cs:fontRef>
+    <cs:spPr>
+      <a:noFill/>
+      <a:ln>
+        <a:noFill/>
+      </a:ln>
+    </cs:spPr>
+  </cs:wall>
+</cs:chartStyle>
+</file>
+
+<file path=ppt/charts/style4.xml><?xml version="1.0" encoding="utf-8"?>
+<cs:chartStyle xmlns:cs="http://schemas.microsoft.com/office/drawing/2012/chartStyle" xmlns:a="http://schemas.openxmlformats.org/drawingml/2006/main" id="366">
+  <cs:axisTitle>
+    <cs:lnRef idx="0"/>
+    <cs:fillRef idx="0"/>
+    <cs:effectRef idx="0"/>
+    <cs:fontRef idx="minor">
+      <a:schemeClr val="tx1">
+        <a:lumMod val="65000"/>
+        <a:lumOff val="35000"/>
+      </a:schemeClr>
+    </cs:fontRef>
+    <cs:defRPr sz="900"/>
+  </cs:axisTitle>
+  <cs:categoryAxis>
+    <cs:lnRef idx="0"/>
+    <cs:fillRef idx="0"/>
+    <cs:effectRef idx="0"/>
+    <cs:fontRef idx="minor">
+      <a:schemeClr val="tx1">
+        <a:lumMod val="65000"/>
+        <a:lumOff val="35000"/>
+      </a:schemeClr>
+    </cs:fontRef>
+    <cs:spPr>
+      <a:ln w="9525" cap="flat" cmpd="sng" algn="ctr">
+        <a:solidFill>
+          <a:schemeClr val="tx1">
+            <a:lumMod val="15000"/>
+            <a:lumOff val="85000"/>
+          </a:schemeClr>
+        </a:solidFill>
+        <a:round/>
+      </a:ln>
+    </cs:spPr>
+    <cs:defRPr sz="900"/>
+  </cs:categoryAxis>
+  <cs:chartArea mods="allowNoFillOverride allowNoLineOverride">
+    <cs:lnRef idx="0"/>
+    <cs:fillRef idx="0"/>
+    <cs:effectRef idx="0"/>
+    <cs:fontRef idx="minor">
+      <a:schemeClr val="tx1"/>
+    </cs:fontRef>
+    <cs:spPr>
+      <a:solidFill>
+        <a:schemeClr val="bg1"/>
+      </a:solidFill>
+      <a:ln w="9525" cap="flat" cmpd="sng" algn="ctr">
+        <a:solidFill>
+          <a:schemeClr val="tx1">
+            <a:lumMod val="15000"/>
+            <a:lumOff val="85000"/>
+          </a:schemeClr>
+        </a:solidFill>
+        <a:round/>
+      </a:ln>
+    </cs:spPr>
+    <cs:defRPr sz="1000"/>
+  </cs:chartArea>
+  <cs:dataLabel>
+    <cs:lnRef idx="0"/>
+    <cs:fillRef idx="0"/>
+    <cs:effectRef idx="0"/>
+    <cs:fontRef idx="minor">
+      <a:schemeClr val="tx1">
+        <a:lumMod val="65000"/>
+        <a:lumOff val="35000"/>
+      </a:schemeClr>
+    </cs:fontRef>
+    <cs:defRPr sz="900"/>
+  </cs:dataLabel>
+  <cs:dataLabelCallout>
+    <cs:lnRef idx="0"/>
+    <cs:fillRef idx="0"/>
+    <cs:effectRef idx="0"/>
+    <cs:fontRef idx="minor">
+      <a:schemeClr val="dk1">
+        <a:lumMod val="65000"/>
+        <a:lumOff val="35000"/>
+      </a:schemeClr>
+    </cs:fontRef>
+    <cs:spPr>
+      <a:solidFill>
+        <a:schemeClr val="lt1"/>
+      </a:solidFill>
+      <a:ln>
+        <a:solidFill>
+          <a:schemeClr val="dk1">
+            <a:lumMod val="25000"/>
+            <a:lumOff val="75000"/>
+          </a:schemeClr>
+        </a:solidFill>
+      </a:ln>
+    </cs:spPr>
+    <cs:defRPr sz="900"/>
+    <cs:bodyPr rot="0" spcFirstLastPara="1" vertOverflow="clip" horzOverflow="clip" vert="horz" wrap="square" lIns="36576" tIns="18288" rIns="36576" bIns="18288" anchor="ctr" anchorCtr="1">
+      <a:spAutoFit/>
+    </cs:bodyPr>
+  </cs:dataLabelCallout>
+  <cs:dataPoint>
+    <cs:lnRef idx="0"/>
+    <cs:fillRef idx="0">
+      <cs:styleClr val="auto"/>
+    </cs:fillRef>
+    <cs:effectRef idx="0"/>
+    <cs:fontRef idx="minor">
+      <a:schemeClr val="tx1"/>
+    </cs:fontRef>
+    <cs:spPr>
+      <a:solidFill>
+        <a:schemeClr val="phClr"/>
+      </a:solidFill>
+    </cs:spPr>
+  </cs:dataPoint>
+  <cs:dataPoint3D>
+    <cs:lnRef idx="0"/>
+    <cs:fillRef idx="0">
+      <cs:styleClr val="auto"/>
+    </cs:fillRef>
+    <cs:effectRef idx="0"/>
+    <cs:fontRef idx="minor">
+      <a:schemeClr val="tx1"/>
+    </cs:fontRef>
+    <cs:spPr>
+      <a:solidFill>
+        <a:schemeClr val="phClr"/>
+      </a:solidFill>
+    </cs:spPr>
+  </cs:dataPoint3D>
+  <cs:dataPointLine>
+    <cs:lnRef idx="0">
+      <cs:styleClr val="auto"/>
+    </cs:lnRef>
+    <cs:fillRef idx="0"/>
+    <cs:effectRef idx="0"/>
+    <cs:fontRef idx="minor">
+      <a:schemeClr val="tx1"/>
+    </cs:fontRef>
+    <cs:spPr>
+      <a:ln w="28575" cap="rnd">
+        <a:solidFill>
+          <a:schemeClr val="phClr"/>
+        </a:solidFill>
+        <a:round/>
+      </a:ln>
+    </cs:spPr>
+  </cs:dataPointLine>
+  <cs:dataPointMarker>
+    <cs:lnRef idx="0"/>
+    <cs:fillRef idx="0">
+      <cs:styleClr val="auto"/>
+    </cs:fillRef>
+    <cs:effectRef idx="0"/>
+    <cs:fontRef idx="minor">
+      <a:schemeClr val="tx1"/>
+    </cs:fontRef>
+    <cs:spPr>
+      <a:solidFill>
+        <a:schemeClr val="phClr"/>
+      </a:solidFill>
+      <a:ln w="9525">
+        <a:solidFill>
+          <a:schemeClr val="lt1"/>
+        </a:solidFill>
+      </a:ln>
+    </cs:spPr>
+  </cs:dataPointMarker>
+  <cs:dataPointMarkerLayout symbol="circle" size="5"/>
+  <cs:dataPointWireframe>
+    <cs:lnRef idx="0">
+      <cs:styleClr val="auto"/>
+    </cs:lnRef>
+    <cs:fillRef idx="0"/>
+    <cs:effectRef idx="0"/>
+    <cs:fontRef idx="minor">
+      <a:schemeClr val="tx1"/>
+    </cs:fontRef>
+    <cs:spPr>
+      <a:ln w="28575" cap="rnd">
+        <a:solidFill>
+          <a:schemeClr val="phClr"/>
+        </a:solidFill>
+        <a:round/>
+      </a:ln>
+    </cs:spPr>
+  </cs:dataPointWireframe>
+  <cs:dataTable>
+    <cs:lnRef idx="0"/>
+    <cs:fillRef idx="0"/>
+    <cs:effectRef idx="0"/>
+    <cs:fontRef idx="minor">
+      <a:schemeClr val="tx1">
+        <a:lumMod val="65000"/>
+        <a:lumOff val="35000"/>
+      </a:schemeClr>
+    </cs:fontRef>
+    <cs:spPr>
+      <a:ln w="9525">
+        <a:solidFill>
+          <a:schemeClr val="tx1">
+            <a:lumMod val="15000"/>
+            <a:lumOff val="85000"/>
+          </a:schemeClr>
+        </a:solidFill>
+      </a:ln>
+    </cs:spPr>
+    <cs:defRPr sz="900"/>
+  </cs:dataTable>
+  <cs:downBar>
+    <cs:lnRef idx="0"/>
+    <cs:fillRef idx="0"/>
+    <cs:effectRef idx="0"/>
+    <cs:fontRef idx="minor">
+      <a:schemeClr val="dk1"/>
+    </cs:fontRef>
+    <cs:spPr>
+      <a:solidFill>
+        <a:schemeClr val="dk1">
+          <a:lumMod val="65000"/>
+          <a:lumOff val="35000"/>
+        </a:schemeClr>
+      </a:solidFill>
+      <a:ln w="9525">
+        <a:solidFill>
+          <a:schemeClr val="tx1">
+            <a:lumMod val="65000"/>
+            <a:lumOff val="35000"/>
+          </a:schemeClr>
+        </a:solidFill>
+      </a:ln>
+    </cs:spPr>
+  </cs:downBar>
+  <cs:dropLine>
+    <cs:lnRef idx="0"/>
+    <cs:fillRef idx="0"/>
+    <cs:effectRef idx="0"/>
+    <cs:fontRef idx="minor">
+      <a:schemeClr val="tx1"/>
+    </cs:fontRef>
+    <cs:spPr>
+      <a:ln w="9525" cap="flat" cmpd="sng" algn="ctr">
+        <a:solidFill>
+          <a:schemeClr val="tx1">
+            <a:lumMod val="35000"/>
+            <a:lumOff val="65000"/>
+          </a:schemeClr>
+        </a:solidFill>
+        <a:round/>
+      </a:ln>
+    </cs:spPr>
+  </cs:dropLine>
+  <cs:errorBar>
+    <cs:lnRef idx="0"/>
+    <cs:fillRef idx="0"/>
+    <cs:effectRef idx="0"/>
+    <cs:fontRef idx="minor">
+      <a:schemeClr val="tx1"/>
+    </cs:fontRef>
+    <cs:spPr>
+      <a:ln w="9525" cap="flat" cmpd="sng" algn="ctr">
+        <a:solidFill>
+          <a:schemeClr val="tx1">
+            <a:lumMod val="65000"/>
+            <a:lumOff val="35000"/>
+          </a:schemeClr>
+        </a:solidFill>
+        <a:round/>
+      </a:ln>
+    </cs:spPr>
+  </cs:errorBar>
+  <cs:floor>
+    <cs:lnRef idx="0"/>
+    <cs:fillRef idx="0"/>
+    <cs:effectRef idx="0"/>
+    <cs:fontRef idx="minor">
+      <a:schemeClr val="tx1"/>
+    </cs:fontRef>
+  </cs:floor>
+  <cs:gridlineMajor>
+    <cs:lnRef idx="0"/>
+    <cs:fillRef idx="0"/>
+    <cs:effectRef idx="0"/>
+    <cs:fontRef idx="minor">
+      <a:schemeClr val="tx1"/>
+    </cs:fontRef>
+    <cs:spPr>
+      <a:ln w="9525" cap="flat" cmpd="sng" algn="ctr">
+        <a:solidFill>
+          <a:schemeClr val="tx1">
+            <a:lumMod val="15000"/>
+            <a:lumOff val="85000"/>
+          </a:schemeClr>
+        </a:solidFill>
+        <a:round/>
+      </a:ln>
+    </cs:spPr>
+  </cs:gridlineMajor>
+  <cs:gridlineMinor>
+    <cs:lnRef idx="0"/>
+    <cs:fillRef idx="0"/>
+    <cs:effectRef idx="0"/>
+    <cs:fontRef idx="minor">
+      <a:schemeClr val="tx1"/>
+    </cs:fontRef>
+    <cs:spPr>
+      <a:ln w="9525" cap="flat" cmpd="sng" algn="ctr">
+        <a:solidFill>
+          <a:schemeClr val="tx1">
+            <a:lumMod val="15000"/>
+            <a:lumOff val="85000"/>
+          </a:schemeClr>
+        </a:solidFill>
+        <a:round/>
+      </a:ln>
+    </cs:spPr>
+  </cs:gridlineMinor>
+  <cs:hiLoLine>
+    <cs:lnRef idx="0"/>
+    <cs:fillRef idx="0"/>
+    <cs:effectRef idx="0"/>
+    <cs:fontRef idx="minor">
+      <a:schemeClr val="tx1"/>
+    </cs:fontRef>
+    <cs:spPr>
+      <a:ln w="9525" cap="flat" cmpd="sng" algn="ctr">
+        <a:solidFill>
+          <a:schemeClr val="tx1">
+            <a:lumMod val="75000"/>
+            <a:lumOff val="25000"/>
+          </a:schemeClr>
+        </a:solidFill>
+        <a:round/>
+      </a:ln>
+    </cs:spPr>
+  </cs:hiLoLine>
+  <cs:leaderLine>
+    <cs:lnRef idx="0"/>
+    <cs:fillRef idx="0"/>
+    <cs:effectRef idx="0"/>
+    <cs:fontRef idx="minor">
+      <a:schemeClr val="tx1"/>
+    </cs:fontRef>
+    <cs:spPr>
+      <a:ln w="9525" cap="flat" cmpd="sng" algn="ctr">
+        <a:solidFill>
+          <a:schemeClr val="tx1">
+            <a:lumMod val="35000"/>
+            <a:lumOff val="65000"/>
+          </a:schemeClr>
+        </a:solidFill>
+        <a:round/>
+      </a:ln>
+    </cs:spPr>
+  </cs:leaderLine>
+  <cs:legend>
+    <cs:lnRef idx="0"/>
+    <cs:fillRef idx="0"/>
+    <cs:effectRef idx="0"/>
+    <cs:fontRef idx="minor">
+      <a:schemeClr val="tx1">
+        <a:lumMod val="65000"/>
+        <a:lumOff val="35000"/>
+      </a:schemeClr>
+    </cs:fontRef>
+    <cs:defRPr sz="900"/>
+  </cs:legend>
+  <cs:plotArea mods="allowNoFillOverride allowNoLineOverride">
+    <cs:lnRef idx="0"/>
+    <cs:fillRef idx="0"/>
+    <cs:effectRef idx="0"/>
+    <cs:fontRef idx="minor">
+      <a:schemeClr val="tx1"/>
+    </cs:fontRef>
+  </cs:plotArea>
+  <cs:plotArea3D mods="allowNoFillOverride allowNoLineOverride">
+    <cs:lnRef idx="0"/>
+    <cs:fillRef idx="0"/>
+    <cs:effectRef idx="0"/>
+    <cs:fontRef idx="minor">
+      <a:schemeClr val="tx1"/>
+    </cs:fontRef>
+  </cs:plotArea3D>
+  <cs:seriesAxis>
+    <cs:lnRef idx="0"/>
+    <cs:fillRef idx="0"/>
+    <cs:effectRef idx="0"/>
+    <cs:fontRef idx="minor">
+      <a:schemeClr val="tx1">
+        <a:lumMod val="65000"/>
+        <a:lumOff val="35000"/>
+      </a:schemeClr>
+    </cs:fontRef>
+    <cs:spPr>
+      <a:ln w="9525" cap="flat" cmpd="sng" algn="ctr">
+        <a:solidFill>
+          <a:schemeClr val="tx1">
+            <a:lumMod val="15000"/>
+            <a:lumOff val="85000"/>
+          </a:schemeClr>
+        </a:solidFill>
+        <a:round/>
+      </a:ln>
+    </cs:spPr>
+    <cs:defRPr sz="900"/>
+  </cs:seriesAxis>
+  <cs:seriesLine>
+    <cs:lnRef idx="0"/>
+    <cs:fillRef idx="0"/>
+    <cs:effectRef idx="0"/>
+    <cs:fontRef idx="minor">
+      <a:schemeClr val="tx1"/>
+    </cs:fontRef>
+    <cs:spPr>
+      <a:ln w="9525" cap="flat">
+        <a:solidFill>
+          <a:srgbClr val="D9D9D9"/>
+        </a:solidFill>
+        <a:round/>
+      </a:ln>
+    </cs:spPr>
+  </cs:seriesLine>
+  <cs:title>
+    <cs:lnRef idx="0"/>
+    <cs:fillRef idx="0"/>
+    <cs:effectRef idx="0"/>
+    <cs:fontRef idx="minor">
+      <a:schemeClr val="tx1">
+        <a:lumMod val="65000"/>
+        <a:lumOff val="35000"/>
+      </a:schemeClr>
+    </cs:fontRef>
+    <cs:defRPr sz="1400"/>
+  </cs:title>
+  <cs:trendline>
+    <cs:lnRef idx="0">
+      <cs:styleClr val="auto"/>
+    </cs:lnRef>
+    <cs:fillRef idx="0"/>
+    <cs:effectRef idx="0"/>
+    <cs:fontRef idx="minor">
+      <a:schemeClr val="tx1"/>
+    </cs:fontRef>
+    <cs:spPr>
+      <a:ln w="19050" cap="rnd">
+        <a:solidFill>
+          <a:schemeClr val="phClr"/>
+        </a:solidFill>
+        <a:prstDash val="sysDash"/>
+      </a:ln>
+    </cs:spPr>
+  </cs:trendline>
+  <cs:trendlineLabel>
+    <cs:lnRef idx="0"/>
+    <cs:fillRef idx="0"/>
+    <cs:effectRef idx="0"/>
+    <cs:fontRef idx="minor">
+      <a:schemeClr val="tx1">
+        <a:lumMod val="65000"/>
+        <a:lumOff val="35000"/>
+      </a:schemeClr>
+    </cs:fontRef>
+    <cs:defRPr sz="900"/>
+  </cs:trendlineLabel>
+  <cs:upBar>
+    <cs:lnRef idx="0"/>
+    <cs:fillRef idx="0"/>
+    <cs:effectRef idx="0"/>
+    <cs:fontRef idx="minor">
+      <a:schemeClr val="dk1"/>
+    </cs:fontRef>
+    <cs:spPr>
+      <a:solidFill>
+        <a:schemeClr val="lt1"/>
+      </a:solidFill>
+      <a:ln w="9525">
+        <a:solidFill>
+          <a:schemeClr val="tx1">
+            <a:lumMod val="15000"/>
+            <a:lumOff val="85000"/>
+          </a:schemeClr>
+        </a:solidFill>
+      </a:ln>
+    </cs:spPr>
+  </cs:upBar>
+  <cs:valueAxis>
+    <cs:lnRef idx="0"/>
+    <cs:fillRef idx="0"/>
+    <cs:effectRef idx="0"/>
+    <cs:fontRef idx="minor">
+      <a:schemeClr val="tx1">
+        <a:lumMod val="65000"/>
+        <a:lumOff val="35000"/>
+      </a:schemeClr>
+    </cs:fontRef>
+    <cs:defRPr sz="900"/>
+  </cs:valueAxis>
+  <cs:wall>
+    <cs:lnRef idx="0"/>
+    <cs:fillRef idx="0"/>
+    <cs:effectRef idx="0"/>
+    <cs:fontRef idx="minor">
+      <a:schemeClr val="tx1"/>
+    </cs:fontRef>
+  </cs:wall>
+</cs:chartStyle>
+</file>
+
+<file path=ppt/charts/style5.xml><?xml version="1.0" encoding="utf-8"?>
+<cs:chartStyle xmlns:cs="http://schemas.microsoft.com/office/drawing/2012/chartStyle" xmlns:a="http://schemas.openxmlformats.org/drawingml/2006/main" id="227">
+  <cs:axisTitle>
+    <cs:lnRef idx="0"/>
+    <cs:fillRef idx="0"/>
+    <cs:effectRef idx="0"/>
+    <cs:fontRef idx="minor">
+      <a:schemeClr val="tx1">
+        <a:lumMod val="65000"/>
+        <a:lumOff val="35000"/>
+      </a:schemeClr>
+    </cs:fontRef>
+    <cs:defRPr sz="1000" kern="1200"/>
+  </cs:axisTitle>
+  <cs:categoryAxis>
+    <cs:lnRef idx="0"/>
+    <cs:fillRef idx="0"/>
+    <cs:effectRef idx="0"/>
+    <cs:fontRef idx="minor">
+      <a:schemeClr val="tx1">
+        <a:lumMod val="65000"/>
+        <a:lumOff val="35000"/>
+      </a:schemeClr>
+    </cs:fontRef>
+    <cs:spPr>
+      <a:ln w="9525" cap="flat" cmpd="sng" algn="ctr">
+        <a:solidFill>
+          <a:schemeClr val="tx1">
+            <a:lumMod val="15000"/>
+            <a:lumOff val="85000"/>
+          </a:schemeClr>
+        </a:solidFill>
+        <a:round/>
+      </a:ln>
+    </cs:spPr>
+    <cs:defRPr sz="900" kern="1200"/>
+  </cs:categoryAxis>
+  <cs:chartArea mods="allowNoFillOverride allowNoLineOverride">
+    <cs:lnRef idx="0"/>
+    <cs:fillRef idx="0"/>
+    <cs:effectRef idx="0"/>
+    <cs:fontRef idx="minor">
+      <a:schemeClr val="tx1"/>
+    </cs:fontRef>
+    <cs:spPr>
+      <a:solidFill>
+        <a:schemeClr val="bg1"/>
+      </a:solidFill>
+      <a:ln w="9525" cap="flat" cmpd="sng" algn="ctr">
+        <a:solidFill>
+          <a:schemeClr val="tx1">
+            <a:lumMod val="15000"/>
+            <a:lumOff val="85000"/>
+          </a:schemeClr>
+        </a:solidFill>
+        <a:round/>
+      </a:ln>
+    </cs:spPr>
+    <cs:defRPr sz="1000" kern="1200"/>
+  </cs:chartArea>
+  <cs:dataLabel>
+    <cs:lnRef idx="0"/>
+    <cs:fillRef idx="0"/>
+    <cs:effectRef idx="0"/>
+    <cs:fontRef idx="minor">
+      <a:schemeClr val="tx1">
+        <a:lumMod val="75000"/>
+        <a:lumOff val="25000"/>
+      </a:schemeClr>
+    </cs:fontRef>
+    <cs:defRPr sz="900" kern="1200"/>
+  </cs:dataLabel>
+  <cs:dataLabelCallout>
+    <cs:lnRef idx="0"/>
+    <cs:fillRef idx="0"/>
+    <cs:effectRef idx="0"/>
+    <cs:fontRef idx="minor">
+      <a:schemeClr val="dk1">
+        <a:lumMod val="65000"/>
+        <a:lumOff val="35000"/>
+      </a:schemeClr>
+    </cs:fontRef>
+    <cs:spPr>
+      <a:solidFill>
+        <a:schemeClr val="lt1"/>
+      </a:solidFill>
+      <a:ln>
+        <a:solidFill>
+          <a:schemeClr val="dk1">
+            <a:lumMod val="25000"/>
+            <a:lumOff val="75000"/>
+          </a:schemeClr>
+        </a:solidFill>
+      </a:ln>
+    </cs:spPr>
+    <cs:defRPr sz="900" kern="1200"/>
+    <cs:bodyPr rot="0" spcFirstLastPara="1" vertOverflow="clip" horzOverflow="clip" vert="horz" wrap="square" lIns="36576" tIns="18288" rIns="36576" bIns="18288" anchor="ctr" anchorCtr="1">
+      <a:spAutoFit/>
+    </cs:bodyPr>
+  </cs:dataLabelCallout>
+  <cs:dataPoint>
+    <cs:lnRef idx="0"/>
+    <cs:fillRef idx="1">
+      <cs:styleClr val="auto"/>
+    </cs:fillRef>
+    <cs:effectRef idx="0"/>
+    <cs:fontRef idx="minor">
+      <a:schemeClr val="tx1"/>
+    </cs:fontRef>
+    <cs:spPr>
+      <a:solidFill>
+        <a:schemeClr val="phClr"/>
+      </a:solidFill>
+    </cs:spPr>
+  </cs:dataPoint>
+  <cs:dataPoint3D>
+    <cs:lnRef idx="0"/>
+    <cs:fillRef idx="1">
+      <cs:styleClr val="auto"/>
+    </cs:fillRef>
+    <cs:effectRef idx="0"/>
+    <cs:fontRef idx="minor">
+      <a:schemeClr val="tx1"/>
+    </cs:fontRef>
+    <cs:spPr>
+      <a:solidFill>
+        <a:schemeClr val="phClr"/>
+      </a:solidFill>
+    </cs:spPr>
+  </cs:dataPoint3D>
+  <cs:dataPointLine>
+    <cs:lnRef idx="0">
+      <cs:styleClr val="auto"/>
+    </cs:lnRef>
+    <cs:fillRef idx="1"/>
+    <cs:effectRef idx="0"/>
+    <cs:fontRef idx="minor">
+      <a:schemeClr val="tx1"/>
+    </cs:fontRef>
+    <cs:spPr>
+      <a:ln w="28575" cap="rnd">
+        <a:solidFill>
+          <a:schemeClr val="phClr"/>
+        </a:solidFill>
+        <a:round/>
+      </a:ln>
+    </cs:spPr>
+  </cs:dataPointLine>
+  <cs:dataPointMarker>
+    <cs:lnRef idx="0">
+      <cs:styleClr val="auto"/>
+    </cs:lnRef>
+    <cs:fillRef idx="1">
+      <cs:styleClr val="auto"/>
+    </cs:fillRef>
+    <cs:effectRef idx="0"/>
+    <cs:fontRef idx="minor">
+      <a:schemeClr val="tx1"/>
+    </cs:fontRef>
+    <cs:spPr>
+      <a:solidFill>
+        <a:schemeClr val="phClr"/>
+      </a:solidFill>
+      <a:ln w="9525">
+        <a:solidFill>
+          <a:schemeClr val="phClr"/>
+        </a:solidFill>
+      </a:ln>
+    </cs:spPr>
+  </cs:dataPointMarker>
+  <cs:dataPointMarkerLayout symbol="circle" size="5"/>
+  <cs:dataPointWireframe>
+    <cs:lnRef idx="0">
+      <cs:styleClr val="auto"/>
+    </cs:lnRef>
+    <cs:fillRef idx="1"/>
+    <cs:effectRef idx="0"/>
+    <cs:fontRef idx="minor">
+      <a:schemeClr val="tx1"/>
+    </cs:fontRef>
+    <cs:spPr>
+      <a:ln w="9525" cap="rnd">
+        <a:solidFill>
+          <a:schemeClr val="phClr"/>
+        </a:solidFill>
+        <a:round/>
+      </a:ln>
+    </cs:spPr>
+  </cs:dataPointWireframe>
+  <cs:dataTable>
+    <cs:lnRef idx="0"/>
+    <cs:fillRef idx="0"/>
+    <cs:effectRef idx="0"/>
+    <cs:fontRef idx="minor">
+      <a:schemeClr val="tx1">
+        <a:lumMod val="65000"/>
+        <a:lumOff val="35000"/>
+      </a:schemeClr>
+    </cs:fontRef>
+    <cs:spPr>
+      <a:noFill/>
+      <a:ln w="9525" cap="flat" cmpd="sng" algn="ctr">
+        <a:solidFill>
+          <a:schemeClr val="tx1">
+            <a:lumMod val="15000"/>
+            <a:lumOff val="85000"/>
+          </a:schemeClr>
+        </a:solidFill>
+        <a:round/>
+      </a:ln>
+    </cs:spPr>
+    <cs:defRPr sz="900" kern="1200"/>
+  </cs:dataTable>
+  <cs:downBar>
+    <cs:lnRef idx="0"/>
+    <cs:fillRef idx="0"/>
+    <cs:effectRef idx="0"/>
+    <cs:fontRef idx="minor">
+      <a:schemeClr val="dk1"/>
+    </cs:fontRef>
+    <cs:spPr>
+      <a:solidFill>
+        <a:schemeClr val="dk1">
+          <a:lumMod val="65000"/>
+          <a:lumOff val="35000"/>
+        </a:schemeClr>
+      </a:solidFill>
+      <a:ln w="9525">
+        <a:solidFill>
+          <a:schemeClr val="tx1">
+            <a:lumMod val="65000"/>
+            <a:lumOff val="35000"/>
+          </a:schemeClr>
+        </a:solidFill>
+      </a:ln>
+    </cs:spPr>
+  </cs:downBar>
+  <cs:dropLine>
+    <cs:lnRef idx="0"/>
+    <cs:fillRef idx="0"/>
+    <cs:effectRef idx="0"/>
+    <cs:fontRef idx="minor">
+      <a:schemeClr val="tx1"/>
+    </cs:fontRef>
+    <cs:spPr>
+      <a:ln w="9525" cap="flat" cmpd="sng" algn="ctr">
+        <a:solidFill>
+          <a:schemeClr val="tx1">
+            <a:lumMod val="35000"/>
+            <a:lumOff val="65000"/>
+          </a:schemeClr>
+        </a:solidFill>
+        <a:round/>
+      </a:ln>
+    </cs:spPr>
+  </cs:dropLine>
+  <cs:errorBar>
+    <cs:lnRef idx="0"/>
+    <cs:fillRef idx="0"/>
+    <cs:effectRef idx="0"/>
+    <cs:fontRef idx="minor">
+      <a:schemeClr val="tx1"/>
+    </cs:fontRef>
+    <cs:spPr>
+      <a:ln w="9525" cap="flat" cmpd="sng" algn="ctr">
+        <a:solidFill>
+          <a:schemeClr val="tx1">
+            <a:lumMod val="65000"/>
+            <a:lumOff val="35000"/>
+          </a:schemeClr>
+        </a:solidFill>
+        <a:round/>
+      </a:ln>
+    </cs:spPr>
+  </cs:errorBar>
+  <cs:floor>
+    <cs:lnRef idx="0"/>
+    <cs:fillRef idx="0"/>
+    <cs:effectRef idx="0"/>
+    <cs:fontRef idx="minor">
+      <a:schemeClr val="tx1"/>
+    </cs:fontRef>
+    <cs:spPr>
+      <a:noFill/>
+      <a:ln>
+        <a:noFill/>
+      </a:ln>
+    </cs:spPr>
+  </cs:floor>
+  <cs:gridlineMajor>
+    <cs:lnRef idx="0"/>
+    <cs:fillRef idx="0"/>
+    <cs:effectRef idx="0"/>
+    <cs:fontRef idx="minor">
+      <a:schemeClr val="tx1"/>
+    </cs:fontRef>
+    <cs:spPr>
+      <a:ln w="9525" cap="flat" cmpd="sng" algn="ctr">
+        <a:solidFill>
+          <a:schemeClr val="tx1">
+            <a:lumMod val="15000"/>
+            <a:lumOff val="85000"/>
+          </a:schemeClr>
+        </a:solidFill>
+        <a:round/>
+      </a:ln>
+    </cs:spPr>
+  </cs:gridlineMajor>
+  <cs:gridlineMinor>
+    <cs:lnRef idx="0"/>
+    <cs:fillRef idx="0"/>
+    <cs:effectRef idx="0"/>
+    <cs:fontRef idx="minor">
+      <a:schemeClr val="tx1"/>
+    </cs:fontRef>
+    <cs:spPr>
+      <a:ln w="9525" cap="flat" cmpd="sng" algn="ctr">
+        <a:solidFill>
+          <a:schemeClr val="tx1">
+            <a:lumMod val="5000"/>
+            <a:lumOff val="95000"/>
+          </a:schemeClr>
+        </a:solidFill>
+        <a:round/>
+      </a:ln>
+    </cs:spPr>
+  </cs:gridlineMinor>
+  <cs:hiLoLine>
+    <cs:lnRef idx="0"/>
+    <cs:fillRef idx="0"/>
+    <cs:effectRef idx="0"/>
+    <cs:fontRef idx="minor">
+      <a:schemeClr val="tx1"/>
+    </cs:fontRef>
+    <cs:spPr>
+      <a:ln w="9525" cap="flat" cmpd="sng" algn="ctr">
+        <a:solidFill>
+          <a:schemeClr val="tx1">
+            <a:lumMod val="75000"/>
+            <a:lumOff val="25000"/>
+          </a:schemeClr>
+        </a:solidFill>
+        <a:round/>
+      </a:ln>
+    </cs:spPr>
+  </cs:hiLoLine>
+  <cs:leaderLine>
+    <cs:lnRef idx="0"/>
+    <cs:fillRef idx="0"/>
+    <cs:effectRef idx="0"/>
+    <cs:fontRef idx="minor">
+      <a:schemeClr val="tx1"/>
+    </cs:fontRef>
+    <cs:spPr>
+      <a:ln w="9525" cap="flat" cmpd="sng" algn="ctr">
+        <a:solidFill>
+          <a:schemeClr val="tx1">
+            <a:lumMod val="35000"/>
+            <a:lumOff val="65000"/>
+          </a:schemeClr>
+        </a:solidFill>
+        <a:round/>
+      </a:ln>
+    </cs:spPr>
+  </cs:leaderLine>
+  <cs:legend>
+    <cs:lnRef idx="0"/>
+    <cs:fillRef idx="0"/>
+    <cs:effectRef idx="0"/>
+    <cs:fontRef idx="minor">
+      <a:schemeClr val="tx1">
+        <a:lumMod val="65000"/>
+        <a:lumOff val="35000"/>
+      </a:schemeClr>
+    </cs:fontRef>
+    <cs:defRPr sz="900" kern="1200"/>
+  </cs:legend>
+  <cs:plotArea mods="allowNoFillOverride allowNoLineOverride">
+    <cs:lnRef idx="0"/>
+    <cs:fillRef idx="0"/>
+    <cs:effectRef idx="0"/>
+    <cs:fontRef idx="minor">
+      <a:schemeClr val="tx1"/>
+    </cs:fontRef>
+  </cs:plotArea>
+  <cs:plotArea3D mods="allowNoFillOverride allowNoLineOverride">
+    <cs:lnRef idx="0"/>
+    <cs:fillRef idx="0"/>
+    <cs:effectRef idx="0"/>
+    <cs:fontRef idx="minor">
+      <a:schemeClr val="tx1"/>
+    </cs:fontRef>
+  </cs:plotArea3D>
+  <cs:seriesAxis>
+    <cs:lnRef idx="0"/>
+    <cs:fillRef idx="0"/>
+    <cs:effectRef idx="0"/>
+    <cs:fontRef idx="minor">
+      <a:schemeClr val="tx1">
+        <a:lumMod val="65000"/>
+        <a:lumOff val="35000"/>
+      </a:schemeClr>
+    </cs:fontRef>
+    <cs:defRPr sz="900" kern="1200"/>
+  </cs:seriesAxis>
+  <cs:seriesLine>
+    <cs:lnRef idx="0"/>
+    <cs:fillRef idx="0"/>
+    <cs:effectRef idx="0"/>
+    <cs:fontRef idx="minor">
+      <a:schemeClr val="tx1"/>
+    </cs:fontRef>
+    <cs:spPr>
+      <a:ln w="9525" cap="flat" cmpd="sng" algn="ctr">
+        <a:solidFill>
+          <a:schemeClr val="tx1">
+            <a:lumMod val="35000"/>
+            <a:lumOff val="65000"/>
+          </a:schemeClr>
+        </a:solidFill>
+        <a:round/>
+      </a:ln>
+    </cs:spPr>
+  </cs:seriesLine>
+  <cs:title>
+    <cs:lnRef idx="0"/>
+    <cs:fillRef idx="0"/>
+    <cs:effectRef idx="0"/>
+    <cs:fontRef idx="minor">
+      <a:schemeClr val="tx1">
+        <a:lumMod val="65000"/>
+        <a:lumOff val="35000"/>
+      </a:schemeClr>
+    </cs:fontRef>
+    <cs:defRPr sz="1400" b="0" kern="1200" spc="0" baseline="0"/>
+  </cs:title>
+  <cs:trendline>
+    <cs:lnRef idx="0">
+      <cs:styleClr val="auto"/>
+    </cs:lnRef>
+    <cs:fillRef idx="0"/>
+    <cs:effectRef idx="0"/>
+    <cs:fontRef idx="minor">
+      <a:schemeClr val="tx1"/>
+    </cs:fontRef>
+    <cs:spPr>
+      <a:ln w="19050" cap="rnd">
+        <a:solidFill>
+          <a:schemeClr val="phClr"/>
+        </a:solidFill>
+        <a:prstDash val="sysDot"/>
+      </a:ln>
+    </cs:spPr>
+  </cs:trendline>
+  <cs:trendlineLabel>
+    <cs:lnRef idx="0"/>
+    <cs:fillRef idx="0"/>
+    <cs:effectRef idx="0"/>
+    <cs:fontRef idx="minor">
+      <a:schemeClr val="tx1">
+        <a:lumMod val="65000"/>
+        <a:lumOff val="35000"/>
+      </a:schemeClr>
+    </cs:fontRef>
+    <cs:defRPr sz="900" kern="1200"/>
+  </cs:trendlineLabel>
+  <cs:upBar>
+    <cs:lnRef idx="0"/>
+    <cs:fillRef idx="0"/>
+    <cs:effectRef idx="0"/>
+    <cs:fontRef idx="minor">
+      <a:schemeClr val="dk1"/>
+    </cs:fontRef>
+    <cs:spPr>
+      <a:solidFill>
+        <a:schemeClr val="lt1"/>
+      </a:solidFill>
+      <a:ln w="9525">
+        <a:solidFill>
+          <a:schemeClr val="tx1">
+            <a:lumMod val="15000"/>
+            <a:lumOff val="85000"/>
+          </a:schemeClr>
+        </a:solidFill>
+      </a:ln>
+    </cs:spPr>
+  </cs:upBar>
+  <cs:valueAxis>
+    <cs:lnRef idx="0"/>
+    <cs:fillRef idx="0"/>
+    <cs:effectRef idx="0"/>
+    <cs:fontRef idx="minor">
+      <a:schemeClr val="tx1">
+        <a:lumMod val="65000"/>
+        <a:lumOff val="35000"/>
+      </a:schemeClr>
+    </cs:fontRef>
+    <cs:defRPr sz="900" kern="1200"/>
+  </cs:valueAxis>
+  <cs:wall>
+    <cs:lnRef idx="0"/>
+    <cs:fillRef idx="0"/>
+    <cs:effectRef idx="0"/>
+    <cs:fontRef idx="minor">
+      <a:schemeClr val="tx1"/>
+    </cs:fontRef>
+    <cs:spPr>
+      <a:noFill/>
+      <a:ln>
+        <a:noFill/>
+      </a:ln>
+    </cs:spPr>
+  </cs:wall>
+</cs:chartStyle>
+</file>
+
 <file path=ppt/slideLayouts/slideLayout1.xml><?xml version="1.0" encoding="utf-8"?>
 <p:sldLayout xmlns:a="http://schemas.openxmlformats.org/drawingml/2006/main" xmlns:r="http://schemas.openxmlformats.org/officeDocument/2006/relationships" xmlns:p="http://schemas.openxmlformats.org/presentationml/2006/main" type="title" preserve="1">
   <p:cSld name="Title Slide">
@@ -276,7 +4548,7 @@
           <a:p>
             <a:fld id="{DC0A1ED1-FB4A-4ACA-AA64-FE97D580FD2C}" type="datetimeFigureOut">
               <a:rPr lang="en-US" smtClean="0"/>
-              <a:t>4/18/2021</a:t>
+              <a:t>4/19/2021</a:t>
             </a:fld>
             <a:endParaRPr lang="en-US"/>
           </a:p>
@@ -474,7 +4746,7 @@
           <a:p>
             <a:fld id="{DC0A1ED1-FB4A-4ACA-AA64-FE97D580FD2C}" type="datetimeFigureOut">
               <a:rPr lang="en-US" smtClean="0"/>
-              <a:t>4/18/2021</a:t>
+              <a:t>4/19/2021</a:t>
             </a:fld>
             <a:endParaRPr lang="en-US"/>
           </a:p>
@@ -682,7 +4954,7 @@
           <a:p>
             <a:fld id="{DC0A1ED1-FB4A-4ACA-AA64-FE97D580FD2C}" type="datetimeFigureOut">
               <a:rPr lang="en-US" smtClean="0"/>
-              <a:t>4/18/2021</a:t>
+              <a:t>4/19/2021</a:t>
             </a:fld>
             <a:endParaRPr lang="en-US"/>
           </a:p>
@@ -880,7 +5152,7 @@
           <a:p>
             <a:fld id="{DC0A1ED1-FB4A-4ACA-AA64-FE97D580FD2C}" type="datetimeFigureOut">
               <a:rPr lang="en-US" smtClean="0"/>
-              <a:t>4/18/2021</a:t>
+              <a:t>4/19/2021</a:t>
             </a:fld>
             <a:endParaRPr lang="en-US"/>
           </a:p>
@@ -1155,7 +5427,7 @@
           <a:p>
             <a:fld id="{DC0A1ED1-FB4A-4ACA-AA64-FE97D580FD2C}" type="datetimeFigureOut">
               <a:rPr lang="en-US" smtClean="0"/>
-              <a:t>4/18/2021</a:t>
+              <a:t>4/19/2021</a:t>
             </a:fld>
             <a:endParaRPr lang="en-US"/>
           </a:p>
@@ -1420,7 +5692,7 @@
           <a:p>
             <a:fld id="{DC0A1ED1-FB4A-4ACA-AA64-FE97D580FD2C}" type="datetimeFigureOut">
               <a:rPr lang="en-US" smtClean="0"/>
-              <a:t>4/18/2021</a:t>
+              <a:t>4/19/2021</a:t>
             </a:fld>
             <a:endParaRPr lang="en-US"/>
           </a:p>
@@ -1832,7 +6104,7 @@
           <a:p>
             <a:fld id="{DC0A1ED1-FB4A-4ACA-AA64-FE97D580FD2C}" type="datetimeFigureOut">
               <a:rPr lang="en-US" smtClean="0"/>
-              <a:t>4/18/2021</a:t>
+              <a:t>4/19/2021</a:t>
             </a:fld>
             <a:endParaRPr lang="en-US"/>
           </a:p>
@@ -1973,7 +6245,7 @@
           <a:p>
             <a:fld id="{DC0A1ED1-FB4A-4ACA-AA64-FE97D580FD2C}" type="datetimeFigureOut">
               <a:rPr lang="en-US" smtClean="0"/>
-              <a:t>4/18/2021</a:t>
+              <a:t>4/19/2021</a:t>
             </a:fld>
             <a:endParaRPr lang="en-US"/>
           </a:p>
@@ -2086,7 +6358,7 @@
           <a:p>
             <a:fld id="{DC0A1ED1-FB4A-4ACA-AA64-FE97D580FD2C}" type="datetimeFigureOut">
               <a:rPr lang="en-US" smtClean="0"/>
-              <a:t>4/18/2021</a:t>
+              <a:t>4/19/2021</a:t>
             </a:fld>
             <a:endParaRPr lang="en-US"/>
           </a:p>
@@ -2397,7 +6669,7 @@
           <a:p>
             <a:fld id="{DC0A1ED1-FB4A-4ACA-AA64-FE97D580FD2C}" type="datetimeFigureOut">
               <a:rPr lang="en-US" smtClean="0"/>
-              <a:t>4/18/2021</a:t>
+              <a:t>4/19/2021</a:t>
             </a:fld>
             <a:endParaRPr lang="en-US"/>
           </a:p>
@@ -2685,7 +6957,7 @@
           <a:p>
             <a:fld id="{DC0A1ED1-FB4A-4ACA-AA64-FE97D580FD2C}" type="datetimeFigureOut">
               <a:rPr lang="en-US" smtClean="0"/>
-              <a:t>4/18/2021</a:t>
+              <a:t>4/19/2021</a:t>
             </a:fld>
             <a:endParaRPr lang="en-US"/>
           </a:p>
@@ -2926,7 +7198,7 @@
           <a:p>
             <a:fld id="{DC0A1ED1-FB4A-4ACA-AA64-FE97D580FD2C}" type="datetimeFigureOut">
               <a:rPr lang="en-US" smtClean="0"/>
-              <a:t>4/18/2021</a:t>
+              <a:t>4/19/2021</a:t>
             </a:fld>
             <a:endParaRPr lang="en-US"/>
           </a:p>
@@ -9680,6 +13952,269 @@
 </p:sld>
 </file>
 
+<file path=ppt/slides/slide19.xml><?xml version="1.0" encoding="utf-8"?>
+<p:sld xmlns:a="http://schemas.openxmlformats.org/drawingml/2006/main" xmlns:r="http://schemas.openxmlformats.org/officeDocument/2006/relationships" xmlns:p="http://schemas.openxmlformats.org/presentationml/2006/main">
+  <p:cSld>
+    <p:spTree>
+      <p:nvGrpSpPr>
+        <p:cNvPr id="1" name=""/>
+        <p:cNvGrpSpPr/>
+        <p:nvPr/>
+      </p:nvGrpSpPr>
+      <p:grpSpPr>
+        <a:xfrm>
+          <a:off x="0" y="0"/>
+          <a:ext cx="0" cy="0"/>
+          <a:chOff x="0" y="0"/>
+          <a:chExt cx="0" cy="0"/>
+        </a:xfrm>
+      </p:grpSpPr>
+      <p:pic>
+        <p:nvPicPr>
+          <p:cNvPr id="7" name="Picture 6">
+            <a:extLst>
+              <a:ext uri="{FF2B5EF4-FFF2-40B4-BE49-F238E27FC236}">
+                <a16:creationId xmlns:a16="http://schemas.microsoft.com/office/drawing/2014/main" id="{586460A8-E8D3-49F0-BDAF-93E704D97DCD}"/>
+              </a:ext>
+            </a:extLst>
+          </p:cNvPr>
+          <p:cNvPicPr>
+            <a:picLocks noChangeAspect="1"/>
+          </p:cNvPicPr>
+          <p:nvPr/>
+        </p:nvPicPr>
+        <p:blipFill>
+          <a:blip r:embed="rId2"/>
+          <a:stretch>
+            <a:fillRect/>
+          </a:stretch>
+        </p:blipFill>
+        <p:spPr>
+          <a:xfrm>
+            <a:off x="0" y="119062"/>
+            <a:ext cx="5724525" cy="1914525"/>
+          </a:xfrm>
+          <a:prstGeom prst="rect">
+            <a:avLst/>
+          </a:prstGeom>
+        </p:spPr>
+      </p:pic>
+      <p:cxnSp>
+        <p:nvCxnSpPr>
+          <p:cNvPr id="9" name="Straight Arrow Connector 8">
+            <a:extLst>
+              <a:ext uri="{FF2B5EF4-FFF2-40B4-BE49-F238E27FC236}">
+                <a16:creationId xmlns:a16="http://schemas.microsoft.com/office/drawing/2014/main" id="{0979731A-BAC8-45B3-B57F-A64D98AF67C1}"/>
+              </a:ext>
+            </a:extLst>
+          </p:cNvPr>
+          <p:cNvCxnSpPr/>
+          <p:nvPr/>
+        </p:nvCxnSpPr>
+        <p:spPr>
+          <a:xfrm>
+            <a:off x="2724150" y="2247900"/>
+            <a:ext cx="0" cy="219075"/>
+          </a:xfrm>
+          <a:prstGeom prst="straightConnector1">
+            <a:avLst/>
+          </a:prstGeom>
+          <a:ln>
+            <a:tailEnd type="triangle"/>
+          </a:ln>
+        </p:spPr>
+        <p:style>
+          <a:lnRef idx="1">
+            <a:schemeClr val="accent1"/>
+          </a:lnRef>
+          <a:fillRef idx="0">
+            <a:schemeClr val="accent1"/>
+          </a:fillRef>
+          <a:effectRef idx="0">
+            <a:schemeClr val="accent1"/>
+          </a:effectRef>
+          <a:fontRef idx="minor">
+            <a:schemeClr val="tx1"/>
+          </a:fontRef>
+        </p:style>
+      </p:cxnSp>
+      <p:pic>
+        <p:nvPicPr>
+          <p:cNvPr id="11" name="Picture 10">
+            <a:extLst>
+              <a:ext uri="{FF2B5EF4-FFF2-40B4-BE49-F238E27FC236}">
+                <a16:creationId xmlns:a16="http://schemas.microsoft.com/office/drawing/2014/main" id="{F8C79CE2-F3B3-461F-A077-902BC0C76FDD}"/>
+              </a:ext>
+            </a:extLst>
+          </p:cNvPr>
+          <p:cNvPicPr>
+            <a:picLocks noChangeAspect="1"/>
+          </p:cNvPicPr>
+          <p:nvPr/>
+        </p:nvPicPr>
+        <p:blipFill>
+          <a:blip r:embed="rId3"/>
+          <a:stretch>
+            <a:fillRect/>
+          </a:stretch>
+        </p:blipFill>
+        <p:spPr>
+          <a:xfrm>
+            <a:off x="90487" y="2566988"/>
+            <a:ext cx="5543550" cy="1447800"/>
+          </a:xfrm>
+          <a:prstGeom prst="rect">
+            <a:avLst/>
+          </a:prstGeom>
+        </p:spPr>
+      </p:pic>
+      <p:pic>
+        <p:nvPicPr>
+          <p:cNvPr id="13" name="Picture 12">
+            <a:extLst>
+              <a:ext uri="{FF2B5EF4-FFF2-40B4-BE49-F238E27FC236}">
+                <a16:creationId xmlns:a16="http://schemas.microsoft.com/office/drawing/2014/main" id="{D9614DC2-58BF-4375-9E9D-64036A707E66}"/>
+              </a:ext>
+            </a:extLst>
+          </p:cNvPr>
+          <p:cNvPicPr>
+            <a:picLocks noChangeAspect="1"/>
+          </p:cNvPicPr>
+          <p:nvPr/>
+        </p:nvPicPr>
+        <p:blipFill>
+          <a:blip r:embed="rId4"/>
+          <a:stretch>
+            <a:fillRect/>
+          </a:stretch>
+        </p:blipFill>
+        <p:spPr>
+          <a:xfrm>
+            <a:off x="195262" y="5017726"/>
+            <a:ext cx="5900738" cy="1035412"/>
+          </a:xfrm>
+          <a:prstGeom prst="rect">
+            <a:avLst/>
+          </a:prstGeom>
+        </p:spPr>
+      </p:pic>
+      <p:cxnSp>
+        <p:nvCxnSpPr>
+          <p:cNvPr id="14" name="Straight Arrow Connector 13">
+            <a:extLst>
+              <a:ext uri="{FF2B5EF4-FFF2-40B4-BE49-F238E27FC236}">
+                <a16:creationId xmlns:a16="http://schemas.microsoft.com/office/drawing/2014/main" id="{1AA98F46-4CED-4BE0-AB44-B774B96C9659}"/>
+              </a:ext>
+            </a:extLst>
+          </p:cNvPr>
+          <p:cNvCxnSpPr/>
+          <p:nvPr/>
+        </p:nvCxnSpPr>
+        <p:spPr>
+          <a:xfrm>
+            <a:off x="2724150" y="4457700"/>
+            <a:ext cx="0" cy="219075"/>
+          </a:xfrm>
+          <a:prstGeom prst="straightConnector1">
+            <a:avLst/>
+          </a:prstGeom>
+          <a:ln>
+            <a:tailEnd type="triangle"/>
+          </a:ln>
+        </p:spPr>
+        <p:style>
+          <a:lnRef idx="1">
+            <a:schemeClr val="accent1"/>
+          </a:lnRef>
+          <a:fillRef idx="0">
+            <a:schemeClr val="accent1"/>
+          </a:fillRef>
+          <a:effectRef idx="0">
+            <a:schemeClr val="accent1"/>
+          </a:effectRef>
+          <a:fontRef idx="minor">
+            <a:schemeClr val="tx1"/>
+          </a:fontRef>
+        </p:style>
+      </p:cxnSp>
+      <p:pic>
+        <p:nvPicPr>
+          <p:cNvPr id="15" name="Picture 14">
+            <a:extLst>
+              <a:ext uri="{FF2B5EF4-FFF2-40B4-BE49-F238E27FC236}">
+                <a16:creationId xmlns:a16="http://schemas.microsoft.com/office/drawing/2014/main" id="{10D12E15-E906-48D6-B743-F61BA8F40592}"/>
+              </a:ext>
+            </a:extLst>
+          </p:cNvPr>
+          <p:cNvPicPr>
+            <a:picLocks noChangeAspect="1"/>
+          </p:cNvPicPr>
+          <p:nvPr/>
+        </p:nvPicPr>
+        <p:blipFill>
+          <a:blip r:embed="rId5"/>
+          <a:stretch>
+            <a:fillRect/>
+          </a:stretch>
+        </p:blipFill>
+        <p:spPr>
+          <a:xfrm>
+            <a:off x="6840855" y="2466975"/>
+            <a:ext cx="4968239" cy="3887404"/>
+          </a:xfrm>
+          <a:prstGeom prst="rect">
+            <a:avLst/>
+          </a:prstGeom>
+        </p:spPr>
+      </p:pic>
+      <p:sp>
+        <p:nvSpPr>
+          <p:cNvPr id="16" name="TextBox 15">
+            <a:extLst>
+              <a:ext uri="{FF2B5EF4-FFF2-40B4-BE49-F238E27FC236}">
+                <a16:creationId xmlns:a16="http://schemas.microsoft.com/office/drawing/2014/main" id="{79F5B62C-CBB5-4A81-98D9-C04EE6BB56F9}"/>
+              </a:ext>
+            </a:extLst>
+          </p:cNvPr>
+          <p:cNvSpPr txBox="1"/>
+          <p:nvPr/>
+        </p:nvSpPr>
+        <p:spPr>
+          <a:xfrm>
+            <a:off x="6581775" y="514350"/>
+            <a:ext cx="4857750" cy="1323439"/>
+          </a:xfrm>
+          <a:prstGeom prst="rect">
+            <a:avLst/>
+          </a:prstGeom>
+          <a:noFill/>
+        </p:spPr>
+        <p:txBody>
+          <a:bodyPr wrap="square" rtlCol="0">
+            <a:spAutoFit/>
+          </a:bodyPr>
+          <a:lstStyle/>
+          <a:p>
+            <a:r>
+              <a:rPr lang="en-US" sz="4000" dirty="0"/>
+              <a:t>Collating Results in Python</a:t>
+            </a:r>
+          </a:p>
+        </p:txBody>
+      </p:sp>
+    </p:spTree>
+    <p:extLst>
+      <p:ext uri="{BB962C8B-B14F-4D97-AF65-F5344CB8AC3E}">
+        <p14:creationId xmlns:p14="http://schemas.microsoft.com/office/powerpoint/2010/main" val="1270854120"/>
+      </p:ext>
+    </p:extLst>
+  </p:cSld>
+  <p:clrMapOvr>
+    <a:masterClrMapping/>
+  </p:clrMapOvr>
+</p:sld>
+</file>
+
 <file path=ppt/slides/slide2.xml><?xml version="1.0" encoding="utf-8"?>
 <p:sld xmlns:a="http://schemas.openxmlformats.org/drawingml/2006/main" xmlns:r="http://schemas.openxmlformats.org/officeDocument/2006/relationships" xmlns:p="http://schemas.openxmlformats.org/presentationml/2006/main">
   <p:cSld>
@@ -9770,6 +14305,500 @@
     <p:extLst>
       <p:ext uri="{BB962C8B-B14F-4D97-AF65-F5344CB8AC3E}">
         <p14:creationId xmlns:p14="http://schemas.microsoft.com/office/powerpoint/2010/main" val="2167400938"/>
+      </p:ext>
+    </p:extLst>
+  </p:cSld>
+  <p:clrMapOvr>
+    <a:masterClrMapping/>
+  </p:clrMapOvr>
+</p:sld>
+</file>
+
+<file path=ppt/slides/slide20.xml><?xml version="1.0" encoding="utf-8"?>
+<p:sld xmlns:a="http://schemas.openxmlformats.org/drawingml/2006/main" xmlns:r="http://schemas.openxmlformats.org/officeDocument/2006/relationships" xmlns:p="http://schemas.openxmlformats.org/presentationml/2006/main">
+  <p:cSld>
+    <p:spTree>
+      <p:nvGrpSpPr>
+        <p:cNvPr id="1" name=""/>
+        <p:cNvGrpSpPr/>
+        <p:nvPr/>
+      </p:nvGrpSpPr>
+      <p:grpSpPr>
+        <a:xfrm>
+          <a:off x="0" y="0"/>
+          <a:ext cx="0" cy="0"/>
+          <a:chOff x="0" y="0"/>
+          <a:chExt cx="0" cy="0"/>
+        </a:xfrm>
+      </p:grpSpPr>
+      <p:graphicFrame>
+        <p:nvGraphicFramePr>
+          <p:cNvPr id="4" name="Chart 3">
+            <a:extLst>
+              <a:ext uri="{FF2B5EF4-FFF2-40B4-BE49-F238E27FC236}">
+                <a16:creationId xmlns:a16="http://schemas.microsoft.com/office/drawing/2014/main" id="{4596CFDE-B983-49A3-A207-2EB0FF71962D}"/>
+              </a:ext>
+            </a:extLst>
+          </p:cNvPr>
+          <p:cNvGraphicFramePr>
+            <a:graphicFrameLocks/>
+          </p:cNvGraphicFramePr>
+          <p:nvPr>
+            <p:extLst>
+              <p:ext uri="{D42A27DB-BD31-4B8C-83A1-F6EECF244321}">
+                <p14:modId xmlns:p14="http://schemas.microsoft.com/office/powerpoint/2010/main" val="2825018769"/>
+              </p:ext>
+            </p:extLst>
+          </p:nvPr>
+        </p:nvGraphicFramePr>
+        <p:xfrm>
+          <a:off x="408817" y="2612360"/>
+          <a:ext cx="3610734" cy="4142682"/>
+        </p:xfrm>
+        <a:graphic>
+          <a:graphicData uri="http://schemas.openxmlformats.org/drawingml/2006/chart">
+            <c:chart xmlns:c="http://schemas.openxmlformats.org/drawingml/2006/chart" xmlns:r="http://schemas.openxmlformats.org/officeDocument/2006/relationships" r:id="rId2"/>
+          </a:graphicData>
+        </a:graphic>
+      </p:graphicFrame>
+      <p:graphicFrame>
+        <p:nvGraphicFramePr>
+          <p:cNvPr id="6" name="Chart 5">
+            <a:extLst>
+              <a:ext uri="{FF2B5EF4-FFF2-40B4-BE49-F238E27FC236}">
+                <a16:creationId xmlns:a16="http://schemas.microsoft.com/office/drawing/2014/main" id="{60678787-EB29-46F1-B6E4-52DCB8A40923}"/>
+              </a:ext>
+            </a:extLst>
+          </p:cNvPr>
+          <p:cNvGraphicFramePr>
+            <a:graphicFrameLocks/>
+          </p:cNvGraphicFramePr>
+          <p:nvPr>
+            <p:extLst>
+              <p:ext uri="{D42A27DB-BD31-4B8C-83A1-F6EECF244321}">
+                <p14:modId xmlns:p14="http://schemas.microsoft.com/office/powerpoint/2010/main" val="3457232071"/>
+              </p:ext>
+            </p:extLst>
+          </p:nvPr>
+        </p:nvGraphicFramePr>
+        <p:xfrm>
+          <a:off x="4583431" y="2571751"/>
+          <a:ext cx="3179444" cy="4061459"/>
+        </p:xfrm>
+        <a:graphic>
+          <a:graphicData uri="http://schemas.openxmlformats.org/drawingml/2006/chart">
+            <c:chart xmlns:c="http://schemas.openxmlformats.org/drawingml/2006/chart" xmlns:r="http://schemas.openxmlformats.org/officeDocument/2006/relationships" r:id="rId3"/>
+          </a:graphicData>
+        </a:graphic>
+      </p:graphicFrame>
+      <p:graphicFrame>
+        <p:nvGraphicFramePr>
+          <p:cNvPr id="7" name="Chart 6">
+            <a:extLst>
+              <a:ext uri="{FF2B5EF4-FFF2-40B4-BE49-F238E27FC236}">
+                <a16:creationId xmlns:a16="http://schemas.microsoft.com/office/drawing/2014/main" id="{19197945-DA1D-448B-94C0-4829616C407A}"/>
+              </a:ext>
+            </a:extLst>
+          </p:cNvPr>
+          <p:cNvGraphicFramePr>
+            <a:graphicFrameLocks/>
+          </p:cNvGraphicFramePr>
+          <p:nvPr>
+            <p:extLst>
+              <p:ext uri="{D42A27DB-BD31-4B8C-83A1-F6EECF244321}">
+                <p14:modId xmlns:p14="http://schemas.microsoft.com/office/powerpoint/2010/main" val="4230120392"/>
+              </p:ext>
+            </p:extLst>
+          </p:nvPr>
+        </p:nvGraphicFramePr>
+        <p:xfrm>
+          <a:off x="8326755" y="2571749"/>
+          <a:ext cx="3504053" cy="4142682"/>
+        </p:xfrm>
+        <a:graphic>
+          <a:graphicData uri="http://schemas.openxmlformats.org/drawingml/2006/chart">
+            <c:chart xmlns:c="http://schemas.openxmlformats.org/drawingml/2006/chart" xmlns:r="http://schemas.openxmlformats.org/officeDocument/2006/relationships" r:id="rId4"/>
+          </a:graphicData>
+        </a:graphic>
+      </p:graphicFrame>
+      <p:sp>
+        <p:nvSpPr>
+          <p:cNvPr id="8" name="TextBox 7">
+            <a:extLst>
+              <a:ext uri="{FF2B5EF4-FFF2-40B4-BE49-F238E27FC236}">
+                <a16:creationId xmlns:a16="http://schemas.microsoft.com/office/drawing/2014/main" id="{94231C28-CBDD-4ECF-B5F4-4773B28BEE8A}"/>
+              </a:ext>
+            </a:extLst>
+          </p:cNvPr>
+          <p:cNvSpPr txBox="1"/>
+          <p:nvPr/>
+        </p:nvSpPr>
+        <p:spPr>
+          <a:xfrm>
+            <a:off x="1419225" y="628650"/>
+            <a:ext cx="9296400" cy="1477328"/>
+          </a:xfrm>
+          <a:prstGeom prst="rect">
+            <a:avLst/>
+          </a:prstGeom>
+          <a:noFill/>
+        </p:spPr>
+        <p:txBody>
+          <a:bodyPr wrap="square" rtlCol="0">
+            <a:spAutoFit/>
+          </a:bodyPr>
+          <a:lstStyle/>
+          <a:p>
+            <a:r>
+              <a:rPr lang="en-US" dirty="0"/>
+              <a:t>Taking the average of each category of measurements. As seen below 9 iterations were benchmarked to obtain a sample size that would suffice. Each iterations ran multiple times. The results seen below are averages of the time difference notices when an action was taken in the Cassandra Database and a response was received. The data is in </a:t>
+            </a:r>
+            <a:r>
+              <a:rPr lang="en-US" dirty="0" err="1"/>
+              <a:t>ms</a:t>
+            </a:r>
+            <a:r>
+              <a:rPr lang="en-US" dirty="0"/>
+              <a:t>, </a:t>
+            </a:r>
+            <a:r>
+              <a:rPr lang="en-US" dirty="0" err="1"/>
+              <a:t>eg</a:t>
+            </a:r>
+            <a:r>
+              <a:rPr lang="en-US" dirty="0"/>
+              <a:t> 1800 is equivalent to 1.8 </a:t>
+            </a:r>
+            <a:r>
+              <a:rPr lang="en-US" dirty="0" err="1"/>
+              <a:t>ms.</a:t>
+            </a:r>
+            <a:endParaRPr lang="en-US" dirty="0"/>
+          </a:p>
+        </p:txBody>
+      </p:sp>
+    </p:spTree>
+    <p:extLst>
+      <p:ext uri="{BB962C8B-B14F-4D97-AF65-F5344CB8AC3E}">
+        <p14:creationId xmlns:p14="http://schemas.microsoft.com/office/powerpoint/2010/main" val="2883038365"/>
+      </p:ext>
+    </p:extLst>
+  </p:cSld>
+  <p:clrMapOvr>
+    <a:masterClrMapping/>
+  </p:clrMapOvr>
+</p:sld>
+</file>
+
+<file path=ppt/slides/slide21.xml><?xml version="1.0" encoding="utf-8"?>
+<p:sld xmlns:a="http://schemas.openxmlformats.org/drawingml/2006/main" xmlns:r="http://schemas.openxmlformats.org/officeDocument/2006/relationships" xmlns:p="http://schemas.openxmlformats.org/presentationml/2006/main">
+  <p:cSld>
+    <p:spTree>
+      <p:nvGrpSpPr>
+        <p:cNvPr id="1" name=""/>
+        <p:cNvGrpSpPr/>
+        <p:nvPr/>
+      </p:nvGrpSpPr>
+      <p:grpSpPr>
+        <a:xfrm>
+          <a:off x="0" y="0"/>
+          <a:ext cx="0" cy="0"/>
+          <a:chOff x="0" y="0"/>
+          <a:chExt cx="0" cy="0"/>
+        </a:xfrm>
+      </p:grpSpPr>
+      <p:sp>
+        <p:nvSpPr>
+          <p:cNvPr id="2" name="Title 1">
+            <a:extLst>
+              <a:ext uri="{FF2B5EF4-FFF2-40B4-BE49-F238E27FC236}">
+                <a16:creationId xmlns:a16="http://schemas.microsoft.com/office/drawing/2014/main" id="{2AD4B568-0259-41E0-A7DE-82B0166B1785}"/>
+              </a:ext>
+            </a:extLst>
+          </p:cNvPr>
+          <p:cNvSpPr>
+            <a:spLocks noGrp="1"/>
+          </p:cNvSpPr>
+          <p:nvPr>
+            <p:ph type="title"/>
+          </p:nvPr>
+        </p:nvSpPr>
+        <p:spPr/>
+        <p:txBody>
+          <a:bodyPr/>
+          <a:lstStyle/>
+          <a:p>
+            <a:r>
+              <a:rPr lang="en-US" dirty="0"/>
+              <a:t>Story of the data.</a:t>
+            </a:r>
+          </a:p>
+        </p:txBody>
+      </p:sp>
+      <mc:AlternateContent xmlns:mc="http://schemas.openxmlformats.org/markup-compatibility/2006" xmlns:cx1="http://schemas.microsoft.com/office/drawing/2015/9/8/chartex">
+        <mc:Choice Requires="cx1">
+          <p:graphicFrame>
+            <p:nvGraphicFramePr>
+              <p:cNvPr id="4" name="Chart 3">
+                <a:extLst>
+                  <a:ext uri="{FF2B5EF4-FFF2-40B4-BE49-F238E27FC236}">
+                    <a16:creationId xmlns:a16="http://schemas.microsoft.com/office/drawing/2014/main" id="{583EC025-F85E-4DB5-889C-7EDEC369A36E}"/>
+                  </a:ext>
+                </a:extLst>
+              </p:cNvPr>
+              <p:cNvGraphicFramePr/>
+              <p:nvPr>
+                <p:extLst>
+                  <p:ext uri="{D42A27DB-BD31-4B8C-83A1-F6EECF244321}">
+                    <p14:modId xmlns:p14="http://schemas.microsoft.com/office/powerpoint/2010/main" val="3116375690"/>
+                  </p:ext>
+                </p:extLst>
+              </p:nvPr>
+            </p:nvGraphicFramePr>
+            <p:xfrm>
+              <a:off x="1809750" y="2250758"/>
+              <a:ext cx="6976110" cy="4607242"/>
+            </p:xfrm>
+            <a:graphic>
+              <a:graphicData uri="http://schemas.microsoft.com/office/drawing/2014/chartex">
+                <cx:chart xmlns:cx="http://schemas.microsoft.com/office/drawing/2014/chartex" xmlns:r="http://schemas.openxmlformats.org/officeDocument/2006/relationships" r:id="rId2"/>
+              </a:graphicData>
+            </a:graphic>
+          </p:graphicFrame>
+        </mc:Choice>
+        <mc:Fallback xmlns="">
+          <p:pic>
+            <p:nvPicPr>
+              <p:cNvPr id="4" name="Chart 3">
+                <a:extLst>
+                  <a:ext uri="{FF2B5EF4-FFF2-40B4-BE49-F238E27FC236}">
+                    <a16:creationId xmlns:a16="http://schemas.microsoft.com/office/drawing/2014/main" id="{583EC025-F85E-4DB5-889C-7EDEC369A36E}"/>
+                  </a:ext>
+                </a:extLst>
+              </p:cNvPr>
+              <p:cNvPicPr>
+                <a:picLocks noGrp="1" noRot="1" noChangeAspect="1" noMove="1" noResize="1" noEditPoints="1" noAdjustHandles="1" noChangeArrowheads="1" noChangeShapeType="1"/>
+              </p:cNvPicPr>
+              <p:nvPr/>
+            </p:nvPicPr>
+            <p:blipFill>
+              <a:blip r:embed="rId3"/>
+              <a:stretch>
+                <a:fillRect/>
+              </a:stretch>
+            </p:blipFill>
+            <p:spPr>
+              <a:xfrm>
+                <a:off x="1809750" y="2250758"/>
+                <a:ext cx="6976110" cy="4607242"/>
+              </a:xfrm>
+              <a:prstGeom prst="rect">
+                <a:avLst/>
+              </a:prstGeom>
+            </p:spPr>
+          </p:pic>
+        </mc:Fallback>
+      </mc:AlternateContent>
+      <p:sp>
+        <p:nvSpPr>
+          <p:cNvPr id="5" name="TextBox 4">
+            <a:extLst>
+              <a:ext uri="{FF2B5EF4-FFF2-40B4-BE49-F238E27FC236}">
+                <a16:creationId xmlns:a16="http://schemas.microsoft.com/office/drawing/2014/main" id="{2408EA25-6D97-4607-AA2E-7B93F5F744FA}"/>
+              </a:ext>
+            </a:extLst>
+          </p:cNvPr>
+          <p:cNvSpPr txBox="1"/>
+          <p:nvPr/>
+        </p:nvSpPr>
+        <p:spPr>
+          <a:xfrm>
+            <a:off x="6362700" y="1104900"/>
+            <a:ext cx="4448175" cy="1200329"/>
+          </a:xfrm>
+          <a:prstGeom prst="rect">
+            <a:avLst/>
+          </a:prstGeom>
+          <a:noFill/>
+        </p:spPr>
+        <p:txBody>
+          <a:bodyPr wrap="square" rtlCol="0">
+            <a:spAutoFit/>
+          </a:bodyPr>
+          <a:lstStyle/>
+          <a:p>
+            <a:r>
+              <a:rPr lang="en-US" dirty="0"/>
+              <a:t>Write operation response </a:t>
+            </a:r>
+            <a:r>
+              <a:rPr lang="en-US" dirty="0" err="1"/>
+              <a:t>ms</a:t>
+            </a:r>
+            <a:r>
+              <a:rPr lang="en-US" dirty="0"/>
+              <a:t> increase is negligible, the take away from this is that Cassandra is a great </a:t>
+            </a:r>
+            <a:r>
+              <a:rPr lang="en-US" dirty="0" err="1"/>
+              <a:t>noSQL</a:t>
+            </a:r>
+            <a:r>
+              <a:rPr lang="en-US" dirty="0"/>
+              <a:t> database for ‘write’ heavy applications.</a:t>
+            </a:r>
+          </a:p>
+        </p:txBody>
+      </p:sp>
+    </p:spTree>
+    <p:extLst>
+      <p:ext uri="{BB962C8B-B14F-4D97-AF65-F5344CB8AC3E}">
+        <p14:creationId xmlns:p14="http://schemas.microsoft.com/office/powerpoint/2010/main" val="838075898"/>
+      </p:ext>
+    </p:extLst>
+  </p:cSld>
+  <p:clrMapOvr>
+    <a:masterClrMapping/>
+  </p:clrMapOvr>
+</p:sld>
+</file>
+
+<file path=ppt/slides/slide22.xml><?xml version="1.0" encoding="utf-8"?>
+<p:sld xmlns:a="http://schemas.openxmlformats.org/drawingml/2006/main" xmlns:r="http://schemas.openxmlformats.org/officeDocument/2006/relationships" xmlns:p="http://schemas.openxmlformats.org/presentationml/2006/main">
+  <p:cSld>
+    <p:spTree>
+      <p:nvGrpSpPr>
+        <p:cNvPr id="1" name=""/>
+        <p:cNvGrpSpPr/>
+        <p:nvPr/>
+      </p:nvGrpSpPr>
+      <p:grpSpPr>
+        <a:xfrm>
+          <a:off x="0" y="0"/>
+          <a:ext cx="0" cy="0"/>
+          <a:chOff x="0" y="0"/>
+          <a:chExt cx="0" cy="0"/>
+        </a:xfrm>
+      </p:grpSpPr>
+      <p:sp>
+        <p:nvSpPr>
+          <p:cNvPr id="2" name="Title 1">
+            <a:extLst>
+              <a:ext uri="{FF2B5EF4-FFF2-40B4-BE49-F238E27FC236}">
+                <a16:creationId xmlns:a16="http://schemas.microsoft.com/office/drawing/2014/main" id="{E7B84ECA-32E5-4D2E-B368-F871D93B83A0}"/>
+              </a:ext>
+            </a:extLst>
+          </p:cNvPr>
+          <p:cNvSpPr>
+            <a:spLocks noGrp="1"/>
+          </p:cNvSpPr>
+          <p:nvPr>
+            <p:ph type="title"/>
+          </p:nvPr>
+        </p:nvSpPr>
+        <p:spPr/>
+        <p:txBody>
+          <a:bodyPr/>
+          <a:lstStyle/>
+          <a:p>
+            <a:r>
+              <a:rPr lang="en-US" dirty="0"/>
+              <a:t>CAP Times</a:t>
+            </a:r>
+          </a:p>
+        </p:txBody>
+      </p:sp>
+      <p:sp>
+        <p:nvSpPr>
+          <p:cNvPr id="3" name="Content Placeholder 2">
+            <a:extLst>
+              <a:ext uri="{FF2B5EF4-FFF2-40B4-BE49-F238E27FC236}">
+                <a16:creationId xmlns:a16="http://schemas.microsoft.com/office/drawing/2014/main" id="{D3549663-1AF9-4753-BE25-2C13758698E8}"/>
+              </a:ext>
+            </a:extLst>
+          </p:cNvPr>
+          <p:cNvSpPr>
+            <a:spLocks noGrp="1"/>
+          </p:cNvSpPr>
+          <p:nvPr>
+            <p:ph idx="1"/>
+          </p:nvPr>
+        </p:nvSpPr>
+        <p:spPr/>
+        <p:txBody>
+          <a:bodyPr/>
+          <a:lstStyle/>
+          <a:p>
+            <a:r>
+              <a:rPr lang="en-US" dirty="0"/>
+              <a:t>Start read after write - Read after  write</a:t>
+            </a:r>
+          </a:p>
+        </p:txBody>
+      </p:sp>
+      <p:graphicFrame>
+        <p:nvGraphicFramePr>
+          <p:cNvPr id="4" name="Chart 3">
+            <a:extLst>
+              <a:ext uri="{FF2B5EF4-FFF2-40B4-BE49-F238E27FC236}">
+                <a16:creationId xmlns:a16="http://schemas.microsoft.com/office/drawing/2014/main" id="{A8127892-0E5F-41EA-90CC-940583FD0668}"/>
+              </a:ext>
+            </a:extLst>
+          </p:cNvPr>
+          <p:cNvGraphicFramePr>
+            <a:graphicFrameLocks/>
+          </p:cNvGraphicFramePr>
+          <p:nvPr/>
+        </p:nvGraphicFramePr>
+        <p:xfrm>
+          <a:off x="1523999" y="2521258"/>
+          <a:ext cx="9040427" cy="3790642"/>
+        </p:xfrm>
+        <a:graphic>
+          <a:graphicData uri="http://schemas.openxmlformats.org/drawingml/2006/chart">
+            <c:chart xmlns:c="http://schemas.openxmlformats.org/drawingml/2006/chart" xmlns:r="http://schemas.openxmlformats.org/officeDocument/2006/relationships" r:id="rId2"/>
+          </a:graphicData>
+        </a:graphic>
+      </p:graphicFrame>
+      <p:sp>
+        <p:nvSpPr>
+          <p:cNvPr id="5" name="TextBox 4">
+            <a:extLst>
+              <a:ext uri="{FF2B5EF4-FFF2-40B4-BE49-F238E27FC236}">
+                <a16:creationId xmlns:a16="http://schemas.microsoft.com/office/drawing/2014/main" id="{BAFBAA60-E2FB-4799-9629-F47312328569}"/>
+              </a:ext>
+            </a:extLst>
+          </p:cNvPr>
+          <p:cNvSpPr txBox="1"/>
+          <p:nvPr/>
+        </p:nvSpPr>
+        <p:spPr>
+          <a:xfrm>
+            <a:off x="8300621" y="568171"/>
+            <a:ext cx="3053179" cy="369332"/>
+          </a:xfrm>
+          <a:prstGeom prst="rect">
+            <a:avLst/>
+          </a:prstGeom>
+          <a:noFill/>
+        </p:spPr>
+        <p:txBody>
+          <a:bodyPr wrap="square" rtlCol="0">
+            <a:spAutoFit/>
+          </a:bodyPr>
+          <a:lstStyle/>
+          <a:p>
+            <a:r>
+              <a:rPr lang="en-US" dirty="0"/>
+              <a:t>Positive Regression line</a:t>
+            </a:r>
+          </a:p>
+        </p:txBody>
+      </p:sp>
+    </p:spTree>
+    <p:extLst>
+      <p:ext uri="{BB962C8B-B14F-4D97-AF65-F5344CB8AC3E}">
+        <p14:creationId xmlns:p14="http://schemas.microsoft.com/office/powerpoint/2010/main" val="3368559411"/>
       </p:ext>
     </p:extLst>
   </p:cSld>

--- a/Datastores & Distributed File Systems/Apache Cassandra/JamesVu_CraigTopham_ThomasBoudreau/Documentation/CS 6381 Final Project_ApacheCassandra.pptx
+++ b/Datastores & Distributed File Systems/Apache Cassandra/JamesVu_CraigTopham_ThomasBoudreau/Documentation/CS 6381 Final Project_ApacheCassandra.pptx
@@ -8,25 +8,28 @@
     <p:sldId id="256" r:id="rId2"/>
     <p:sldId id="265" r:id="rId3"/>
     <p:sldId id="257" r:id="rId4"/>
-    <p:sldId id="258" r:id="rId5"/>
-    <p:sldId id="276" r:id="rId6"/>
-    <p:sldId id="270" r:id="rId7"/>
-    <p:sldId id="260" r:id="rId8"/>
-    <p:sldId id="264" r:id="rId9"/>
-    <p:sldId id="266" r:id="rId10"/>
-    <p:sldId id="275" r:id="rId11"/>
-    <p:sldId id="261" r:id="rId12"/>
-    <p:sldId id="274" r:id="rId13"/>
-    <p:sldId id="267" r:id="rId14"/>
-    <p:sldId id="268" r:id="rId15"/>
-    <p:sldId id="269" r:id="rId16"/>
-    <p:sldId id="271" r:id="rId17"/>
-    <p:sldId id="272" r:id="rId18"/>
-    <p:sldId id="273" r:id="rId19"/>
-    <p:sldId id="278" r:id="rId20"/>
-    <p:sldId id="277" r:id="rId21"/>
-    <p:sldId id="279" r:id="rId22"/>
-    <p:sldId id="280" r:id="rId23"/>
+    <p:sldId id="281" r:id="rId5"/>
+    <p:sldId id="282" r:id="rId6"/>
+    <p:sldId id="283" r:id="rId7"/>
+    <p:sldId id="284" r:id="rId8"/>
+    <p:sldId id="258" r:id="rId9"/>
+    <p:sldId id="276" r:id="rId10"/>
+    <p:sldId id="270" r:id="rId11"/>
+    <p:sldId id="260" r:id="rId12"/>
+    <p:sldId id="266" r:id="rId13"/>
+    <p:sldId id="275" r:id="rId14"/>
+    <p:sldId id="261" r:id="rId15"/>
+    <p:sldId id="274" r:id="rId16"/>
+    <p:sldId id="267" r:id="rId17"/>
+    <p:sldId id="268" r:id="rId18"/>
+    <p:sldId id="269" r:id="rId19"/>
+    <p:sldId id="271" r:id="rId20"/>
+    <p:sldId id="272" r:id="rId21"/>
+    <p:sldId id="273" r:id="rId22"/>
+    <p:sldId id="278" r:id="rId23"/>
+    <p:sldId id="277" r:id="rId24"/>
+    <p:sldId id="279" r:id="rId25"/>
+    <p:sldId id="280" r:id="rId26"/>
   </p:sldIdLst>
   <p:sldSz cx="12192000" cy="6858000"/>
   <p:notesSz cx="6858000" cy="9144000"/>
@@ -4548,7 +4551,7 @@
           <a:p>
             <a:fld id="{DC0A1ED1-FB4A-4ACA-AA64-FE97D580FD2C}" type="datetimeFigureOut">
               <a:rPr lang="en-US" smtClean="0"/>
-              <a:t>4/19/2021</a:t>
+              <a:t>4/21/2021</a:t>
             </a:fld>
             <a:endParaRPr lang="en-US"/>
           </a:p>
@@ -4746,7 +4749,7 @@
           <a:p>
             <a:fld id="{DC0A1ED1-FB4A-4ACA-AA64-FE97D580FD2C}" type="datetimeFigureOut">
               <a:rPr lang="en-US" smtClean="0"/>
-              <a:t>4/19/2021</a:t>
+              <a:t>4/21/2021</a:t>
             </a:fld>
             <a:endParaRPr lang="en-US"/>
           </a:p>
@@ -4954,7 +4957,7 @@
           <a:p>
             <a:fld id="{DC0A1ED1-FB4A-4ACA-AA64-FE97D580FD2C}" type="datetimeFigureOut">
               <a:rPr lang="en-US" smtClean="0"/>
-              <a:t>4/19/2021</a:t>
+              <a:t>4/21/2021</a:t>
             </a:fld>
             <a:endParaRPr lang="en-US"/>
           </a:p>
@@ -5152,7 +5155,7 @@
           <a:p>
             <a:fld id="{DC0A1ED1-FB4A-4ACA-AA64-FE97D580FD2C}" type="datetimeFigureOut">
               <a:rPr lang="en-US" smtClean="0"/>
-              <a:t>4/19/2021</a:t>
+              <a:t>4/21/2021</a:t>
             </a:fld>
             <a:endParaRPr lang="en-US"/>
           </a:p>
@@ -5427,7 +5430,7 @@
           <a:p>
             <a:fld id="{DC0A1ED1-FB4A-4ACA-AA64-FE97D580FD2C}" type="datetimeFigureOut">
               <a:rPr lang="en-US" smtClean="0"/>
-              <a:t>4/19/2021</a:t>
+              <a:t>4/21/2021</a:t>
             </a:fld>
             <a:endParaRPr lang="en-US"/>
           </a:p>
@@ -5692,7 +5695,7 @@
           <a:p>
             <a:fld id="{DC0A1ED1-FB4A-4ACA-AA64-FE97D580FD2C}" type="datetimeFigureOut">
               <a:rPr lang="en-US" smtClean="0"/>
-              <a:t>4/19/2021</a:t>
+              <a:t>4/21/2021</a:t>
             </a:fld>
             <a:endParaRPr lang="en-US"/>
           </a:p>
@@ -6104,7 +6107,7 @@
           <a:p>
             <a:fld id="{DC0A1ED1-FB4A-4ACA-AA64-FE97D580FD2C}" type="datetimeFigureOut">
               <a:rPr lang="en-US" smtClean="0"/>
-              <a:t>4/19/2021</a:t>
+              <a:t>4/21/2021</a:t>
             </a:fld>
             <a:endParaRPr lang="en-US"/>
           </a:p>
@@ -6245,7 +6248,7 @@
           <a:p>
             <a:fld id="{DC0A1ED1-FB4A-4ACA-AA64-FE97D580FD2C}" type="datetimeFigureOut">
               <a:rPr lang="en-US" smtClean="0"/>
-              <a:t>4/19/2021</a:t>
+              <a:t>4/21/2021</a:t>
             </a:fld>
             <a:endParaRPr lang="en-US"/>
           </a:p>
@@ -6358,7 +6361,7 @@
           <a:p>
             <a:fld id="{DC0A1ED1-FB4A-4ACA-AA64-FE97D580FD2C}" type="datetimeFigureOut">
               <a:rPr lang="en-US" smtClean="0"/>
-              <a:t>4/19/2021</a:t>
+              <a:t>4/21/2021</a:t>
             </a:fld>
             <a:endParaRPr lang="en-US"/>
           </a:p>
@@ -6669,7 +6672,7 @@
           <a:p>
             <a:fld id="{DC0A1ED1-FB4A-4ACA-AA64-FE97D580FD2C}" type="datetimeFigureOut">
               <a:rPr lang="en-US" smtClean="0"/>
-              <a:t>4/19/2021</a:t>
+              <a:t>4/21/2021</a:t>
             </a:fld>
             <a:endParaRPr lang="en-US"/>
           </a:p>
@@ -6957,7 +6960,7 @@
           <a:p>
             <a:fld id="{DC0A1ED1-FB4A-4ACA-AA64-FE97D580FD2C}" type="datetimeFigureOut">
               <a:rPr lang="en-US" smtClean="0"/>
-              <a:t>4/19/2021</a:t>
+              <a:t>4/21/2021</a:t>
             </a:fld>
             <a:endParaRPr lang="en-US"/>
           </a:p>
@@ -7198,7 +7201,7 @@
           <a:p>
             <a:fld id="{DC0A1ED1-FB4A-4ACA-AA64-FE97D580FD2C}" type="datetimeFigureOut">
               <a:rPr lang="en-US" smtClean="0"/>
-              <a:t>4/19/2021</a:t>
+              <a:t>4/21/2021</a:t>
             </a:fld>
             <a:endParaRPr lang="en-US"/>
           </a:p>
@@ -7720,6 +7723,885 @@
           <p:cNvPr id="2" name="Title 1">
             <a:extLst>
               <a:ext uri="{FF2B5EF4-FFF2-40B4-BE49-F238E27FC236}">
+                <a16:creationId xmlns:a16="http://schemas.microsoft.com/office/drawing/2014/main" id="{86569670-0FA0-416C-ADF5-88DB89773AAF}"/>
+              </a:ext>
+            </a:extLst>
+          </p:cNvPr>
+          <p:cNvSpPr>
+            <a:spLocks noGrp="1"/>
+          </p:cNvSpPr>
+          <p:nvPr>
+            <p:ph type="title"/>
+          </p:nvPr>
+        </p:nvSpPr>
+        <p:spPr/>
+        <p:txBody>
+          <a:bodyPr/>
+          <a:lstStyle/>
+          <a:p>
+            <a:r>
+              <a:rPr lang="en-US" dirty="0"/>
+              <a:t>Setup</a:t>
+            </a:r>
+          </a:p>
+        </p:txBody>
+      </p:sp>
+      <p:sp>
+        <p:nvSpPr>
+          <p:cNvPr id="3" name="Content Placeholder 2">
+            <a:extLst>
+              <a:ext uri="{FF2B5EF4-FFF2-40B4-BE49-F238E27FC236}">
+                <a16:creationId xmlns:a16="http://schemas.microsoft.com/office/drawing/2014/main" id="{904078A0-FD0A-48E3-BD84-8AED20FF4862}"/>
+              </a:ext>
+            </a:extLst>
+          </p:cNvPr>
+          <p:cNvSpPr>
+            <a:spLocks noGrp="1"/>
+          </p:cNvSpPr>
+          <p:nvPr>
+            <p:ph idx="1"/>
+          </p:nvPr>
+        </p:nvSpPr>
+        <p:spPr/>
+        <p:txBody>
+          <a:bodyPr>
+            <a:normAutofit/>
+          </a:bodyPr>
+          <a:lstStyle/>
+          <a:p>
+            <a:pPr>
+              <a:lnSpc>
+                <a:spcPct val="107000"/>
+              </a:lnSpc>
+              <a:spcBef>
+                <a:spcPts val="0"/>
+              </a:spcBef>
+            </a:pPr>
+            <a:r>
+              <a:rPr lang="en-US" sz="2400" dirty="0">
+                <a:effectLst/>
+                <a:latin typeface="Calibri" panose="020F0502020204030204" pitchFamily="34" charset="0"/>
+                <a:ea typeface="Calibri" panose="020F0502020204030204" pitchFamily="34" charset="0"/>
+                <a:cs typeface="Times New Roman" panose="02020603050405020304" pitchFamily="18" charset="0"/>
+              </a:rPr>
+              <a:t>Create </a:t>
+            </a:r>
+            <a:r>
+              <a:rPr lang="en-US" sz="2400" dirty="0" err="1">
+                <a:effectLst/>
+                <a:latin typeface="Calibri" panose="020F0502020204030204" pitchFamily="34" charset="0"/>
+                <a:ea typeface="Calibri" panose="020F0502020204030204" pitchFamily="34" charset="0"/>
+                <a:cs typeface="Times New Roman" panose="02020603050405020304" pitchFamily="18" charset="0"/>
+              </a:rPr>
+              <a:t>keyspace</a:t>
+            </a:r>
+            <a:r>
+              <a:rPr lang="en-US" sz="2400" dirty="0">
+                <a:effectLst/>
+                <a:latin typeface="Calibri" panose="020F0502020204030204" pitchFamily="34" charset="0"/>
+                <a:ea typeface="Calibri" panose="020F0502020204030204" pitchFamily="34" charset="0"/>
+                <a:cs typeface="Times New Roman" panose="02020603050405020304" pitchFamily="18" charset="0"/>
+              </a:rPr>
+              <a:t> and table.</a:t>
+            </a:r>
+          </a:p>
+          <a:p>
+            <a:pPr lvl="1">
+              <a:lnSpc>
+                <a:spcPct val="107000"/>
+              </a:lnSpc>
+              <a:spcBef>
+                <a:spcPts val="0"/>
+              </a:spcBef>
+            </a:pPr>
+            <a:r>
+              <a:rPr lang="en-US" dirty="0">
+                <a:effectLst/>
+                <a:latin typeface="Calibri" panose="020F0502020204030204" pitchFamily="34" charset="0"/>
+                <a:ea typeface="Calibri" panose="020F0502020204030204" pitchFamily="34" charset="0"/>
+                <a:cs typeface="Times New Roman" panose="02020603050405020304" pitchFamily="18" charset="0"/>
+              </a:rPr>
+              <a:t>Open Cassandra terminal: </a:t>
+            </a:r>
+            <a:r>
+              <a:rPr lang="en-US" dirty="0" err="1">
+                <a:effectLst/>
+                <a:latin typeface="Calibri" panose="020F0502020204030204" pitchFamily="34" charset="0"/>
+                <a:ea typeface="Calibri" panose="020F0502020204030204" pitchFamily="34" charset="0"/>
+                <a:cs typeface="Times New Roman" panose="02020603050405020304" pitchFamily="18" charset="0"/>
+              </a:rPr>
+              <a:t>cqlsh</a:t>
+            </a:r>
+            <a:endParaRPr lang="en-US" dirty="0">
+              <a:effectLst/>
+              <a:latin typeface="Calibri" panose="020F0502020204030204" pitchFamily="34" charset="0"/>
+              <a:ea typeface="Calibri" panose="020F0502020204030204" pitchFamily="34" charset="0"/>
+              <a:cs typeface="Times New Roman" panose="02020603050405020304" pitchFamily="18" charset="0"/>
+            </a:endParaRPr>
+          </a:p>
+          <a:p>
+            <a:pPr lvl="1">
+              <a:lnSpc>
+                <a:spcPct val="107000"/>
+              </a:lnSpc>
+              <a:spcBef>
+                <a:spcPts val="0"/>
+              </a:spcBef>
+            </a:pPr>
+            <a:r>
+              <a:rPr lang="en-US" dirty="0">
+                <a:effectLst/>
+                <a:latin typeface="Calibri" panose="020F0502020204030204" pitchFamily="34" charset="0"/>
+                <a:ea typeface="Calibri" panose="020F0502020204030204" pitchFamily="34" charset="0"/>
+                <a:cs typeface="Times New Roman" panose="02020603050405020304" pitchFamily="18" charset="0"/>
+              </a:rPr>
+              <a:t>Create </a:t>
+            </a:r>
+            <a:r>
+              <a:rPr lang="en-US" dirty="0" err="1">
+                <a:effectLst/>
+                <a:latin typeface="Calibri" panose="020F0502020204030204" pitchFamily="34" charset="0"/>
+                <a:ea typeface="Calibri" panose="020F0502020204030204" pitchFamily="34" charset="0"/>
+                <a:cs typeface="Times New Roman" panose="02020603050405020304" pitchFamily="18" charset="0"/>
+              </a:rPr>
+              <a:t>keyspace</a:t>
+            </a:r>
+            <a:r>
+              <a:rPr lang="en-US" dirty="0">
+                <a:effectLst/>
+                <a:latin typeface="Calibri" panose="020F0502020204030204" pitchFamily="34" charset="0"/>
+                <a:ea typeface="Calibri" panose="020F0502020204030204" pitchFamily="34" charset="0"/>
+                <a:cs typeface="Times New Roman" panose="02020603050405020304" pitchFamily="18" charset="0"/>
+              </a:rPr>
+              <a:t> (kind of like a schema): Create </a:t>
+            </a:r>
+            <a:r>
+              <a:rPr lang="en-US" dirty="0" err="1">
+                <a:effectLst/>
+                <a:latin typeface="Calibri" panose="020F0502020204030204" pitchFamily="34" charset="0"/>
+                <a:ea typeface="Calibri" panose="020F0502020204030204" pitchFamily="34" charset="0"/>
+                <a:cs typeface="Times New Roman" panose="02020603050405020304" pitchFamily="18" charset="0"/>
+              </a:rPr>
+              <a:t>KeySpace</a:t>
+            </a:r>
+            <a:r>
+              <a:rPr lang="en-US" dirty="0">
+                <a:effectLst/>
+                <a:latin typeface="Calibri" panose="020F0502020204030204" pitchFamily="34" charset="0"/>
+                <a:ea typeface="Calibri" panose="020F0502020204030204" pitchFamily="34" charset="0"/>
+                <a:cs typeface="Times New Roman" panose="02020603050405020304" pitchFamily="18" charset="0"/>
+              </a:rPr>
+              <a:t> {{</a:t>
+            </a:r>
+            <a:r>
+              <a:rPr lang="en-US" dirty="0" err="1">
+                <a:effectLst/>
+                <a:latin typeface="Calibri" panose="020F0502020204030204" pitchFamily="34" charset="0"/>
+                <a:ea typeface="Calibri" panose="020F0502020204030204" pitchFamily="34" charset="0"/>
+                <a:cs typeface="Times New Roman" panose="02020603050405020304" pitchFamily="18" charset="0"/>
+              </a:rPr>
+              <a:t>keyspace</a:t>
+            </a:r>
+            <a:r>
+              <a:rPr lang="en-US" dirty="0">
+                <a:effectLst/>
+                <a:latin typeface="Calibri" panose="020F0502020204030204" pitchFamily="34" charset="0"/>
+                <a:ea typeface="Calibri" panose="020F0502020204030204" pitchFamily="34" charset="0"/>
+                <a:cs typeface="Times New Roman" panose="02020603050405020304" pitchFamily="18" charset="0"/>
+              </a:rPr>
+              <a:t> name (e. g. cs6381finalprojectks1)}} with replication = {‘class’: ‘</a:t>
+            </a:r>
+            <a:r>
+              <a:rPr lang="en-US" dirty="0" err="1">
+                <a:effectLst/>
+                <a:latin typeface="Calibri" panose="020F0502020204030204" pitchFamily="34" charset="0"/>
+                <a:ea typeface="Calibri" panose="020F0502020204030204" pitchFamily="34" charset="0"/>
+                <a:cs typeface="Times New Roman" panose="02020603050405020304" pitchFamily="18" charset="0"/>
+              </a:rPr>
+              <a:t>SimpleStrategy</a:t>
+            </a:r>
+            <a:r>
+              <a:rPr lang="en-US" dirty="0">
+                <a:effectLst/>
+                <a:latin typeface="Calibri" panose="020F0502020204030204" pitchFamily="34" charset="0"/>
+                <a:ea typeface="Calibri" panose="020F0502020204030204" pitchFamily="34" charset="0"/>
+                <a:cs typeface="Times New Roman" panose="02020603050405020304" pitchFamily="18" charset="0"/>
+              </a:rPr>
+              <a:t>’, ‘</a:t>
+            </a:r>
+            <a:r>
+              <a:rPr lang="en-US" dirty="0" err="1">
+                <a:effectLst/>
+                <a:latin typeface="Calibri" panose="020F0502020204030204" pitchFamily="34" charset="0"/>
+                <a:ea typeface="Calibri" panose="020F0502020204030204" pitchFamily="34" charset="0"/>
+                <a:cs typeface="Times New Roman" panose="02020603050405020304" pitchFamily="18" charset="0"/>
+              </a:rPr>
+              <a:t>replication_factor</a:t>
+            </a:r>
+            <a:r>
+              <a:rPr lang="en-US" dirty="0">
+                <a:effectLst/>
+                <a:latin typeface="Calibri" panose="020F0502020204030204" pitchFamily="34" charset="0"/>
+                <a:ea typeface="Calibri" panose="020F0502020204030204" pitchFamily="34" charset="0"/>
+                <a:cs typeface="Times New Roman" panose="02020603050405020304" pitchFamily="18" charset="0"/>
+              </a:rPr>
+              <a:t>’: 3};</a:t>
+            </a:r>
+          </a:p>
+          <a:p>
+            <a:pPr lvl="1">
+              <a:lnSpc>
+                <a:spcPct val="107000"/>
+              </a:lnSpc>
+              <a:spcBef>
+                <a:spcPts val="0"/>
+              </a:spcBef>
+            </a:pPr>
+            <a:r>
+              <a:rPr lang="en-US" dirty="0">
+                <a:effectLst/>
+                <a:latin typeface="Calibri" panose="020F0502020204030204" pitchFamily="34" charset="0"/>
+                <a:ea typeface="Calibri" panose="020F0502020204030204" pitchFamily="34" charset="0"/>
+                <a:cs typeface="Times New Roman" panose="02020603050405020304" pitchFamily="18" charset="0"/>
+              </a:rPr>
+              <a:t>Show all </a:t>
+            </a:r>
+            <a:r>
+              <a:rPr lang="en-US" dirty="0" err="1">
+                <a:effectLst/>
+                <a:latin typeface="Calibri" panose="020F0502020204030204" pitchFamily="34" charset="0"/>
+                <a:ea typeface="Calibri" panose="020F0502020204030204" pitchFamily="34" charset="0"/>
+                <a:cs typeface="Times New Roman" panose="02020603050405020304" pitchFamily="18" charset="0"/>
+              </a:rPr>
+              <a:t>keyspaces</a:t>
+            </a:r>
+            <a:r>
+              <a:rPr lang="en-US" dirty="0">
+                <a:effectLst/>
+                <a:latin typeface="Calibri" panose="020F0502020204030204" pitchFamily="34" charset="0"/>
+                <a:ea typeface="Calibri" panose="020F0502020204030204" pitchFamily="34" charset="0"/>
+                <a:cs typeface="Times New Roman" panose="02020603050405020304" pitchFamily="18" charset="0"/>
+              </a:rPr>
+              <a:t>: SELECT * FROM </a:t>
+            </a:r>
+            <a:r>
+              <a:rPr lang="en-US" dirty="0" err="1">
+                <a:effectLst/>
+                <a:latin typeface="Calibri" panose="020F0502020204030204" pitchFamily="34" charset="0"/>
+                <a:ea typeface="Calibri" panose="020F0502020204030204" pitchFamily="34" charset="0"/>
+                <a:cs typeface="Times New Roman" panose="02020603050405020304" pitchFamily="18" charset="0"/>
+              </a:rPr>
+              <a:t>system_schema.keyspaces</a:t>
+            </a:r>
+            <a:r>
+              <a:rPr lang="en-US" dirty="0">
+                <a:effectLst/>
+                <a:latin typeface="Calibri" panose="020F0502020204030204" pitchFamily="34" charset="0"/>
+                <a:ea typeface="Calibri" panose="020F0502020204030204" pitchFamily="34" charset="0"/>
+                <a:cs typeface="Times New Roman" panose="02020603050405020304" pitchFamily="18" charset="0"/>
+              </a:rPr>
+              <a:t>;</a:t>
+            </a:r>
+          </a:p>
+          <a:p>
+            <a:pPr lvl="1">
+              <a:lnSpc>
+                <a:spcPct val="107000"/>
+              </a:lnSpc>
+              <a:spcBef>
+                <a:spcPts val="0"/>
+              </a:spcBef>
+            </a:pPr>
+            <a:r>
+              <a:rPr lang="en-US" dirty="0">
+                <a:effectLst/>
+                <a:latin typeface="Calibri" panose="020F0502020204030204" pitchFamily="34" charset="0"/>
+                <a:ea typeface="Calibri" panose="020F0502020204030204" pitchFamily="34" charset="0"/>
+                <a:cs typeface="Times New Roman" panose="02020603050405020304" pitchFamily="18" charset="0"/>
+              </a:rPr>
+              <a:t>Select </a:t>
+            </a:r>
+            <a:r>
+              <a:rPr lang="en-US" dirty="0" err="1">
+                <a:effectLst/>
+                <a:latin typeface="Calibri" panose="020F0502020204030204" pitchFamily="34" charset="0"/>
+                <a:ea typeface="Calibri" panose="020F0502020204030204" pitchFamily="34" charset="0"/>
+                <a:cs typeface="Times New Roman" panose="02020603050405020304" pitchFamily="18" charset="0"/>
+              </a:rPr>
+              <a:t>keyspace</a:t>
+            </a:r>
+            <a:r>
+              <a:rPr lang="en-US" dirty="0">
+                <a:effectLst/>
+                <a:latin typeface="Calibri" panose="020F0502020204030204" pitchFamily="34" charset="0"/>
+                <a:ea typeface="Calibri" panose="020F0502020204030204" pitchFamily="34" charset="0"/>
+                <a:cs typeface="Times New Roman" panose="02020603050405020304" pitchFamily="18" charset="0"/>
+              </a:rPr>
+              <a:t>: use {{your </a:t>
+            </a:r>
+            <a:r>
+              <a:rPr lang="en-US" dirty="0" err="1">
+                <a:effectLst/>
+                <a:latin typeface="Calibri" panose="020F0502020204030204" pitchFamily="34" charset="0"/>
+                <a:ea typeface="Calibri" panose="020F0502020204030204" pitchFamily="34" charset="0"/>
+                <a:cs typeface="Times New Roman" panose="02020603050405020304" pitchFamily="18" charset="0"/>
+              </a:rPr>
+              <a:t>keyspace</a:t>
+            </a:r>
+            <a:r>
+              <a:rPr lang="en-US" dirty="0">
+                <a:effectLst/>
+                <a:latin typeface="Calibri" panose="020F0502020204030204" pitchFamily="34" charset="0"/>
+                <a:ea typeface="Calibri" panose="020F0502020204030204" pitchFamily="34" charset="0"/>
+                <a:cs typeface="Times New Roman" panose="02020603050405020304" pitchFamily="18" charset="0"/>
+              </a:rPr>
+              <a:t> name}}</a:t>
+            </a:r>
+          </a:p>
+          <a:p>
+            <a:pPr lvl="1">
+              <a:lnSpc>
+                <a:spcPct val="107000"/>
+              </a:lnSpc>
+              <a:spcBef>
+                <a:spcPts val="0"/>
+              </a:spcBef>
+            </a:pPr>
+            <a:r>
+              <a:rPr lang="en-US" dirty="0">
+                <a:effectLst/>
+                <a:latin typeface="Calibri" panose="020F0502020204030204" pitchFamily="34" charset="0"/>
+                <a:ea typeface="Calibri" panose="020F0502020204030204" pitchFamily="34" charset="0"/>
+                <a:cs typeface="Times New Roman" panose="02020603050405020304" pitchFamily="18" charset="0"/>
+              </a:rPr>
+              <a:t>Create table: Create Table table1(id </a:t>
+            </a:r>
+            <a:r>
+              <a:rPr lang="en-US" dirty="0" err="1">
+                <a:effectLst/>
+                <a:latin typeface="Calibri" panose="020F0502020204030204" pitchFamily="34" charset="0"/>
+                <a:ea typeface="Calibri" panose="020F0502020204030204" pitchFamily="34" charset="0"/>
+                <a:cs typeface="Times New Roman" panose="02020603050405020304" pitchFamily="18" charset="0"/>
+              </a:rPr>
+              <a:t>uuid</a:t>
+            </a:r>
+            <a:r>
+              <a:rPr lang="en-US" dirty="0">
+                <a:effectLst/>
+                <a:latin typeface="Calibri" panose="020F0502020204030204" pitchFamily="34" charset="0"/>
+                <a:ea typeface="Calibri" panose="020F0502020204030204" pitchFamily="34" charset="0"/>
+                <a:cs typeface="Times New Roman" panose="02020603050405020304" pitchFamily="18" charset="0"/>
+              </a:rPr>
+              <a:t> Primary Key, message text);</a:t>
+            </a:r>
+          </a:p>
+          <a:p>
+            <a:pPr lvl="1">
+              <a:lnSpc>
+                <a:spcPct val="107000"/>
+              </a:lnSpc>
+              <a:spcBef>
+                <a:spcPts val="0"/>
+              </a:spcBef>
+              <a:spcAft>
+                <a:spcPts val="800"/>
+              </a:spcAft>
+            </a:pPr>
+            <a:r>
+              <a:rPr lang="en-US" dirty="0">
+                <a:effectLst/>
+                <a:latin typeface="Calibri" panose="020F0502020204030204" pitchFamily="34" charset="0"/>
+                <a:ea typeface="Calibri" panose="020F0502020204030204" pitchFamily="34" charset="0"/>
+                <a:cs typeface="Times New Roman" panose="02020603050405020304" pitchFamily="18" charset="0"/>
+              </a:rPr>
+              <a:t>Drop table: drop table {{table name (e. g. table1}}</a:t>
+            </a:r>
+          </a:p>
+        </p:txBody>
+      </p:sp>
+    </p:spTree>
+    <p:extLst>
+      <p:ext uri="{BB962C8B-B14F-4D97-AF65-F5344CB8AC3E}">
+        <p14:creationId xmlns:p14="http://schemas.microsoft.com/office/powerpoint/2010/main" val="852422334"/>
+      </p:ext>
+    </p:extLst>
+  </p:cSld>
+  <p:clrMapOvr>
+    <a:masterClrMapping/>
+  </p:clrMapOvr>
+</p:sld>
+</file>
+
+<file path=ppt/slides/slide11.xml><?xml version="1.0" encoding="utf-8"?>
+<p:sld xmlns:a="http://schemas.openxmlformats.org/drawingml/2006/main" xmlns:r="http://schemas.openxmlformats.org/officeDocument/2006/relationships" xmlns:p="http://schemas.openxmlformats.org/presentationml/2006/main">
+  <p:cSld>
+    <p:spTree>
+      <p:nvGrpSpPr>
+        <p:cNvPr id="1" name=""/>
+        <p:cNvGrpSpPr/>
+        <p:nvPr/>
+      </p:nvGrpSpPr>
+      <p:grpSpPr>
+        <a:xfrm>
+          <a:off x="0" y="0"/>
+          <a:ext cx="0" cy="0"/>
+          <a:chOff x="0" y="0"/>
+          <a:chExt cx="0" cy="0"/>
+        </a:xfrm>
+      </p:grpSpPr>
+      <p:sp>
+        <p:nvSpPr>
+          <p:cNvPr id="2" name="Title 1">
+            <a:extLst>
+              <a:ext uri="{FF2B5EF4-FFF2-40B4-BE49-F238E27FC236}">
+                <a16:creationId xmlns:a16="http://schemas.microsoft.com/office/drawing/2014/main" id="{710A0A31-290F-4D4B-B33D-515EBCB59B1B}"/>
+              </a:ext>
+            </a:extLst>
+          </p:cNvPr>
+          <p:cNvSpPr>
+            <a:spLocks noGrp="1"/>
+          </p:cNvSpPr>
+          <p:nvPr>
+            <p:ph type="title"/>
+          </p:nvPr>
+        </p:nvSpPr>
+        <p:spPr/>
+        <p:txBody>
+          <a:bodyPr/>
+          <a:lstStyle/>
+          <a:p>
+            <a:r>
+              <a:rPr lang="en-US" dirty="0"/>
+              <a:t>Run Code</a:t>
+            </a:r>
+          </a:p>
+        </p:txBody>
+      </p:sp>
+      <p:sp>
+        <p:nvSpPr>
+          <p:cNvPr id="3" name="Content Placeholder 2">
+            <a:extLst>
+              <a:ext uri="{FF2B5EF4-FFF2-40B4-BE49-F238E27FC236}">
+                <a16:creationId xmlns:a16="http://schemas.microsoft.com/office/drawing/2014/main" id="{0D568473-AFA6-4130-AE26-3AB7A66153DD}"/>
+              </a:ext>
+            </a:extLst>
+          </p:cNvPr>
+          <p:cNvSpPr>
+            <a:spLocks noGrp="1"/>
+          </p:cNvSpPr>
+          <p:nvPr>
+            <p:ph idx="1"/>
+          </p:nvPr>
+        </p:nvSpPr>
+        <p:spPr/>
+        <p:txBody>
+          <a:bodyPr>
+            <a:noAutofit/>
+          </a:bodyPr>
+          <a:lstStyle/>
+          <a:p>
+            <a:r>
+              <a:rPr lang="en-US" sz="2400" dirty="0"/>
+              <a:t>Get Time Differences CSV Data</a:t>
+            </a:r>
+            <a:endParaRPr lang="en-US" sz="2400" dirty="0">
+              <a:cs typeface="Arial" panose="020B0604020202020204" pitchFamily="34" charset="0"/>
+            </a:endParaRPr>
+          </a:p>
+          <a:p>
+            <a:pPr lvl="1"/>
+            <a:r>
+              <a:rPr lang="en-US" dirty="0">
+                <a:cs typeface="Arial" panose="020B0604020202020204" pitchFamily="34" charset="0"/>
+              </a:rPr>
+              <a:t>Automatically</a:t>
+            </a:r>
+          </a:p>
+          <a:p>
+            <a:pPr lvl="2"/>
+            <a:r>
+              <a:rPr lang="en-US" sz="2400" dirty="0">
+                <a:effectLst/>
+                <a:ea typeface="Calibri" panose="020F0502020204030204" pitchFamily="34" charset="0"/>
+                <a:cs typeface="Arial" panose="020B0604020202020204" pitchFamily="34" charset="0"/>
+              </a:rPr>
+              <a:t>Navigate to the tests folder</a:t>
+            </a:r>
+          </a:p>
+          <a:p>
+            <a:pPr lvl="2"/>
+            <a:r>
+              <a:rPr lang="en-US" sz="2400" dirty="0">
+                <a:ea typeface="Calibri" panose="020F0502020204030204" pitchFamily="34" charset="0"/>
+                <a:cs typeface="Arial" panose="020B0604020202020204" pitchFamily="34" charset="0"/>
+              </a:rPr>
+              <a:t>R</a:t>
+            </a:r>
+            <a:r>
+              <a:rPr lang="en-US" sz="2400" dirty="0">
+                <a:effectLst/>
+                <a:ea typeface="Calibri" panose="020F0502020204030204" pitchFamily="34" charset="0"/>
+                <a:cs typeface="Arial" panose="020B0604020202020204" pitchFamily="34" charset="0"/>
+              </a:rPr>
+              <a:t>un a test using “./{{test name}}” (e. g. “./all.sh”).</a:t>
+            </a:r>
+          </a:p>
+          <a:p>
+            <a:pPr lvl="1"/>
+            <a:r>
+              <a:rPr lang="en-US" dirty="0">
+                <a:cs typeface="Arial" panose="020B0604020202020204" pitchFamily="34" charset="0"/>
+              </a:rPr>
+              <a:t>Manually</a:t>
+            </a:r>
+          </a:p>
+          <a:p>
+            <a:pPr lvl="2">
+              <a:lnSpc>
+                <a:spcPct val="107000"/>
+              </a:lnSpc>
+              <a:spcBef>
+                <a:spcPts val="0"/>
+              </a:spcBef>
+            </a:pPr>
+            <a:r>
+              <a:rPr lang="en-US" sz="2400" dirty="0">
+                <a:effectLst/>
+                <a:ea typeface="Calibri" panose="020F0502020204030204" pitchFamily="34" charset="0"/>
+                <a:cs typeface="Times New Roman" panose="02020603050405020304" pitchFamily="18" charset="0"/>
+              </a:rPr>
+              <a:t>Navigate to Code folder and run python3 cassandraRW.py accordingly to run writers/readers.</a:t>
+            </a:r>
+          </a:p>
+          <a:p>
+            <a:pPr>
+              <a:lnSpc>
+                <a:spcPct val="107000"/>
+              </a:lnSpc>
+              <a:spcBef>
+                <a:spcPts val="0"/>
+              </a:spcBef>
+              <a:spcAft>
+                <a:spcPts val="800"/>
+              </a:spcAft>
+            </a:pPr>
+            <a:r>
+              <a:rPr lang="en-US" sz="2400" dirty="0">
+                <a:effectLst/>
+                <a:ea typeface="Calibri" panose="020F0502020204030204" pitchFamily="34" charset="0"/>
+                <a:cs typeface="Times New Roman" panose="02020603050405020304" pitchFamily="18" charset="0"/>
+              </a:rPr>
+              <a:t>Run python3 calculateStatistics.py to calculate statistics of time differences.</a:t>
+            </a:r>
+          </a:p>
+          <a:p>
+            <a:pPr>
+              <a:lnSpc>
+                <a:spcPct val="107000"/>
+              </a:lnSpc>
+              <a:spcBef>
+                <a:spcPts val="0"/>
+              </a:spcBef>
+              <a:spcAft>
+                <a:spcPts val="800"/>
+              </a:spcAft>
+            </a:pPr>
+            <a:r>
+              <a:rPr lang="en-US" sz="2400" dirty="0">
+                <a:effectLst/>
+                <a:ea typeface="Calibri" panose="020F0502020204030204" pitchFamily="34" charset="0"/>
+                <a:cs typeface="Times New Roman" panose="02020603050405020304" pitchFamily="18" charset="0"/>
+              </a:rPr>
+              <a:t>You can measure hardware performance continuously by running hardwareMeasure.py, which will print the latest information.</a:t>
+            </a:r>
+            <a:endParaRPr lang="en-US" sz="2400" dirty="0"/>
+          </a:p>
+        </p:txBody>
+      </p:sp>
+    </p:spTree>
+    <p:extLst>
+      <p:ext uri="{BB962C8B-B14F-4D97-AF65-F5344CB8AC3E}">
+        <p14:creationId xmlns:p14="http://schemas.microsoft.com/office/powerpoint/2010/main" val="3321963082"/>
+      </p:ext>
+    </p:extLst>
+  </p:cSld>
+  <p:clrMapOvr>
+    <a:masterClrMapping/>
+  </p:clrMapOvr>
+</p:sld>
+</file>
+
+<file path=ppt/slides/slide12.xml><?xml version="1.0" encoding="utf-8"?>
+<p:sld xmlns:a="http://schemas.openxmlformats.org/drawingml/2006/main" xmlns:r="http://schemas.openxmlformats.org/officeDocument/2006/relationships" xmlns:p="http://schemas.openxmlformats.org/presentationml/2006/main">
+  <p:cSld>
+    <p:spTree>
+      <p:nvGrpSpPr>
+        <p:cNvPr id="1" name=""/>
+        <p:cNvGrpSpPr/>
+        <p:nvPr/>
+      </p:nvGrpSpPr>
+      <p:grpSpPr>
+        <a:xfrm>
+          <a:off x="0" y="0"/>
+          <a:ext cx="0" cy="0"/>
+          <a:chOff x="0" y="0"/>
+          <a:chExt cx="0" cy="0"/>
+        </a:xfrm>
+      </p:grpSpPr>
+      <p:sp>
+        <p:nvSpPr>
+          <p:cNvPr id="2" name="Title 1">
+            <a:extLst>
+              <a:ext uri="{FF2B5EF4-FFF2-40B4-BE49-F238E27FC236}">
+                <a16:creationId xmlns:a16="http://schemas.microsoft.com/office/drawing/2014/main" id="{AA6541A3-1098-4890-9026-B4A319A3388D}"/>
+              </a:ext>
+            </a:extLst>
+          </p:cNvPr>
+          <p:cNvSpPr>
+            <a:spLocks noGrp="1"/>
+          </p:cNvSpPr>
+          <p:nvPr>
+            <p:ph type="title"/>
+          </p:nvPr>
+        </p:nvSpPr>
+        <p:spPr/>
+        <p:txBody>
+          <a:bodyPr/>
+          <a:lstStyle/>
+          <a:p>
+            <a:r>
+              <a:rPr lang="en-US" dirty="0"/>
+              <a:t>Conditions Tested</a:t>
+            </a:r>
+          </a:p>
+        </p:txBody>
+      </p:sp>
+      <p:sp>
+        <p:nvSpPr>
+          <p:cNvPr id="3" name="Content Placeholder 2">
+            <a:extLst>
+              <a:ext uri="{FF2B5EF4-FFF2-40B4-BE49-F238E27FC236}">
+                <a16:creationId xmlns:a16="http://schemas.microsoft.com/office/drawing/2014/main" id="{B864DC10-6976-4355-9561-2E266CDAF092}"/>
+              </a:ext>
+            </a:extLst>
+          </p:cNvPr>
+          <p:cNvSpPr>
+            <a:spLocks noGrp="1"/>
+          </p:cNvSpPr>
+          <p:nvPr>
+            <p:ph idx="1"/>
+          </p:nvPr>
+        </p:nvSpPr>
+        <p:spPr/>
+        <p:txBody>
+          <a:bodyPr>
+            <a:normAutofit/>
+          </a:bodyPr>
+          <a:lstStyle/>
+          <a:p>
+            <a:pPr>
+              <a:lnSpc>
+                <a:spcPct val="107000"/>
+              </a:lnSpc>
+              <a:spcBef>
+                <a:spcPts val="0"/>
+              </a:spcBef>
+            </a:pPr>
+            <a:r>
+              <a:rPr lang="en-US" sz="2400" dirty="0">
+                <a:latin typeface="Calibri" panose="020F0502020204030204" pitchFamily="34" charset="0"/>
+                <a:ea typeface="Calibri" panose="020F0502020204030204" pitchFamily="34" charset="0"/>
+                <a:cs typeface="Times New Roman" panose="02020603050405020304" pitchFamily="18" charset="0"/>
+              </a:rPr>
+              <a:t>cassandraRW.py (only 10 iterations instead of 10000 for time purposes)</a:t>
+            </a:r>
+          </a:p>
+          <a:p>
+            <a:pPr lvl="1">
+              <a:lnSpc>
+                <a:spcPct val="107000"/>
+              </a:lnSpc>
+              <a:spcBef>
+                <a:spcPts val="0"/>
+              </a:spcBef>
+            </a:pPr>
+            <a:r>
+              <a:rPr lang="en-US" dirty="0">
+                <a:latin typeface="Calibri" panose="020F0502020204030204" pitchFamily="34" charset="0"/>
+                <a:ea typeface="Calibri" panose="020F0502020204030204" pitchFamily="34" charset="0"/>
+                <a:cs typeface="Times New Roman" panose="02020603050405020304" pitchFamily="18" charset="0"/>
+              </a:rPr>
+              <a:t>Each test with writers writes to the database based on the experiment-specified character lengths: 128, 254, 512, 1024, 10000</a:t>
+            </a:r>
+          </a:p>
+          <a:p>
+            <a:pPr lvl="1">
+              <a:lnSpc>
+                <a:spcPct val="107000"/>
+              </a:lnSpc>
+              <a:spcBef>
+                <a:spcPts val="0"/>
+              </a:spcBef>
+            </a:pPr>
+            <a:r>
+              <a:rPr lang="en-US" dirty="0">
+                <a:effectLst/>
+                <a:latin typeface="Calibri" panose="020F0502020204030204" pitchFamily="34" charset="0"/>
+                <a:ea typeface="Calibri" panose="020F0502020204030204" pitchFamily="34" charset="0"/>
+                <a:cs typeface="Times New Roman" panose="02020603050405020304" pitchFamily="18" charset="0"/>
+              </a:rPr>
+              <a:t>Each reader and writer work independently</a:t>
+            </a:r>
+            <a:r>
+              <a:rPr lang="en-US" dirty="0">
+                <a:latin typeface="Calibri" panose="020F0502020204030204" pitchFamily="34" charset="0"/>
+                <a:ea typeface="Calibri" panose="020F0502020204030204" pitchFamily="34" charset="0"/>
+                <a:cs typeface="Times New Roman" panose="02020603050405020304" pitchFamily="18" charset="0"/>
+              </a:rPr>
+              <a:t> (don’t have to wait for the other to finish to start running).</a:t>
+            </a:r>
+            <a:endParaRPr lang="en-US" dirty="0">
+              <a:effectLst/>
+              <a:latin typeface="Calibri" panose="020F0502020204030204" pitchFamily="34" charset="0"/>
+              <a:ea typeface="Calibri" panose="020F0502020204030204" pitchFamily="34" charset="0"/>
+              <a:cs typeface="Times New Roman" panose="02020603050405020304" pitchFamily="18" charset="0"/>
+            </a:endParaRPr>
+          </a:p>
+          <a:p>
+            <a:pPr lvl="1">
+              <a:lnSpc>
+                <a:spcPct val="107000"/>
+              </a:lnSpc>
+              <a:spcBef>
+                <a:spcPts val="0"/>
+              </a:spcBef>
+            </a:pPr>
+            <a:r>
+              <a:rPr lang="en-US" dirty="0">
+                <a:effectLst/>
+                <a:latin typeface="Calibri" panose="020F0502020204030204" pitchFamily="34" charset="0"/>
+                <a:ea typeface="Calibri" panose="020F0502020204030204" pitchFamily="34" charset="0"/>
+                <a:cs typeface="Times New Roman" panose="02020603050405020304" pitchFamily="18" charset="0"/>
+              </a:rPr>
+              <a:t>1 set x 1writerTest</a:t>
+            </a:r>
+          </a:p>
+          <a:p>
+            <a:pPr lvl="1">
+              <a:lnSpc>
+                <a:spcPct val="107000"/>
+              </a:lnSpc>
+              <a:spcBef>
+                <a:spcPts val="0"/>
+              </a:spcBef>
+            </a:pPr>
+            <a:r>
+              <a:rPr lang="en-US" dirty="0">
+                <a:effectLst/>
+                <a:latin typeface="Calibri" panose="020F0502020204030204" pitchFamily="34" charset="0"/>
+                <a:ea typeface="Calibri" panose="020F0502020204030204" pitchFamily="34" charset="0"/>
+                <a:cs typeface="Times New Roman" panose="02020603050405020304" pitchFamily="18" charset="0"/>
+              </a:rPr>
+              <a:t>1 set x 1readerTest</a:t>
+            </a:r>
+          </a:p>
+          <a:p>
+            <a:pPr lvl="1">
+              <a:lnSpc>
+                <a:spcPct val="107000"/>
+              </a:lnSpc>
+              <a:spcBef>
+                <a:spcPts val="0"/>
+              </a:spcBef>
+            </a:pPr>
+            <a:r>
+              <a:rPr lang="en-US" dirty="0">
+                <a:effectLst/>
+                <a:latin typeface="Calibri" panose="020F0502020204030204" pitchFamily="34" charset="0"/>
+                <a:ea typeface="Calibri" panose="020F0502020204030204" pitchFamily="34" charset="0"/>
+                <a:cs typeface="Times New Roman" panose="02020603050405020304" pitchFamily="18" charset="0"/>
+              </a:rPr>
+              <a:t>10 sets x 10writer1readerTest</a:t>
+            </a:r>
+          </a:p>
+          <a:p>
+            <a:pPr lvl="1">
+              <a:lnSpc>
+                <a:spcPct val="107000"/>
+              </a:lnSpc>
+              <a:spcBef>
+                <a:spcPts val="0"/>
+              </a:spcBef>
+            </a:pPr>
+            <a:r>
+              <a:rPr lang="en-US" dirty="0">
+                <a:effectLst/>
+                <a:latin typeface="Calibri" panose="020F0502020204030204" pitchFamily="34" charset="0"/>
+                <a:ea typeface="Calibri" panose="020F0502020204030204" pitchFamily="34" charset="0"/>
+                <a:cs typeface="Times New Roman" panose="02020603050405020304" pitchFamily="18" charset="0"/>
+              </a:rPr>
+              <a:t>10 sets x 1writer10readerTest</a:t>
+            </a:r>
+          </a:p>
+          <a:p>
+            <a:pPr lvl="1">
+              <a:lnSpc>
+                <a:spcPct val="107000"/>
+              </a:lnSpc>
+              <a:spcBef>
+                <a:spcPts val="0"/>
+              </a:spcBef>
+              <a:spcAft>
+                <a:spcPts val="800"/>
+              </a:spcAft>
+            </a:pPr>
+            <a:r>
+              <a:rPr lang="en-US" dirty="0">
+                <a:effectLst/>
+                <a:latin typeface="Calibri" panose="020F0502020204030204" pitchFamily="34" charset="0"/>
+                <a:ea typeface="Calibri" panose="020F0502020204030204" pitchFamily="34" charset="0"/>
+                <a:cs typeface="Times New Roman" panose="02020603050405020304" pitchFamily="18" charset="0"/>
+              </a:rPr>
+              <a:t>5 sets x 25writer25readerTest</a:t>
+            </a:r>
+          </a:p>
+        </p:txBody>
+      </p:sp>
+    </p:spTree>
+    <p:extLst>
+      <p:ext uri="{BB962C8B-B14F-4D97-AF65-F5344CB8AC3E}">
+        <p14:creationId xmlns:p14="http://schemas.microsoft.com/office/powerpoint/2010/main" val="713689981"/>
+      </p:ext>
+    </p:extLst>
+  </p:cSld>
+  <p:clrMapOvr>
+    <a:masterClrMapping/>
+  </p:clrMapOvr>
+</p:sld>
+</file>
+
+<file path=ppt/slides/slide13.xml><?xml version="1.0" encoding="utf-8"?>
+<p:sld xmlns:a="http://schemas.openxmlformats.org/drawingml/2006/main" xmlns:r="http://schemas.openxmlformats.org/officeDocument/2006/relationships" xmlns:p="http://schemas.openxmlformats.org/presentationml/2006/main">
+  <p:cSld>
+    <p:spTree>
+      <p:nvGrpSpPr>
+        <p:cNvPr id="1" name=""/>
+        <p:cNvGrpSpPr/>
+        <p:nvPr/>
+      </p:nvGrpSpPr>
+      <p:grpSpPr>
+        <a:xfrm>
+          <a:off x="0" y="0"/>
+          <a:ext cx="0" cy="0"/>
+          <a:chOff x="0" y="0"/>
+          <a:chExt cx="0" cy="0"/>
+        </a:xfrm>
+      </p:grpSpPr>
+      <p:sp>
+        <p:nvSpPr>
+          <p:cNvPr id="2" name="Title 1">
+            <a:extLst>
+              <a:ext uri="{FF2B5EF4-FFF2-40B4-BE49-F238E27FC236}">
                 <a16:creationId xmlns:a16="http://schemas.microsoft.com/office/drawing/2014/main" id="{D33FDD61-26B8-4731-86F2-B7D17FDF23F8}"/>
               </a:ext>
             </a:extLst>
@@ -7781,25 +8663,7 @@
                 <a:ea typeface="Calibri" panose="020F0502020204030204" pitchFamily="34" charset="0"/>
                 <a:cs typeface="Times New Roman" panose="02020603050405020304" pitchFamily="18" charset="0"/>
               </a:rPr>
-              <a:t>capAnalysis.py (readers not ran concurrently due </a:t>
-            </a:r>
-            <a:r>
-              <a:rPr lang="en-US">
-                <a:effectLst/>
-                <a:latin typeface="Calibri" panose="020F0502020204030204" pitchFamily="34" charset="0"/>
-                <a:ea typeface="Calibri" panose="020F0502020204030204" pitchFamily="34" charset="0"/>
-                <a:cs typeface="Times New Roman" panose="02020603050405020304" pitchFamily="18" charset="0"/>
-              </a:rPr>
-              <a:t>to seemingly unstable </a:t>
-            </a:r>
-            <a:r>
-              <a:rPr lang="en-US" dirty="0">
-                <a:effectLst/>
-                <a:latin typeface="Calibri" panose="020F0502020204030204" pitchFamily="34" charset="0"/>
-                <a:ea typeface="Calibri" panose="020F0502020204030204" pitchFamily="34" charset="0"/>
-                <a:cs typeface="Times New Roman" panose="02020603050405020304" pitchFamily="18" charset="0"/>
-              </a:rPr>
-              <a:t>connection issues)</a:t>
+              <a:t>capAnalysis.py (readers not ran concurrently due to seemingly unstable connection issues)</a:t>
             </a:r>
           </a:p>
           <a:p>
@@ -7875,7 +8739,7 @@
                 <a:ea typeface="Calibri" panose="020F0502020204030204" pitchFamily="34" charset="0"/>
                 <a:cs typeface="Times New Roman" panose="02020603050405020304" pitchFamily="18" charset="0"/>
               </a:rPr>
-              <a:t>On each of 10 VM’s: Run readIteration.py with a parameter of 10 for 10 iterations.</a:t>
+              <a:t>On each of 10 sets: Run readIteration.py with a parameter of 10 for 10 iterations.</a:t>
             </a:r>
           </a:p>
           <a:p>
@@ -7916,7 +8780,7 @@
                 <a:ea typeface="Calibri" panose="020F0502020204030204" pitchFamily="34" charset="0"/>
                 <a:cs typeface="Times New Roman" panose="02020603050405020304" pitchFamily="18" charset="0"/>
               </a:rPr>
-              <a:t>10 VM x 1insert1write10readTest</a:t>
+              <a:t>10 sets x 1insert1write10readTest</a:t>
             </a:r>
           </a:p>
           <a:p>
@@ -7961,7 +8825,7 @@
 </p:sld>
 </file>
 
-<file path=ppt/slides/slide11.xml><?xml version="1.0" encoding="utf-8"?>
+<file path=ppt/slides/slide14.xml><?xml version="1.0" encoding="utf-8"?>
 <p:sld xmlns:a="http://schemas.openxmlformats.org/drawingml/2006/main" xmlns:r="http://schemas.openxmlformats.org/officeDocument/2006/relationships" xmlns:p="http://schemas.openxmlformats.org/presentationml/2006/main">
   <p:cSld>
     <p:spTree>
@@ -8437,7 +9301,7 @@
 </p:sld>
 </file>
 
-<file path=ppt/slides/slide12.xml><?xml version="1.0" encoding="utf-8"?>
+<file path=ppt/slides/slide15.xml><?xml version="1.0" encoding="utf-8"?>
 <p:sld xmlns:a="http://schemas.openxmlformats.org/drawingml/2006/main" xmlns:r="http://schemas.openxmlformats.org/officeDocument/2006/relationships" xmlns:p="http://schemas.openxmlformats.org/presentationml/2006/main">
   <p:cSld>
     <p:spTree>
@@ -8559,7 +9423,7 @@
 </p:sld>
 </file>
 
-<file path=ppt/slides/slide13.xml><?xml version="1.0" encoding="utf-8"?>
+<file path=ppt/slides/slide16.xml><?xml version="1.0" encoding="utf-8"?>
 <p:sld xmlns:a="http://schemas.openxmlformats.org/drawingml/2006/main" xmlns:r="http://schemas.openxmlformats.org/officeDocument/2006/relationships" xmlns:p="http://schemas.openxmlformats.org/presentationml/2006/main">
   <p:cSld>
     <p:spTree>
@@ -8848,7 +9712,7 @@
 </p:sld>
 </file>
 
-<file path=ppt/slides/slide14.xml><?xml version="1.0" encoding="utf-8"?>
+<file path=ppt/slides/slide17.xml><?xml version="1.0" encoding="utf-8"?>
 <p:sld xmlns:a="http://schemas.openxmlformats.org/drawingml/2006/main" xmlns:r="http://schemas.openxmlformats.org/officeDocument/2006/relationships" xmlns:p="http://schemas.openxmlformats.org/presentationml/2006/main">
   <p:cSld>
     <p:spTree>
@@ -10181,7 +11045,7 @@
 </p:sld>
 </file>
 
-<file path=ppt/slides/slide15.xml><?xml version="1.0" encoding="utf-8"?>
+<file path=ppt/slides/slide18.xml><?xml version="1.0" encoding="utf-8"?>
 <p:sld xmlns:a="http://schemas.openxmlformats.org/drawingml/2006/main" xmlns:r="http://schemas.openxmlformats.org/officeDocument/2006/relationships" xmlns:p="http://schemas.openxmlformats.org/presentationml/2006/main">
   <p:cSld>
     <p:spTree>
@@ -11412,7 +12276,7 @@
 </p:sld>
 </file>
 
-<file path=ppt/slides/slide16.xml><?xml version="1.0" encoding="utf-8"?>
+<file path=ppt/slides/slide19.xml><?xml version="1.0" encoding="utf-8"?>
 <p:sld xmlns:a="http://schemas.openxmlformats.org/drawingml/2006/main" xmlns:r="http://schemas.openxmlformats.org/officeDocument/2006/relationships" xmlns:p="http://schemas.openxmlformats.org/presentationml/2006/main">
   <p:cSld>
     <p:spTree>
@@ -12195,7 +13059,106 @@
 </p:sld>
 </file>
 
-<file path=ppt/slides/slide17.xml><?xml version="1.0" encoding="utf-8"?>
+<file path=ppt/slides/slide2.xml><?xml version="1.0" encoding="utf-8"?>
+<p:sld xmlns:a="http://schemas.openxmlformats.org/drawingml/2006/main" xmlns:r="http://schemas.openxmlformats.org/officeDocument/2006/relationships" xmlns:p="http://schemas.openxmlformats.org/presentationml/2006/main">
+  <p:cSld>
+    <p:spTree>
+      <p:nvGrpSpPr>
+        <p:cNvPr id="1" name=""/>
+        <p:cNvGrpSpPr/>
+        <p:nvPr/>
+      </p:nvGrpSpPr>
+      <p:grpSpPr>
+        <a:xfrm>
+          <a:off x="0" y="0"/>
+          <a:ext cx="0" cy="0"/>
+          <a:chOff x="0" y="0"/>
+          <a:chExt cx="0" cy="0"/>
+        </a:xfrm>
+      </p:grpSpPr>
+      <p:sp>
+        <p:nvSpPr>
+          <p:cNvPr id="2" name="Title 1">
+            <a:extLst>
+              <a:ext uri="{FF2B5EF4-FFF2-40B4-BE49-F238E27FC236}">
+                <a16:creationId xmlns:a16="http://schemas.microsoft.com/office/drawing/2014/main" id="{C73665B6-3EF7-4046-924B-B4A3EB8F9F40}"/>
+              </a:ext>
+            </a:extLst>
+          </p:cNvPr>
+          <p:cNvSpPr>
+            <a:spLocks noGrp="1"/>
+          </p:cNvSpPr>
+          <p:nvPr>
+            <p:ph type="title"/>
+          </p:nvPr>
+        </p:nvSpPr>
+        <p:spPr/>
+        <p:txBody>
+          <a:bodyPr/>
+          <a:lstStyle/>
+          <a:p>
+            <a:r>
+              <a:rPr lang="en-US" dirty="0"/>
+              <a:t>References</a:t>
+            </a:r>
+          </a:p>
+        </p:txBody>
+      </p:sp>
+      <p:sp>
+        <p:nvSpPr>
+          <p:cNvPr id="3" name="Content Placeholder 2">
+            <a:extLst>
+              <a:ext uri="{FF2B5EF4-FFF2-40B4-BE49-F238E27FC236}">
+                <a16:creationId xmlns:a16="http://schemas.microsoft.com/office/drawing/2014/main" id="{7808C25C-5BA2-4F83-8D14-E9137917745D}"/>
+              </a:ext>
+            </a:extLst>
+          </p:cNvPr>
+          <p:cNvSpPr>
+            <a:spLocks noGrp="1"/>
+          </p:cNvSpPr>
+          <p:nvPr>
+            <p:ph idx="1"/>
+          </p:nvPr>
+        </p:nvSpPr>
+        <p:spPr/>
+        <p:txBody>
+          <a:bodyPr/>
+          <a:lstStyle/>
+          <a:p>
+            <a:r>
+              <a:rPr lang="en-US" dirty="0"/>
+              <a:t>Code, documentation, data, references, etc. at: </a:t>
+            </a:r>
+            <a:r>
+              <a:rPr lang="en-US" dirty="0">
+                <a:hlinkClick r:id="rId2"/>
+              </a:rPr>
+              <a:t>https://github.com/jamesvu1/cs6381finalprojectapachecassandra</a:t>
+            </a:r>
+            <a:endParaRPr lang="en-US" dirty="0"/>
+          </a:p>
+          <a:p>
+            <a:r>
+              <a:rPr lang="en-US" dirty="0"/>
+              <a:t>Disclaimer: This repository was completed based on our overall understanding of the experiment instructions and what we knew/found through our efforts/attempts given the time we have had.</a:t>
+            </a:r>
+          </a:p>
+        </p:txBody>
+      </p:sp>
+    </p:spTree>
+    <p:extLst>
+      <p:ext uri="{BB962C8B-B14F-4D97-AF65-F5344CB8AC3E}">
+        <p14:creationId xmlns:p14="http://schemas.microsoft.com/office/powerpoint/2010/main" val="2167400938"/>
+      </p:ext>
+    </p:extLst>
+  </p:cSld>
+  <p:clrMapOvr>
+    <a:masterClrMapping/>
+  </p:clrMapOvr>
+</p:sld>
+</file>
+
+<file path=ppt/slides/slide20.xml><?xml version="1.0" encoding="utf-8"?>
 <p:sld xmlns:a="http://schemas.openxmlformats.org/drawingml/2006/main" xmlns:r="http://schemas.openxmlformats.org/officeDocument/2006/relationships" xmlns:p="http://schemas.openxmlformats.org/presentationml/2006/main">
   <p:cSld>
     <p:spTree>
@@ -12960,7 +13923,7 @@
 </p:sld>
 </file>
 
-<file path=ppt/slides/slide18.xml><?xml version="1.0" encoding="utf-8"?>
+<file path=ppt/slides/slide21.xml><?xml version="1.0" encoding="utf-8"?>
 <p:sld xmlns:a="http://schemas.openxmlformats.org/drawingml/2006/main" xmlns:r="http://schemas.openxmlformats.org/officeDocument/2006/relationships" xmlns:p="http://schemas.openxmlformats.org/presentationml/2006/main">
   <p:cSld>
     <p:spTree>
@@ -13952,7 +14915,7 @@
 </p:sld>
 </file>
 
-<file path=ppt/slides/slide19.xml><?xml version="1.0" encoding="utf-8"?>
+<file path=ppt/slides/slide22.xml><?xml version="1.0" encoding="utf-8"?>
 <p:sld xmlns:a="http://schemas.openxmlformats.org/drawingml/2006/main" xmlns:r="http://schemas.openxmlformats.org/officeDocument/2006/relationships" xmlns:p="http://schemas.openxmlformats.org/presentationml/2006/main">
   <p:cSld>
     <p:spTree>
@@ -14215,106 +15178,7 @@
 </p:sld>
 </file>
 
-<file path=ppt/slides/slide2.xml><?xml version="1.0" encoding="utf-8"?>
-<p:sld xmlns:a="http://schemas.openxmlformats.org/drawingml/2006/main" xmlns:r="http://schemas.openxmlformats.org/officeDocument/2006/relationships" xmlns:p="http://schemas.openxmlformats.org/presentationml/2006/main">
-  <p:cSld>
-    <p:spTree>
-      <p:nvGrpSpPr>
-        <p:cNvPr id="1" name=""/>
-        <p:cNvGrpSpPr/>
-        <p:nvPr/>
-      </p:nvGrpSpPr>
-      <p:grpSpPr>
-        <a:xfrm>
-          <a:off x="0" y="0"/>
-          <a:ext cx="0" cy="0"/>
-          <a:chOff x="0" y="0"/>
-          <a:chExt cx="0" cy="0"/>
-        </a:xfrm>
-      </p:grpSpPr>
-      <p:sp>
-        <p:nvSpPr>
-          <p:cNvPr id="2" name="Title 1">
-            <a:extLst>
-              <a:ext uri="{FF2B5EF4-FFF2-40B4-BE49-F238E27FC236}">
-                <a16:creationId xmlns:a16="http://schemas.microsoft.com/office/drawing/2014/main" id="{C73665B6-3EF7-4046-924B-B4A3EB8F9F40}"/>
-              </a:ext>
-            </a:extLst>
-          </p:cNvPr>
-          <p:cNvSpPr>
-            <a:spLocks noGrp="1"/>
-          </p:cNvSpPr>
-          <p:nvPr>
-            <p:ph type="title"/>
-          </p:nvPr>
-        </p:nvSpPr>
-        <p:spPr/>
-        <p:txBody>
-          <a:bodyPr/>
-          <a:lstStyle/>
-          <a:p>
-            <a:r>
-              <a:rPr lang="en-US" dirty="0"/>
-              <a:t>References</a:t>
-            </a:r>
-          </a:p>
-        </p:txBody>
-      </p:sp>
-      <p:sp>
-        <p:nvSpPr>
-          <p:cNvPr id="3" name="Content Placeholder 2">
-            <a:extLst>
-              <a:ext uri="{FF2B5EF4-FFF2-40B4-BE49-F238E27FC236}">
-                <a16:creationId xmlns:a16="http://schemas.microsoft.com/office/drawing/2014/main" id="{7808C25C-5BA2-4F83-8D14-E9137917745D}"/>
-              </a:ext>
-            </a:extLst>
-          </p:cNvPr>
-          <p:cNvSpPr>
-            <a:spLocks noGrp="1"/>
-          </p:cNvSpPr>
-          <p:nvPr>
-            <p:ph idx="1"/>
-          </p:nvPr>
-        </p:nvSpPr>
-        <p:spPr/>
-        <p:txBody>
-          <a:bodyPr/>
-          <a:lstStyle/>
-          <a:p>
-            <a:r>
-              <a:rPr lang="en-US" dirty="0"/>
-              <a:t>Code, documentation, data, references, etc. at: </a:t>
-            </a:r>
-            <a:r>
-              <a:rPr lang="en-US" dirty="0">
-                <a:hlinkClick r:id="rId2"/>
-              </a:rPr>
-              <a:t>https://github.com/jamesvu1/cs6381finalprojectapachecassandra</a:t>
-            </a:r>
-            <a:endParaRPr lang="en-US" dirty="0"/>
-          </a:p>
-          <a:p>
-            <a:r>
-              <a:rPr lang="en-US" dirty="0"/>
-              <a:t>Disclaimer: This repository was completed based on our overall understanding of the experiment instructions and what we knew/found through our efforts/attempts given the time we have had.</a:t>
-            </a:r>
-          </a:p>
-        </p:txBody>
-      </p:sp>
-    </p:spTree>
-    <p:extLst>
-      <p:ext uri="{BB962C8B-B14F-4D97-AF65-F5344CB8AC3E}">
-        <p14:creationId xmlns:p14="http://schemas.microsoft.com/office/powerpoint/2010/main" val="2167400938"/>
-      </p:ext>
-    </p:extLst>
-  </p:cSld>
-  <p:clrMapOvr>
-    <a:masterClrMapping/>
-  </p:clrMapOvr>
-</p:sld>
-</file>
-
-<file path=ppt/slides/slide20.xml><?xml version="1.0" encoding="utf-8"?>
+<file path=ppt/slides/slide23.xml><?xml version="1.0" encoding="utf-8"?>
 <p:sld xmlns:a="http://schemas.openxmlformats.org/drawingml/2006/main" xmlns:r="http://schemas.openxmlformats.org/officeDocument/2006/relationships" xmlns:p="http://schemas.openxmlformats.org/presentationml/2006/main">
   <p:cSld>
     <p:spTree>
@@ -14490,7 +15354,7 @@
 </p:sld>
 </file>
 
-<file path=ppt/slides/slide21.xml><?xml version="1.0" encoding="utf-8"?>
+<file path=ppt/slides/slide24.xml><?xml version="1.0" encoding="utf-8"?>
 <p:sld xmlns:a="http://schemas.openxmlformats.org/drawingml/2006/main" xmlns:r="http://schemas.openxmlformats.org/officeDocument/2006/relationships" xmlns:p="http://schemas.openxmlformats.org/presentationml/2006/main">
   <p:cSld>
     <p:spTree>
@@ -14663,7 +15527,7 @@
 </p:sld>
 </file>
 
-<file path=ppt/slides/slide22.xml><?xml version="1.0" encoding="utf-8"?>
+<file path=ppt/slides/slide25.xml><?xml version="1.0" encoding="utf-8"?>
 <p:sld xmlns:a="http://schemas.openxmlformats.org/drawingml/2006/main" xmlns:r="http://schemas.openxmlformats.org/officeDocument/2006/relationships" xmlns:p="http://schemas.openxmlformats.org/presentationml/2006/main">
   <p:cSld>
     <p:spTree>
@@ -15009,6 +15873,474 @@
           <p:cNvPr id="2" name="Title 1">
             <a:extLst>
               <a:ext uri="{FF2B5EF4-FFF2-40B4-BE49-F238E27FC236}">
+                <a16:creationId xmlns:a16="http://schemas.microsoft.com/office/drawing/2014/main" id="{0F3CB0A4-E010-405B-B73F-BC6CA8D86A45}"/>
+              </a:ext>
+            </a:extLst>
+          </p:cNvPr>
+          <p:cNvSpPr>
+            <a:spLocks noGrp="1"/>
+          </p:cNvSpPr>
+          <p:nvPr>
+            <p:ph type="title"/>
+          </p:nvPr>
+        </p:nvSpPr>
+        <p:spPr/>
+        <p:txBody>
+          <a:bodyPr/>
+          <a:lstStyle/>
+          <a:p>
+            <a:r>
+              <a:rPr lang="en-US" dirty="0"/>
+              <a:t>Code – cassandraRW.py</a:t>
+            </a:r>
+          </a:p>
+        </p:txBody>
+      </p:sp>
+      <p:pic>
+        <p:nvPicPr>
+          <p:cNvPr id="5" name="Content Placeholder 4">
+            <a:extLst>
+              <a:ext uri="{FF2B5EF4-FFF2-40B4-BE49-F238E27FC236}">
+                <a16:creationId xmlns:a16="http://schemas.microsoft.com/office/drawing/2014/main" id="{F94FD0B7-9DBC-4CA0-BC3E-C15E8EBF7BFB}"/>
+              </a:ext>
+            </a:extLst>
+          </p:cNvPr>
+          <p:cNvPicPr>
+            <a:picLocks noGrp="1" noChangeAspect="1"/>
+          </p:cNvPicPr>
+          <p:nvPr>
+            <p:ph idx="1"/>
+          </p:nvPr>
+        </p:nvPicPr>
+        <p:blipFill>
+          <a:blip r:embed="rId2"/>
+          <a:stretch>
+            <a:fillRect/>
+          </a:stretch>
+        </p:blipFill>
+        <p:spPr>
+          <a:xfrm>
+            <a:off x="951048" y="1621976"/>
+            <a:ext cx="7854525" cy="1416979"/>
+          </a:xfrm>
+        </p:spPr>
+      </p:pic>
+      <p:pic>
+        <p:nvPicPr>
+          <p:cNvPr id="7" name="Picture 6">
+            <a:extLst>
+              <a:ext uri="{FF2B5EF4-FFF2-40B4-BE49-F238E27FC236}">
+                <a16:creationId xmlns:a16="http://schemas.microsoft.com/office/drawing/2014/main" id="{8C1B354B-606A-4BFC-A24A-032EFE376DEC}"/>
+              </a:ext>
+            </a:extLst>
+          </p:cNvPr>
+          <p:cNvPicPr>
+            <a:picLocks noChangeAspect="1"/>
+          </p:cNvPicPr>
+          <p:nvPr/>
+        </p:nvPicPr>
+        <p:blipFill>
+          <a:blip r:embed="rId3"/>
+          <a:stretch>
+            <a:fillRect/>
+          </a:stretch>
+        </p:blipFill>
+        <p:spPr>
+          <a:xfrm>
+            <a:off x="951048" y="3179584"/>
+            <a:ext cx="7854525" cy="3138088"/>
+          </a:xfrm>
+          <a:prstGeom prst="rect">
+            <a:avLst/>
+          </a:prstGeom>
+        </p:spPr>
+      </p:pic>
+    </p:spTree>
+    <p:extLst>
+      <p:ext uri="{BB962C8B-B14F-4D97-AF65-F5344CB8AC3E}">
+        <p14:creationId xmlns:p14="http://schemas.microsoft.com/office/powerpoint/2010/main" val="2195785375"/>
+      </p:ext>
+    </p:extLst>
+  </p:cSld>
+  <p:clrMapOvr>
+    <a:masterClrMapping/>
+  </p:clrMapOvr>
+</p:sld>
+</file>
+
+<file path=ppt/slides/slide5.xml><?xml version="1.0" encoding="utf-8"?>
+<p:sld xmlns:a="http://schemas.openxmlformats.org/drawingml/2006/main" xmlns:r="http://schemas.openxmlformats.org/officeDocument/2006/relationships" xmlns:p="http://schemas.openxmlformats.org/presentationml/2006/main">
+  <p:cSld>
+    <p:spTree>
+      <p:nvGrpSpPr>
+        <p:cNvPr id="1" name=""/>
+        <p:cNvGrpSpPr/>
+        <p:nvPr/>
+      </p:nvGrpSpPr>
+      <p:grpSpPr>
+        <a:xfrm>
+          <a:off x="0" y="0"/>
+          <a:ext cx="0" cy="0"/>
+          <a:chOff x="0" y="0"/>
+          <a:chExt cx="0" cy="0"/>
+        </a:xfrm>
+      </p:grpSpPr>
+      <p:sp>
+        <p:nvSpPr>
+          <p:cNvPr id="2" name="Title 1">
+            <a:extLst>
+              <a:ext uri="{FF2B5EF4-FFF2-40B4-BE49-F238E27FC236}">
+                <a16:creationId xmlns:a16="http://schemas.microsoft.com/office/drawing/2014/main" id="{86E25CE8-754A-48D0-AFD4-7C84431320D6}"/>
+              </a:ext>
+            </a:extLst>
+          </p:cNvPr>
+          <p:cNvSpPr>
+            <a:spLocks noGrp="1"/>
+          </p:cNvSpPr>
+          <p:nvPr>
+            <p:ph type="title"/>
+          </p:nvPr>
+        </p:nvSpPr>
+        <p:spPr/>
+        <p:txBody>
+          <a:bodyPr/>
+          <a:lstStyle/>
+          <a:p>
+            <a:r>
+              <a:rPr lang="en-US" dirty="0"/>
+              <a:t>Code – cassandraRW.py</a:t>
+            </a:r>
+          </a:p>
+        </p:txBody>
+      </p:sp>
+      <p:pic>
+        <p:nvPicPr>
+          <p:cNvPr id="5" name="Content Placeholder 4">
+            <a:extLst>
+              <a:ext uri="{FF2B5EF4-FFF2-40B4-BE49-F238E27FC236}">
+                <a16:creationId xmlns:a16="http://schemas.microsoft.com/office/drawing/2014/main" id="{BCF91FA0-D648-426E-ACDF-BFD65998F11C}"/>
+              </a:ext>
+            </a:extLst>
+          </p:cNvPr>
+          <p:cNvPicPr>
+            <a:picLocks noGrp="1" noChangeAspect="1"/>
+          </p:cNvPicPr>
+          <p:nvPr>
+            <p:ph idx="1"/>
+          </p:nvPr>
+        </p:nvPicPr>
+        <p:blipFill>
+          <a:blip r:embed="rId2"/>
+          <a:stretch>
+            <a:fillRect/>
+          </a:stretch>
+        </p:blipFill>
+        <p:spPr>
+          <a:xfrm>
+            <a:off x="916988" y="1825625"/>
+            <a:ext cx="10358023" cy="4351338"/>
+          </a:xfrm>
+        </p:spPr>
+      </p:pic>
+    </p:spTree>
+    <p:extLst>
+      <p:ext uri="{BB962C8B-B14F-4D97-AF65-F5344CB8AC3E}">
+        <p14:creationId xmlns:p14="http://schemas.microsoft.com/office/powerpoint/2010/main" val="132758477"/>
+      </p:ext>
+    </p:extLst>
+  </p:cSld>
+  <p:clrMapOvr>
+    <a:masterClrMapping/>
+  </p:clrMapOvr>
+</p:sld>
+</file>
+
+<file path=ppt/slides/slide6.xml><?xml version="1.0" encoding="utf-8"?>
+<p:sld xmlns:a="http://schemas.openxmlformats.org/drawingml/2006/main" xmlns:r="http://schemas.openxmlformats.org/officeDocument/2006/relationships" xmlns:p="http://schemas.openxmlformats.org/presentationml/2006/main">
+  <p:cSld>
+    <p:spTree>
+      <p:nvGrpSpPr>
+        <p:cNvPr id="1" name=""/>
+        <p:cNvGrpSpPr/>
+        <p:nvPr/>
+      </p:nvGrpSpPr>
+      <p:grpSpPr>
+        <a:xfrm>
+          <a:off x="0" y="0"/>
+          <a:ext cx="0" cy="0"/>
+          <a:chOff x="0" y="0"/>
+          <a:chExt cx="0" cy="0"/>
+        </a:xfrm>
+      </p:grpSpPr>
+      <p:sp>
+        <p:nvSpPr>
+          <p:cNvPr id="2" name="Title 1">
+            <a:extLst>
+              <a:ext uri="{FF2B5EF4-FFF2-40B4-BE49-F238E27FC236}">
+                <a16:creationId xmlns:a16="http://schemas.microsoft.com/office/drawing/2014/main" id="{60475A01-FE26-4EA1-AA77-BF583204555B}"/>
+              </a:ext>
+            </a:extLst>
+          </p:cNvPr>
+          <p:cNvSpPr>
+            <a:spLocks noGrp="1"/>
+          </p:cNvSpPr>
+          <p:nvPr>
+            <p:ph type="title"/>
+          </p:nvPr>
+        </p:nvSpPr>
+        <p:spPr/>
+        <p:txBody>
+          <a:bodyPr/>
+          <a:lstStyle/>
+          <a:p>
+            <a:r>
+              <a:rPr lang="en-US" dirty="0"/>
+              <a:t>Code – calculateStatistics.py</a:t>
+            </a:r>
+          </a:p>
+        </p:txBody>
+      </p:sp>
+      <p:pic>
+        <p:nvPicPr>
+          <p:cNvPr id="5" name="Content Placeholder 4">
+            <a:extLst>
+              <a:ext uri="{FF2B5EF4-FFF2-40B4-BE49-F238E27FC236}">
+                <a16:creationId xmlns:a16="http://schemas.microsoft.com/office/drawing/2014/main" id="{FC720957-0375-41DD-867A-7E5FED377A22}"/>
+              </a:ext>
+            </a:extLst>
+          </p:cNvPr>
+          <p:cNvPicPr>
+            <a:picLocks noGrp="1" noChangeAspect="1"/>
+          </p:cNvPicPr>
+          <p:nvPr>
+            <p:ph idx="1"/>
+          </p:nvPr>
+        </p:nvPicPr>
+        <p:blipFill>
+          <a:blip r:embed="rId2"/>
+          <a:stretch>
+            <a:fillRect/>
+          </a:stretch>
+        </p:blipFill>
+        <p:spPr>
+          <a:xfrm>
+            <a:off x="677739" y="1765588"/>
+            <a:ext cx="5774994" cy="4351338"/>
+          </a:xfrm>
+        </p:spPr>
+      </p:pic>
+      <p:pic>
+        <p:nvPicPr>
+          <p:cNvPr id="7" name="Picture 6">
+            <a:extLst>
+              <a:ext uri="{FF2B5EF4-FFF2-40B4-BE49-F238E27FC236}">
+                <a16:creationId xmlns:a16="http://schemas.microsoft.com/office/drawing/2014/main" id="{A520A15A-5BCF-4EB8-AE80-76AA77790ECA}"/>
+              </a:ext>
+            </a:extLst>
+          </p:cNvPr>
+          <p:cNvPicPr>
+            <a:picLocks noChangeAspect="1"/>
+          </p:cNvPicPr>
+          <p:nvPr/>
+        </p:nvPicPr>
+        <p:blipFill>
+          <a:blip r:embed="rId3"/>
+          <a:stretch>
+            <a:fillRect/>
+          </a:stretch>
+        </p:blipFill>
+        <p:spPr>
+          <a:xfrm>
+            <a:off x="6737080" y="1765588"/>
+            <a:ext cx="4254193" cy="4466647"/>
+          </a:xfrm>
+          <a:prstGeom prst="rect">
+            <a:avLst/>
+          </a:prstGeom>
+        </p:spPr>
+      </p:pic>
+    </p:spTree>
+    <p:extLst>
+      <p:ext uri="{BB962C8B-B14F-4D97-AF65-F5344CB8AC3E}">
+        <p14:creationId xmlns:p14="http://schemas.microsoft.com/office/powerpoint/2010/main" val="4048216395"/>
+      </p:ext>
+    </p:extLst>
+  </p:cSld>
+  <p:clrMapOvr>
+    <a:masterClrMapping/>
+  </p:clrMapOvr>
+</p:sld>
+</file>
+
+<file path=ppt/slides/slide7.xml><?xml version="1.0" encoding="utf-8"?>
+<p:sld xmlns:a="http://schemas.openxmlformats.org/drawingml/2006/main" xmlns:r="http://schemas.openxmlformats.org/officeDocument/2006/relationships" xmlns:p="http://schemas.openxmlformats.org/presentationml/2006/main">
+  <p:cSld>
+    <p:spTree>
+      <p:nvGrpSpPr>
+        <p:cNvPr id="1" name=""/>
+        <p:cNvGrpSpPr/>
+        <p:nvPr/>
+      </p:nvGrpSpPr>
+      <p:grpSpPr>
+        <a:xfrm>
+          <a:off x="0" y="0"/>
+          <a:ext cx="0" cy="0"/>
+          <a:chOff x="0" y="0"/>
+          <a:chExt cx="0" cy="0"/>
+        </a:xfrm>
+      </p:grpSpPr>
+      <p:sp>
+        <p:nvSpPr>
+          <p:cNvPr id="2" name="Title 1">
+            <a:extLst>
+              <a:ext uri="{FF2B5EF4-FFF2-40B4-BE49-F238E27FC236}">
+                <a16:creationId xmlns:a16="http://schemas.microsoft.com/office/drawing/2014/main" id="{3CE09D47-F438-428E-A505-7E8AAFC84B8B}"/>
+              </a:ext>
+            </a:extLst>
+          </p:cNvPr>
+          <p:cNvSpPr>
+            <a:spLocks noGrp="1"/>
+          </p:cNvSpPr>
+          <p:nvPr>
+            <p:ph type="title"/>
+          </p:nvPr>
+        </p:nvSpPr>
+        <p:spPr/>
+        <p:txBody>
+          <a:bodyPr/>
+          <a:lstStyle/>
+          <a:p>
+            <a:r>
+              <a:rPr lang="en-US" dirty="0"/>
+              <a:t>Code – capAnalysis.py</a:t>
+            </a:r>
+          </a:p>
+        </p:txBody>
+      </p:sp>
+      <p:pic>
+        <p:nvPicPr>
+          <p:cNvPr id="5" name="Content Placeholder 4">
+            <a:extLst>
+              <a:ext uri="{FF2B5EF4-FFF2-40B4-BE49-F238E27FC236}">
+                <a16:creationId xmlns:a16="http://schemas.microsoft.com/office/drawing/2014/main" id="{90998B4B-AEB7-484D-A91B-65FEF8F931F5}"/>
+              </a:ext>
+            </a:extLst>
+          </p:cNvPr>
+          <p:cNvPicPr>
+            <a:picLocks noGrp="1" noChangeAspect="1"/>
+          </p:cNvPicPr>
+          <p:nvPr>
+            <p:ph idx="1"/>
+          </p:nvPr>
+        </p:nvPicPr>
+        <p:blipFill>
+          <a:blip r:embed="rId2"/>
+          <a:stretch>
+            <a:fillRect/>
+          </a:stretch>
+        </p:blipFill>
+        <p:spPr>
+          <a:xfrm>
+            <a:off x="837579" y="2058035"/>
+            <a:ext cx="5258421" cy="4588388"/>
+          </a:xfrm>
+        </p:spPr>
+      </p:pic>
+      <p:pic>
+        <p:nvPicPr>
+          <p:cNvPr id="7" name="Picture 6">
+            <a:extLst>
+              <a:ext uri="{FF2B5EF4-FFF2-40B4-BE49-F238E27FC236}">
+                <a16:creationId xmlns:a16="http://schemas.microsoft.com/office/drawing/2014/main" id="{0C3A150F-1D74-4E3B-B74E-EEDC7F0CC884}"/>
+              </a:ext>
+            </a:extLst>
+          </p:cNvPr>
+          <p:cNvPicPr>
+            <a:picLocks noChangeAspect="1"/>
+          </p:cNvPicPr>
+          <p:nvPr/>
+        </p:nvPicPr>
+        <p:blipFill>
+          <a:blip r:embed="rId3"/>
+          <a:stretch>
+            <a:fillRect/>
+          </a:stretch>
+        </p:blipFill>
+        <p:spPr>
+          <a:xfrm>
+            <a:off x="6610791" y="2058035"/>
+            <a:ext cx="4423011" cy="4588388"/>
+          </a:xfrm>
+          <a:prstGeom prst="rect">
+            <a:avLst/>
+          </a:prstGeom>
+        </p:spPr>
+      </p:pic>
+      <p:pic>
+        <p:nvPicPr>
+          <p:cNvPr id="9" name="Picture 8">
+            <a:extLst>
+              <a:ext uri="{FF2B5EF4-FFF2-40B4-BE49-F238E27FC236}">
+                <a16:creationId xmlns:a16="http://schemas.microsoft.com/office/drawing/2014/main" id="{4480FDA5-AA58-4F2A-BF6F-554EF9F6FE0D}"/>
+              </a:ext>
+            </a:extLst>
+          </p:cNvPr>
+          <p:cNvPicPr>
+            <a:picLocks noChangeAspect="1"/>
+          </p:cNvPicPr>
+          <p:nvPr/>
+        </p:nvPicPr>
+        <p:blipFill>
+          <a:blip r:embed="rId4"/>
+          <a:stretch>
+            <a:fillRect/>
+          </a:stretch>
+        </p:blipFill>
+        <p:spPr>
+          <a:xfrm>
+            <a:off x="6137088" y="365125"/>
+            <a:ext cx="4896714" cy="1477530"/>
+          </a:xfrm>
+          <a:prstGeom prst="rect">
+            <a:avLst/>
+          </a:prstGeom>
+        </p:spPr>
+      </p:pic>
+    </p:spTree>
+    <p:extLst>
+      <p:ext uri="{BB962C8B-B14F-4D97-AF65-F5344CB8AC3E}">
+        <p14:creationId xmlns:p14="http://schemas.microsoft.com/office/powerpoint/2010/main" val="965811102"/>
+      </p:ext>
+    </p:extLst>
+  </p:cSld>
+  <p:clrMapOvr>
+    <a:masterClrMapping/>
+  </p:clrMapOvr>
+</p:sld>
+</file>
+
+<file path=ppt/slides/slide8.xml><?xml version="1.0" encoding="utf-8"?>
+<p:sld xmlns:a="http://schemas.openxmlformats.org/drawingml/2006/main" xmlns:r="http://schemas.openxmlformats.org/officeDocument/2006/relationships" xmlns:p="http://schemas.openxmlformats.org/presentationml/2006/main">
+  <p:cSld>
+    <p:spTree>
+      <p:nvGrpSpPr>
+        <p:cNvPr id="1" name=""/>
+        <p:cNvGrpSpPr/>
+        <p:nvPr/>
+      </p:nvGrpSpPr>
+      <p:grpSpPr>
+        <a:xfrm>
+          <a:off x="0" y="0"/>
+          <a:ext cx="0" cy="0"/>
+          <a:chOff x="0" y="0"/>
+          <a:chExt cx="0" cy="0"/>
+        </a:xfrm>
+      </p:grpSpPr>
+      <p:sp>
+        <p:nvSpPr>
+          <p:cNvPr id="2" name="Title 1">
+            <a:extLst>
+              <a:ext uri="{FF2B5EF4-FFF2-40B4-BE49-F238E27FC236}">
                 <a16:creationId xmlns:a16="http://schemas.microsoft.com/office/drawing/2014/main" id="{F91C49CC-D9B7-4F36-BD3C-198F94B45345}"/>
               </a:ext>
             </a:extLst>
@@ -15540,7 +16872,7 @@
 </p:sld>
 </file>
 
-<file path=ppt/slides/slide5.xml><?xml version="1.0" encoding="utf-8"?>
+<file path=ppt/slides/slide9.xml><?xml version="1.0" encoding="utf-8"?>
 <p:sld xmlns:a="http://schemas.openxmlformats.org/drawingml/2006/main" xmlns:r="http://schemas.openxmlformats.org/officeDocument/2006/relationships" xmlns:p="http://schemas.openxmlformats.org/presentationml/2006/main">
   <p:cSld>
     <p:spTree>
@@ -15620,14 +16952,14 @@
               </a:spcAft>
             </a:pPr>
             <a:r>
-              <a:rPr lang="en-US" dirty="0">
+              <a:rPr lang="en-US" sz="2000" dirty="0">
                 <a:effectLst/>
                 <a:ea typeface="Calibri" panose="020F0502020204030204" pitchFamily="34" charset="0"/>
                 <a:cs typeface="Times New Roman" panose="02020603050405020304" pitchFamily="18" charset="0"/>
               </a:rPr>
               <a:t>Run Cassandra.</a:t>
             </a:r>
-            <a:endParaRPr lang="en-US" dirty="0">
+            <a:endParaRPr lang="en-US" sz="2000" dirty="0">
               <a:ea typeface="Calibri" panose="020F0502020204030204" pitchFamily="34" charset="0"/>
               <a:cs typeface="Times New Roman" panose="02020603050405020304" pitchFamily="18" charset="0"/>
             </a:endParaRPr>
@@ -15642,7 +16974,7 @@
               </a:spcBef>
             </a:pPr>
             <a:r>
-              <a:rPr lang="en-US" sz="2800" dirty="0">
+              <a:rPr lang="en-US" sz="2000" dirty="0">
                 <a:effectLst/>
                 <a:ea typeface="Calibri" panose="020F0502020204030204" pitchFamily="34" charset="0"/>
                 <a:cs typeface="Times New Roman" panose="02020603050405020304" pitchFamily="18" charset="0"/>
@@ -15650,7 +16982,7 @@
               <a:t>Start: </a:t>
             </a:r>
             <a:r>
-              <a:rPr lang="en-US" sz="2800" dirty="0" err="1">
+              <a:rPr lang="en-US" sz="2000" dirty="0" err="1">
                 <a:effectLst/>
                 <a:ea typeface="Calibri" panose="020F0502020204030204" pitchFamily="34" charset="0"/>
                 <a:cs typeface="Times New Roman" panose="02020603050405020304" pitchFamily="18" charset="0"/>
@@ -15658,7 +16990,7 @@
               <a:t>sudo</a:t>
             </a:r>
             <a:r>
-              <a:rPr lang="en-US" sz="2800" dirty="0">
+              <a:rPr lang="en-US" sz="2000" dirty="0">
                 <a:effectLst/>
                 <a:ea typeface="Calibri" panose="020F0502020204030204" pitchFamily="34" charset="0"/>
                 <a:cs typeface="Times New Roman" panose="02020603050405020304" pitchFamily="18" charset="0"/>
@@ -15666,7 +16998,7 @@
               <a:t> service </a:t>
             </a:r>
             <a:r>
-              <a:rPr lang="en-US" sz="2800" dirty="0" err="1">
+              <a:rPr lang="en-US" sz="2000" dirty="0" err="1">
                 <a:effectLst/>
                 <a:ea typeface="Calibri" panose="020F0502020204030204" pitchFamily="34" charset="0"/>
                 <a:cs typeface="Times New Roman" panose="02020603050405020304" pitchFamily="18" charset="0"/>
@@ -15674,7 +17006,7 @@
               <a:t>cassandra</a:t>
             </a:r>
             <a:r>
-              <a:rPr lang="en-US" sz="2800" dirty="0">
+              <a:rPr lang="en-US" sz="2000" dirty="0">
                 <a:effectLst/>
                 <a:ea typeface="Calibri" panose="020F0502020204030204" pitchFamily="34" charset="0"/>
                 <a:cs typeface="Times New Roman" panose="02020603050405020304" pitchFamily="18" charset="0"/>
@@ -15692,7 +17024,7 @@
               </a:spcBef>
             </a:pPr>
             <a:r>
-              <a:rPr lang="en-US" sz="2800" dirty="0">
+              <a:rPr lang="en-US" sz="2000" dirty="0">
                 <a:effectLst/>
                 <a:ea typeface="Calibri" panose="020F0502020204030204" pitchFamily="34" charset="0"/>
                 <a:cs typeface="Times New Roman" panose="02020603050405020304" pitchFamily="18" charset="0"/>
@@ -15700,7 +17032,7 @@
               <a:t>Check status: </a:t>
             </a:r>
             <a:r>
-              <a:rPr lang="en-US" sz="2800" dirty="0" err="1">
+              <a:rPr lang="en-US" sz="2000" dirty="0" err="1">
                 <a:effectLst/>
                 <a:ea typeface="Calibri" panose="020F0502020204030204" pitchFamily="34" charset="0"/>
                 <a:cs typeface="Times New Roman" panose="02020603050405020304" pitchFamily="18" charset="0"/>
@@ -15708,7 +17040,7 @@
               <a:t>sudo</a:t>
             </a:r>
             <a:r>
-              <a:rPr lang="en-US" sz="2800" dirty="0">
+              <a:rPr lang="en-US" sz="2000" dirty="0">
                 <a:effectLst/>
                 <a:ea typeface="Calibri" panose="020F0502020204030204" pitchFamily="34" charset="0"/>
                 <a:cs typeface="Times New Roman" panose="02020603050405020304" pitchFamily="18" charset="0"/>
@@ -15716,7 +17048,7 @@
               <a:t> service </a:t>
             </a:r>
             <a:r>
-              <a:rPr lang="en-US" sz="2800" dirty="0" err="1">
+              <a:rPr lang="en-US" sz="2000" dirty="0" err="1">
                 <a:effectLst/>
                 <a:ea typeface="Calibri" panose="020F0502020204030204" pitchFamily="34" charset="0"/>
                 <a:cs typeface="Times New Roman" panose="02020603050405020304" pitchFamily="18" charset="0"/>
@@ -15724,7 +17056,7 @@
               <a:t>cassandra</a:t>
             </a:r>
             <a:r>
-              <a:rPr lang="en-US" sz="2800" dirty="0">
+              <a:rPr lang="en-US" sz="2000" dirty="0">
                 <a:effectLst/>
                 <a:ea typeface="Calibri" panose="020F0502020204030204" pitchFamily="34" charset="0"/>
                 <a:cs typeface="Times New Roman" panose="02020603050405020304" pitchFamily="18" charset="0"/>
@@ -15742,7 +17074,7 @@
               </a:spcBef>
             </a:pPr>
             <a:r>
-              <a:rPr lang="en-US" sz="2800" dirty="0">
+              <a:rPr lang="en-US" sz="2000" dirty="0">
                 <a:effectLst/>
                 <a:ea typeface="Calibri" panose="020F0502020204030204" pitchFamily="34" charset="0"/>
                 <a:cs typeface="Times New Roman" panose="02020603050405020304" pitchFamily="18" charset="0"/>
@@ -15750,7 +17082,7 @@
               <a:t>Stop: </a:t>
             </a:r>
             <a:r>
-              <a:rPr lang="en-US" sz="2800" dirty="0" err="1">
+              <a:rPr lang="en-US" sz="2000" dirty="0" err="1">
                 <a:effectLst/>
                 <a:ea typeface="Calibri" panose="020F0502020204030204" pitchFamily="34" charset="0"/>
                 <a:cs typeface="Times New Roman" panose="02020603050405020304" pitchFamily="18" charset="0"/>
@@ -15758,7 +17090,7 @@
               <a:t>sudo</a:t>
             </a:r>
             <a:r>
-              <a:rPr lang="en-US" sz="2800" dirty="0">
+              <a:rPr lang="en-US" sz="2000" dirty="0">
                 <a:effectLst/>
                 <a:ea typeface="Calibri" panose="020F0502020204030204" pitchFamily="34" charset="0"/>
                 <a:cs typeface="Times New Roman" panose="02020603050405020304" pitchFamily="18" charset="0"/>
@@ -15766,7 +17098,7 @@
               <a:t> service </a:t>
             </a:r>
             <a:r>
-              <a:rPr lang="en-US" sz="2800" dirty="0" err="1">
+              <a:rPr lang="en-US" sz="2000" dirty="0" err="1">
                 <a:effectLst/>
                 <a:ea typeface="Calibri" panose="020F0502020204030204" pitchFamily="34" charset="0"/>
                 <a:cs typeface="Times New Roman" panose="02020603050405020304" pitchFamily="18" charset="0"/>
@@ -15774,7 +17106,7 @@
               <a:t>cassandra</a:t>
             </a:r>
             <a:r>
-              <a:rPr lang="en-US" sz="2800" dirty="0">
+              <a:rPr lang="en-US" sz="2000" dirty="0">
                 <a:effectLst/>
                 <a:ea typeface="Calibri" panose="020F0502020204030204" pitchFamily="34" charset="0"/>
                 <a:cs typeface="Times New Roman" panose="02020603050405020304" pitchFamily="18" charset="0"/>
@@ -15795,7 +17127,7 @@
               </a:spcAft>
             </a:pPr>
             <a:r>
-              <a:rPr lang="en-US" sz="2800" dirty="0">
+              <a:rPr lang="en-US" sz="2000" dirty="0">
                 <a:effectLst/>
                 <a:ea typeface="Calibri" panose="020F0502020204030204" pitchFamily="34" charset="0"/>
                 <a:cs typeface="Times New Roman" panose="02020603050405020304" pitchFamily="18" charset="0"/>
@@ -15805,932 +17137,40 @@
           </a:p>
         </p:txBody>
       </p:sp>
+      <p:pic>
+        <p:nvPicPr>
+          <p:cNvPr id="5" name="Picture 4">
+            <a:extLst>
+              <a:ext uri="{FF2B5EF4-FFF2-40B4-BE49-F238E27FC236}">
+                <a16:creationId xmlns:a16="http://schemas.microsoft.com/office/drawing/2014/main" id="{077C70A1-6407-4D87-93B7-D1CDFA3D938B}"/>
+              </a:ext>
+            </a:extLst>
+          </p:cNvPr>
+          <p:cNvPicPr>
+            <a:picLocks noChangeAspect="1"/>
+          </p:cNvPicPr>
+          <p:nvPr/>
+        </p:nvPicPr>
+        <p:blipFill>
+          <a:blip r:embed="rId2"/>
+          <a:stretch>
+            <a:fillRect/>
+          </a:stretch>
+        </p:blipFill>
+        <p:spPr>
+          <a:xfrm>
+            <a:off x="932873" y="4001293"/>
+            <a:ext cx="9954761" cy="2491581"/>
+          </a:xfrm>
+          <a:prstGeom prst="rect">
+            <a:avLst/>
+          </a:prstGeom>
+        </p:spPr>
+      </p:pic>
     </p:spTree>
     <p:extLst>
       <p:ext uri="{BB962C8B-B14F-4D97-AF65-F5344CB8AC3E}">
         <p14:creationId xmlns:p14="http://schemas.microsoft.com/office/powerpoint/2010/main" val="2528949093"/>
-      </p:ext>
-    </p:extLst>
-  </p:cSld>
-  <p:clrMapOvr>
-    <a:masterClrMapping/>
-  </p:clrMapOvr>
-</p:sld>
-</file>
-
-<file path=ppt/slides/slide6.xml><?xml version="1.0" encoding="utf-8"?>
-<p:sld xmlns:a="http://schemas.openxmlformats.org/drawingml/2006/main" xmlns:r="http://schemas.openxmlformats.org/officeDocument/2006/relationships" xmlns:p="http://schemas.openxmlformats.org/presentationml/2006/main">
-  <p:cSld>
-    <p:spTree>
-      <p:nvGrpSpPr>
-        <p:cNvPr id="1" name=""/>
-        <p:cNvGrpSpPr/>
-        <p:nvPr/>
-      </p:nvGrpSpPr>
-      <p:grpSpPr>
-        <a:xfrm>
-          <a:off x="0" y="0"/>
-          <a:ext cx="0" cy="0"/>
-          <a:chOff x="0" y="0"/>
-          <a:chExt cx="0" cy="0"/>
-        </a:xfrm>
-      </p:grpSpPr>
-      <p:sp>
-        <p:nvSpPr>
-          <p:cNvPr id="2" name="Title 1">
-            <a:extLst>
-              <a:ext uri="{FF2B5EF4-FFF2-40B4-BE49-F238E27FC236}">
-                <a16:creationId xmlns:a16="http://schemas.microsoft.com/office/drawing/2014/main" id="{86569670-0FA0-416C-ADF5-88DB89773AAF}"/>
-              </a:ext>
-            </a:extLst>
-          </p:cNvPr>
-          <p:cNvSpPr>
-            <a:spLocks noGrp="1"/>
-          </p:cNvSpPr>
-          <p:nvPr>
-            <p:ph type="title"/>
-          </p:nvPr>
-        </p:nvSpPr>
-        <p:spPr/>
-        <p:txBody>
-          <a:bodyPr/>
-          <a:lstStyle/>
-          <a:p>
-            <a:r>
-              <a:rPr lang="en-US" dirty="0"/>
-              <a:t>Setup</a:t>
-            </a:r>
-          </a:p>
-        </p:txBody>
-      </p:sp>
-      <p:sp>
-        <p:nvSpPr>
-          <p:cNvPr id="3" name="Content Placeholder 2">
-            <a:extLst>
-              <a:ext uri="{FF2B5EF4-FFF2-40B4-BE49-F238E27FC236}">
-                <a16:creationId xmlns:a16="http://schemas.microsoft.com/office/drawing/2014/main" id="{904078A0-FD0A-48E3-BD84-8AED20FF4862}"/>
-              </a:ext>
-            </a:extLst>
-          </p:cNvPr>
-          <p:cNvSpPr>
-            <a:spLocks noGrp="1"/>
-          </p:cNvSpPr>
-          <p:nvPr>
-            <p:ph idx="1"/>
-          </p:nvPr>
-        </p:nvSpPr>
-        <p:spPr/>
-        <p:txBody>
-          <a:bodyPr>
-            <a:normAutofit/>
-          </a:bodyPr>
-          <a:lstStyle/>
-          <a:p>
-            <a:pPr>
-              <a:lnSpc>
-                <a:spcPct val="107000"/>
-              </a:lnSpc>
-              <a:spcBef>
-                <a:spcPts val="0"/>
-              </a:spcBef>
-            </a:pPr>
-            <a:r>
-              <a:rPr lang="en-US" sz="2400" dirty="0">
-                <a:effectLst/>
-                <a:latin typeface="Calibri" panose="020F0502020204030204" pitchFamily="34" charset="0"/>
-                <a:ea typeface="Calibri" panose="020F0502020204030204" pitchFamily="34" charset="0"/>
-                <a:cs typeface="Times New Roman" panose="02020603050405020304" pitchFamily="18" charset="0"/>
-              </a:rPr>
-              <a:t>Create </a:t>
-            </a:r>
-            <a:r>
-              <a:rPr lang="en-US" sz="2400" dirty="0" err="1">
-                <a:effectLst/>
-                <a:latin typeface="Calibri" panose="020F0502020204030204" pitchFamily="34" charset="0"/>
-                <a:ea typeface="Calibri" panose="020F0502020204030204" pitchFamily="34" charset="0"/>
-                <a:cs typeface="Times New Roman" panose="02020603050405020304" pitchFamily="18" charset="0"/>
-              </a:rPr>
-              <a:t>keyspace</a:t>
-            </a:r>
-            <a:r>
-              <a:rPr lang="en-US" sz="2400" dirty="0">
-                <a:effectLst/>
-                <a:latin typeface="Calibri" panose="020F0502020204030204" pitchFamily="34" charset="0"/>
-                <a:ea typeface="Calibri" panose="020F0502020204030204" pitchFamily="34" charset="0"/>
-                <a:cs typeface="Times New Roman" panose="02020603050405020304" pitchFamily="18" charset="0"/>
-              </a:rPr>
-              <a:t> and table.</a:t>
-            </a:r>
-          </a:p>
-          <a:p>
-            <a:pPr lvl="1">
-              <a:lnSpc>
-                <a:spcPct val="107000"/>
-              </a:lnSpc>
-              <a:spcBef>
-                <a:spcPts val="0"/>
-              </a:spcBef>
-            </a:pPr>
-            <a:r>
-              <a:rPr lang="en-US" dirty="0">
-                <a:effectLst/>
-                <a:latin typeface="Calibri" panose="020F0502020204030204" pitchFamily="34" charset="0"/>
-                <a:ea typeface="Calibri" panose="020F0502020204030204" pitchFamily="34" charset="0"/>
-                <a:cs typeface="Times New Roman" panose="02020603050405020304" pitchFamily="18" charset="0"/>
-              </a:rPr>
-              <a:t>Open Cassandra terminal: </a:t>
-            </a:r>
-            <a:r>
-              <a:rPr lang="en-US" dirty="0" err="1">
-                <a:effectLst/>
-                <a:latin typeface="Calibri" panose="020F0502020204030204" pitchFamily="34" charset="0"/>
-                <a:ea typeface="Calibri" panose="020F0502020204030204" pitchFamily="34" charset="0"/>
-                <a:cs typeface="Times New Roman" panose="02020603050405020304" pitchFamily="18" charset="0"/>
-              </a:rPr>
-              <a:t>cqlsh</a:t>
-            </a:r>
-            <a:endParaRPr lang="en-US" dirty="0">
-              <a:effectLst/>
-              <a:latin typeface="Calibri" panose="020F0502020204030204" pitchFamily="34" charset="0"/>
-              <a:ea typeface="Calibri" panose="020F0502020204030204" pitchFamily="34" charset="0"/>
-              <a:cs typeface="Times New Roman" panose="02020603050405020304" pitchFamily="18" charset="0"/>
-            </a:endParaRPr>
-          </a:p>
-          <a:p>
-            <a:pPr lvl="1">
-              <a:lnSpc>
-                <a:spcPct val="107000"/>
-              </a:lnSpc>
-              <a:spcBef>
-                <a:spcPts val="0"/>
-              </a:spcBef>
-            </a:pPr>
-            <a:r>
-              <a:rPr lang="en-US" dirty="0">
-                <a:effectLst/>
-                <a:latin typeface="Calibri" panose="020F0502020204030204" pitchFamily="34" charset="0"/>
-                <a:ea typeface="Calibri" panose="020F0502020204030204" pitchFamily="34" charset="0"/>
-                <a:cs typeface="Times New Roman" panose="02020603050405020304" pitchFamily="18" charset="0"/>
-              </a:rPr>
-              <a:t>Create </a:t>
-            </a:r>
-            <a:r>
-              <a:rPr lang="en-US" dirty="0" err="1">
-                <a:effectLst/>
-                <a:latin typeface="Calibri" panose="020F0502020204030204" pitchFamily="34" charset="0"/>
-                <a:ea typeface="Calibri" panose="020F0502020204030204" pitchFamily="34" charset="0"/>
-                <a:cs typeface="Times New Roman" panose="02020603050405020304" pitchFamily="18" charset="0"/>
-              </a:rPr>
-              <a:t>keyspace</a:t>
-            </a:r>
-            <a:r>
-              <a:rPr lang="en-US" dirty="0">
-                <a:effectLst/>
-                <a:latin typeface="Calibri" panose="020F0502020204030204" pitchFamily="34" charset="0"/>
-                <a:ea typeface="Calibri" panose="020F0502020204030204" pitchFamily="34" charset="0"/>
-                <a:cs typeface="Times New Roman" panose="02020603050405020304" pitchFamily="18" charset="0"/>
-              </a:rPr>
-              <a:t> (kind of like a schema): Create </a:t>
-            </a:r>
-            <a:r>
-              <a:rPr lang="en-US" dirty="0" err="1">
-                <a:effectLst/>
-                <a:latin typeface="Calibri" panose="020F0502020204030204" pitchFamily="34" charset="0"/>
-                <a:ea typeface="Calibri" panose="020F0502020204030204" pitchFamily="34" charset="0"/>
-                <a:cs typeface="Times New Roman" panose="02020603050405020304" pitchFamily="18" charset="0"/>
-              </a:rPr>
-              <a:t>KeySpace</a:t>
-            </a:r>
-            <a:r>
-              <a:rPr lang="en-US" dirty="0">
-                <a:effectLst/>
-                <a:latin typeface="Calibri" panose="020F0502020204030204" pitchFamily="34" charset="0"/>
-                <a:ea typeface="Calibri" panose="020F0502020204030204" pitchFamily="34" charset="0"/>
-                <a:cs typeface="Times New Roman" panose="02020603050405020304" pitchFamily="18" charset="0"/>
-              </a:rPr>
-              <a:t> {{</a:t>
-            </a:r>
-            <a:r>
-              <a:rPr lang="en-US" dirty="0" err="1">
-                <a:effectLst/>
-                <a:latin typeface="Calibri" panose="020F0502020204030204" pitchFamily="34" charset="0"/>
-                <a:ea typeface="Calibri" panose="020F0502020204030204" pitchFamily="34" charset="0"/>
-                <a:cs typeface="Times New Roman" panose="02020603050405020304" pitchFamily="18" charset="0"/>
-              </a:rPr>
-              <a:t>keyspace</a:t>
-            </a:r>
-            <a:r>
-              <a:rPr lang="en-US" dirty="0">
-                <a:effectLst/>
-                <a:latin typeface="Calibri" panose="020F0502020204030204" pitchFamily="34" charset="0"/>
-                <a:ea typeface="Calibri" panose="020F0502020204030204" pitchFamily="34" charset="0"/>
-                <a:cs typeface="Times New Roman" panose="02020603050405020304" pitchFamily="18" charset="0"/>
-              </a:rPr>
-              <a:t> name (e. g. cs6381finalprojectks1)}} with replication = {‘class’: ‘</a:t>
-            </a:r>
-            <a:r>
-              <a:rPr lang="en-US" dirty="0" err="1">
-                <a:effectLst/>
-                <a:latin typeface="Calibri" panose="020F0502020204030204" pitchFamily="34" charset="0"/>
-                <a:ea typeface="Calibri" panose="020F0502020204030204" pitchFamily="34" charset="0"/>
-                <a:cs typeface="Times New Roman" panose="02020603050405020304" pitchFamily="18" charset="0"/>
-              </a:rPr>
-              <a:t>SimpleStrategy</a:t>
-            </a:r>
-            <a:r>
-              <a:rPr lang="en-US" dirty="0">
-                <a:effectLst/>
-                <a:latin typeface="Calibri" panose="020F0502020204030204" pitchFamily="34" charset="0"/>
-                <a:ea typeface="Calibri" panose="020F0502020204030204" pitchFamily="34" charset="0"/>
-                <a:cs typeface="Times New Roman" panose="02020603050405020304" pitchFamily="18" charset="0"/>
-              </a:rPr>
-              <a:t>’, ‘</a:t>
-            </a:r>
-            <a:r>
-              <a:rPr lang="en-US" dirty="0" err="1">
-                <a:effectLst/>
-                <a:latin typeface="Calibri" panose="020F0502020204030204" pitchFamily="34" charset="0"/>
-                <a:ea typeface="Calibri" panose="020F0502020204030204" pitchFamily="34" charset="0"/>
-                <a:cs typeface="Times New Roman" panose="02020603050405020304" pitchFamily="18" charset="0"/>
-              </a:rPr>
-              <a:t>replication_factor</a:t>
-            </a:r>
-            <a:r>
-              <a:rPr lang="en-US" dirty="0">
-                <a:effectLst/>
-                <a:latin typeface="Calibri" panose="020F0502020204030204" pitchFamily="34" charset="0"/>
-                <a:ea typeface="Calibri" panose="020F0502020204030204" pitchFamily="34" charset="0"/>
-                <a:cs typeface="Times New Roman" panose="02020603050405020304" pitchFamily="18" charset="0"/>
-              </a:rPr>
-              <a:t>’: 3};</a:t>
-            </a:r>
-          </a:p>
-          <a:p>
-            <a:pPr lvl="1">
-              <a:lnSpc>
-                <a:spcPct val="107000"/>
-              </a:lnSpc>
-              <a:spcBef>
-                <a:spcPts val="0"/>
-              </a:spcBef>
-            </a:pPr>
-            <a:r>
-              <a:rPr lang="en-US" dirty="0">
-                <a:effectLst/>
-                <a:latin typeface="Calibri" panose="020F0502020204030204" pitchFamily="34" charset="0"/>
-                <a:ea typeface="Calibri" panose="020F0502020204030204" pitchFamily="34" charset="0"/>
-                <a:cs typeface="Times New Roman" panose="02020603050405020304" pitchFamily="18" charset="0"/>
-              </a:rPr>
-              <a:t>Show all </a:t>
-            </a:r>
-            <a:r>
-              <a:rPr lang="en-US" dirty="0" err="1">
-                <a:effectLst/>
-                <a:latin typeface="Calibri" panose="020F0502020204030204" pitchFamily="34" charset="0"/>
-                <a:ea typeface="Calibri" panose="020F0502020204030204" pitchFamily="34" charset="0"/>
-                <a:cs typeface="Times New Roman" panose="02020603050405020304" pitchFamily="18" charset="0"/>
-              </a:rPr>
-              <a:t>keyspaces</a:t>
-            </a:r>
-            <a:r>
-              <a:rPr lang="en-US" dirty="0">
-                <a:effectLst/>
-                <a:latin typeface="Calibri" panose="020F0502020204030204" pitchFamily="34" charset="0"/>
-                <a:ea typeface="Calibri" panose="020F0502020204030204" pitchFamily="34" charset="0"/>
-                <a:cs typeface="Times New Roman" panose="02020603050405020304" pitchFamily="18" charset="0"/>
-              </a:rPr>
-              <a:t>: SELECT * FROM </a:t>
-            </a:r>
-            <a:r>
-              <a:rPr lang="en-US" dirty="0" err="1">
-                <a:effectLst/>
-                <a:latin typeface="Calibri" panose="020F0502020204030204" pitchFamily="34" charset="0"/>
-                <a:ea typeface="Calibri" panose="020F0502020204030204" pitchFamily="34" charset="0"/>
-                <a:cs typeface="Times New Roman" panose="02020603050405020304" pitchFamily="18" charset="0"/>
-              </a:rPr>
-              <a:t>system_schema.keyspaces</a:t>
-            </a:r>
-            <a:r>
-              <a:rPr lang="en-US" dirty="0">
-                <a:effectLst/>
-                <a:latin typeface="Calibri" panose="020F0502020204030204" pitchFamily="34" charset="0"/>
-                <a:ea typeface="Calibri" panose="020F0502020204030204" pitchFamily="34" charset="0"/>
-                <a:cs typeface="Times New Roman" panose="02020603050405020304" pitchFamily="18" charset="0"/>
-              </a:rPr>
-              <a:t>;</a:t>
-            </a:r>
-          </a:p>
-          <a:p>
-            <a:pPr lvl="1">
-              <a:lnSpc>
-                <a:spcPct val="107000"/>
-              </a:lnSpc>
-              <a:spcBef>
-                <a:spcPts val="0"/>
-              </a:spcBef>
-            </a:pPr>
-            <a:r>
-              <a:rPr lang="en-US" dirty="0">
-                <a:effectLst/>
-                <a:latin typeface="Calibri" panose="020F0502020204030204" pitchFamily="34" charset="0"/>
-                <a:ea typeface="Calibri" panose="020F0502020204030204" pitchFamily="34" charset="0"/>
-                <a:cs typeface="Times New Roman" panose="02020603050405020304" pitchFamily="18" charset="0"/>
-              </a:rPr>
-              <a:t>Select </a:t>
-            </a:r>
-            <a:r>
-              <a:rPr lang="en-US" dirty="0" err="1">
-                <a:effectLst/>
-                <a:latin typeface="Calibri" panose="020F0502020204030204" pitchFamily="34" charset="0"/>
-                <a:ea typeface="Calibri" panose="020F0502020204030204" pitchFamily="34" charset="0"/>
-                <a:cs typeface="Times New Roman" panose="02020603050405020304" pitchFamily="18" charset="0"/>
-              </a:rPr>
-              <a:t>keyspace</a:t>
-            </a:r>
-            <a:r>
-              <a:rPr lang="en-US" dirty="0">
-                <a:effectLst/>
-                <a:latin typeface="Calibri" panose="020F0502020204030204" pitchFamily="34" charset="0"/>
-                <a:ea typeface="Calibri" panose="020F0502020204030204" pitchFamily="34" charset="0"/>
-                <a:cs typeface="Times New Roman" panose="02020603050405020304" pitchFamily="18" charset="0"/>
-              </a:rPr>
-              <a:t>: use {{your </a:t>
-            </a:r>
-            <a:r>
-              <a:rPr lang="en-US" dirty="0" err="1">
-                <a:effectLst/>
-                <a:latin typeface="Calibri" panose="020F0502020204030204" pitchFamily="34" charset="0"/>
-                <a:ea typeface="Calibri" panose="020F0502020204030204" pitchFamily="34" charset="0"/>
-                <a:cs typeface="Times New Roman" panose="02020603050405020304" pitchFamily="18" charset="0"/>
-              </a:rPr>
-              <a:t>keyspace</a:t>
-            </a:r>
-            <a:r>
-              <a:rPr lang="en-US" dirty="0">
-                <a:effectLst/>
-                <a:latin typeface="Calibri" panose="020F0502020204030204" pitchFamily="34" charset="0"/>
-                <a:ea typeface="Calibri" panose="020F0502020204030204" pitchFamily="34" charset="0"/>
-                <a:cs typeface="Times New Roman" panose="02020603050405020304" pitchFamily="18" charset="0"/>
-              </a:rPr>
-              <a:t> name}}</a:t>
-            </a:r>
-          </a:p>
-          <a:p>
-            <a:pPr lvl="1">
-              <a:lnSpc>
-                <a:spcPct val="107000"/>
-              </a:lnSpc>
-              <a:spcBef>
-                <a:spcPts val="0"/>
-              </a:spcBef>
-            </a:pPr>
-            <a:r>
-              <a:rPr lang="en-US" dirty="0">
-                <a:effectLst/>
-                <a:latin typeface="Calibri" panose="020F0502020204030204" pitchFamily="34" charset="0"/>
-                <a:ea typeface="Calibri" panose="020F0502020204030204" pitchFamily="34" charset="0"/>
-                <a:cs typeface="Times New Roman" panose="02020603050405020304" pitchFamily="18" charset="0"/>
-              </a:rPr>
-              <a:t>Create table: Create Table table1(id </a:t>
-            </a:r>
-            <a:r>
-              <a:rPr lang="en-US" dirty="0" err="1">
-                <a:effectLst/>
-                <a:latin typeface="Calibri" panose="020F0502020204030204" pitchFamily="34" charset="0"/>
-                <a:ea typeface="Calibri" panose="020F0502020204030204" pitchFamily="34" charset="0"/>
-                <a:cs typeface="Times New Roman" panose="02020603050405020304" pitchFamily="18" charset="0"/>
-              </a:rPr>
-              <a:t>uuid</a:t>
-            </a:r>
-            <a:r>
-              <a:rPr lang="en-US" dirty="0">
-                <a:effectLst/>
-                <a:latin typeface="Calibri" panose="020F0502020204030204" pitchFamily="34" charset="0"/>
-                <a:ea typeface="Calibri" panose="020F0502020204030204" pitchFamily="34" charset="0"/>
-                <a:cs typeface="Times New Roman" panose="02020603050405020304" pitchFamily="18" charset="0"/>
-              </a:rPr>
-              <a:t> Primary Key, message text);</a:t>
-            </a:r>
-          </a:p>
-          <a:p>
-            <a:pPr lvl="1">
-              <a:lnSpc>
-                <a:spcPct val="107000"/>
-              </a:lnSpc>
-              <a:spcBef>
-                <a:spcPts val="0"/>
-              </a:spcBef>
-              <a:spcAft>
-                <a:spcPts val="800"/>
-              </a:spcAft>
-            </a:pPr>
-            <a:r>
-              <a:rPr lang="en-US" dirty="0">
-                <a:effectLst/>
-                <a:latin typeface="Calibri" panose="020F0502020204030204" pitchFamily="34" charset="0"/>
-                <a:ea typeface="Calibri" panose="020F0502020204030204" pitchFamily="34" charset="0"/>
-                <a:cs typeface="Times New Roman" panose="02020603050405020304" pitchFamily="18" charset="0"/>
-              </a:rPr>
-              <a:t>Drop table: drop table {{table name (e. g. table1}}</a:t>
-            </a:r>
-          </a:p>
-        </p:txBody>
-      </p:sp>
-    </p:spTree>
-    <p:extLst>
-      <p:ext uri="{BB962C8B-B14F-4D97-AF65-F5344CB8AC3E}">
-        <p14:creationId xmlns:p14="http://schemas.microsoft.com/office/powerpoint/2010/main" val="852422334"/>
-      </p:ext>
-    </p:extLst>
-  </p:cSld>
-  <p:clrMapOvr>
-    <a:masterClrMapping/>
-  </p:clrMapOvr>
-</p:sld>
-</file>
-
-<file path=ppt/slides/slide7.xml><?xml version="1.0" encoding="utf-8"?>
-<p:sld xmlns:a="http://schemas.openxmlformats.org/drawingml/2006/main" xmlns:r="http://schemas.openxmlformats.org/officeDocument/2006/relationships" xmlns:p="http://schemas.openxmlformats.org/presentationml/2006/main">
-  <p:cSld>
-    <p:spTree>
-      <p:nvGrpSpPr>
-        <p:cNvPr id="1" name=""/>
-        <p:cNvGrpSpPr/>
-        <p:nvPr/>
-      </p:nvGrpSpPr>
-      <p:grpSpPr>
-        <a:xfrm>
-          <a:off x="0" y="0"/>
-          <a:ext cx="0" cy="0"/>
-          <a:chOff x="0" y="0"/>
-          <a:chExt cx="0" cy="0"/>
-        </a:xfrm>
-      </p:grpSpPr>
-      <p:sp>
-        <p:nvSpPr>
-          <p:cNvPr id="2" name="Title 1">
-            <a:extLst>
-              <a:ext uri="{FF2B5EF4-FFF2-40B4-BE49-F238E27FC236}">
-                <a16:creationId xmlns:a16="http://schemas.microsoft.com/office/drawing/2014/main" id="{710A0A31-290F-4D4B-B33D-515EBCB59B1B}"/>
-              </a:ext>
-            </a:extLst>
-          </p:cNvPr>
-          <p:cNvSpPr>
-            <a:spLocks noGrp="1"/>
-          </p:cNvSpPr>
-          <p:nvPr>
-            <p:ph type="title"/>
-          </p:nvPr>
-        </p:nvSpPr>
-        <p:spPr/>
-        <p:txBody>
-          <a:bodyPr/>
-          <a:lstStyle/>
-          <a:p>
-            <a:r>
-              <a:rPr lang="en-US" dirty="0"/>
-              <a:t>Run Code to Get Time Differences CSV Data</a:t>
-            </a:r>
-          </a:p>
-        </p:txBody>
-      </p:sp>
-      <p:sp>
-        <p:nvSpPr>
-          <p:cNvPr id="3" name="Content Placeholder 2">
-            <a:extLst>
-              <a:ext uri="{FF2B5EF4-FFF2-40B4-BE49-F238E27FC236}">
-                <a16:creationId xmlns:a16="http://schemas.microsoft.com/office/drawing/2014/main" id="{0D568473-AFA6-4130-AE26-3AB7A66153DD}"/>
-              </a:ext>
-            </a:extLst>
-          </p:cNvPr>
-          <p:cNvSpPr>
-            <a:spLocks noGrp="1"/>
-          </p:cNvSpPr>
-          <p:nvPr>
-            <p:ph idx="1"/>
-          </p:nvPr>
-        </p:nvSpPr>
-        <p:spPr/>
-        <p:txBody>
-          <a:bodyPr>
-            <a:noAutofit/>
-          </a:bodyPr>
-          <a:lstStyle/>
-          <a:p>
-            <a:r>
-              <a:rPr lang="en-US" sz="1800" dirty="0">
-                <a:cs typeface="Arial" panose="020B0604020202020204" pitchFamily="34" charset="0"/>
-              </a:rPr>
-              <a:t>Automatically</a:t>
-            </a:r>
-          </a:p>
-          <a:p>
-            <a:pPr lvl="1"/>
-            <a:r>
-              <a:rPr lang="en-US" sz="1800" dirty="0">
-                <a:effectLst/>
-                <a:ea typeface="Calibri" panose="020F0502020204030204" pitchFamily="34" charset="0"/>
-                <a:cs typeface="Arial" panose="020B0604020202020204" pitchFamily="34" charset="0"/>
-              </a:rPr>
-              <a:t>Navigate to the tests folder</a:t>
-            </a:r>
-          </a:p>
-          <a:p>
-            <a:pPr lvl="1"/>
-            <a:r>
-              <a:rPr lang="en-US" sz="1800" dirty="0">
-                <a:ea typeface="Calibri" panose="020F0502020204030204" pitchFamily="34" charset="0"/>
-                <a:cs typeface="Arial" panose="020B0604020202020204" pitchFamily="34" charset="0"/>
-              </a:rPr>
-              <a:t>R</a:t>
-            </a:r>
-            <a:r>
-              <a:rPr lang="en-US" sz="1800" dirty="0">
-                <a:effectLst/>
-                <a:ea typeface="Calibri" panose="020F0502020204030204" pitchFamily="34" charset="0"/>
-                <a:cs typeface="Arial" panose="020B0604020202020204" pitchFamily="34" charset="0"/>
-              </a:rPr>
-              <a:t>un a test using “./{{test name}}” (e. g. “./all.sh”).</a:t>
-            </a:r>
-          </a:p>
-          <a:p>
-            <a:r>
-              <a:rPr lang="en-US" sz="1800" dirty="0">
-                <a:cs typeface="Arial" panose="020B0604020202020204" pitchFamily="34" charset="0"/>
-              </a:rPr>
-              <a:t>Manually</a:t>
-            </a:r>
-          </a:p>
-          <a:p>
-            <a:pPr lvl="1">
-              <a:lnSpc>
-                <a:spcPct val="107000"/>
-              </a:lnSpc>
-              <a:spcBef>
-                <a:spcPts val="0"/>
-              </a:spcBef>
-            </a:pPr>
-            <a:r>
-              <a:rPr lang="en-US" sz="1800" dirty="0">
-                <a:effectLst/>
-                <a:ea typeface="Calibri" panose="020F0502020204030204" pitchFamily="34" charset="0"/>
-                <a:cs typeface="Times New Roman" panose="02020603050405020304" pitchFamily="18" charset="0"/>
-              </a:rPr>
-              <a:t>Navigate to Code folder and run python3 cassandraRW.py accordingly to run writers/readers.</a:t>
-            </a:r>
-          </a:p>
-          <a:p>
-            <a:pPr lvl="1">
-              <a:lnSpc>
-                <a:spcPct val="107000"/>
-              </a:lnSpc>
-              <a:spcBef>
-                <a:spcPts val="0"/>
-              </a:spcBef>
-              <a:spcAft>
-                <a:spcPts val="800"/>
-              </a:spcAft>
-            </a:pPr>
-            <a:r>
-              <a:rPr lang="en-US" sz="1800" dirty="0">
-                <a:effectLst/>
-                <a:ea typeface="Calibri" panose="020F0502020204030204" pitchFamily="34" charset="0"/>
-                <a:cs typeface="Times New Roman" panose="02020603050405020304" pitchFamily="18" charset="0"/>
-              </a:rPr>
-              <a:t>Run python3 calculateStatistics.py to calculate statistics of time differences.</a:t>
-            </a:r>
-          </a:p>
-        </p:txBody>
-      </p:sp>
-    </p:spTree>
-    <p:extLst>
-      <p:ext uri="{BB962C8B-B14F-4D97-AF65-F5344CB8AC3E}">
-        <p14:creationId xmlns:p14="http://schemas.microsoft.com/office/powerpoint/2010/main" val="3321963082"/>
-      </p:ext>
-    </p:extLst>
-  </p:cSld>
-  <p:clrMapOvr>
-    <a:masterClrMapping/>
-  </p:clrMapOvr>
-</p:sld>
-</file>
-
-<file path=ppt/slides/slide8.xml><?xml version="1.0" encoding="utf-8"?>
-<p:sld xmlns:a="http://schemas.openxmlformats.org/drawingml/2006/main" xmlns:r="http://schemas.openxmlformats.org/officeDocument/2006/relationships" xmlns:p="http://schemas.openxmlformats.org/presentationml/2006/main">
-  <p:cSld>
-    <p:spTree>
-      <p:nvGrpSpPr>
-        <p:cNvPr id="1" name=""/>
-        <p:cNvGrpSpPr/>
-        <p:nvPr/>
-      </p:nvGrpSpPr>
-      <p:grpSpPr>
-        <a:xfrm>
-          <a:off x="0" y="0"/>
-          <a:ext cx="0" cy="0"/>
-          <a:chOff x="0" y="0"/>
-          <a:chExt cx="0" cy="0"/>
-        </a:xfrm>
-      </p:grpSpPr>
-      <p:sp>
-        <p:nvSpPr>
-          <p:cNvPr id="2" name="Title 1">
-            <a:extLst>
-              <a:ext uri="{FF2B5EF4-FFF2-40B4-BE49-F238E27FC236}">
-                <a16:creationId xmlns:a16="http://schemas.microsoft.com/office/drawing/2014/main" id="{35A8ADD6-170F-401C-988F-0711A82C4FDA}"/>
-              </a:ext>
-            </a:extLst>
-          </p:cNvPr>
-          <p:cNvSpPr>
-            <a:spLocks noGrp="1"/>
-          </p:cNvSpPr>
-          <p:nvPr>
-            <p:ph type="title"/>
-          </p:nvPr>
-        </p:nvSpPr>
-        <p:spPr/>
-        <p:txBody>
-          <a:bodyPr/>
-          <a:lstStyle/>
-          <a:p>
-            <a:r>
-              <a:rPr lang="en-US" dirty="0"/>
-              <a:t>Run Code to Collect Statistics</a:t>
-            </a:r>
-          </a:p>
-        </p:txBody>
-      </p:sp>
-      <p:sp>
-        <p:nvSpPr>
-          <p:cNvPr id="3" name="Content Placeholder 2">
-            <a:extLst>
-              <a:ext uri="{FF2B5EF4-FFF2-40B4-BE49-F238E27FC236}">
-                <a16:creationId xmlns:a16="http://schemas.microsoft.com/office/drawing/2014/main" id="{7BE1789B-8738-4C09-A8F6-63C9734936FE}"/>
-              </a:ext>
-            </a:extLst>
-          </p:cNvPr>
-          <p:cNvSpPr>
-            <a:spLocks noGrp="1"/>
-          </p:cNvSpPr>
-          <p:nvPr>
-            <p:ph idx="1"/>
-          </p:nvPr>
-        </p:nvSpPr>
-        <p:spPr/>
-        <p:txBody>
-          <a:bodyPr/>
-          <a:lstStyle/>
-          <a:p>
-            <a:r>
-              <a:rPr lang="en-US" sz="1800" dirty="0">
-                <a:effectLst/>
-                <a:latin typeface="Calibri" panose="020F0502020204030204" pitchFamily="34" charset="0"/>
-                <a:ea typeface="Calibri" panose="020F0502020204030204" pitchFamily="34" charset="0"/>
-                <a:cs typeface="Times New Roman" panose="02020603050405020304" pitchFamily="18" charset="0"/>
-              </a:rPr>
-              <a:t>Run calculateStatistics.py to calculate statistics of time measurements.</a:t>
-            </a:r>
-          </a:p>
-          <a:p>
-            <a:r>
-              <a:rPr lang="en-US" sz="1800" dirty="0">
-                <a:effectLst/>
-                <a:latin typeface="Calibri" panose="020F0502020204030204" pitchFamily="34" charset="0"/>
-                <a:ea typeface="Calibri" panose="020F0502020204030204" pitchFamily="34" charset="0"/>
-                <a:cs typeface="Times New Roman" panose="02020603050405020304" pitchFamily="18" charset="0"/>
-              </a:rPr>
-              <a:t>You can measure hardware performance continuously by running hardwareMeasure.py, which will print the latest information.</a:t>
-            </a:r>
-            <a:endParaRPr lang="en-US" dirty="0"/>
-          </a:p>
-        </p:txBody>
-      </p:sp>
-    </p:spTree>
-    <p:extLst>
-      <p:ext uri="{BB962C8B-B14F-4D97-AF65-F5344CB8AC3E}">
-        <p14:creationId xmlns:p14="http://schemas.microsoft.com/office/powerpoint/2010/main" val="1353653471"/>
-      </p:ext>
-    </p:extLst>
-  </p:cSld>
-  <p:clrMapOvr>
-    <a:masterClrMapping/>
-  </p:clrMapOvr>
-</p:sld>
-</file>
-
-<file path=ppt/slides/slide9.xml><?xml version="1.0" encoding="utf-8"?>
-<p:sld xmlns:a="http://schemas.openxmlformats.org/drawingml/2006/main" xmlns:r="http://schemas.openxmlformats.org/officeDocument/2006/relationships" xmlns:p="http://schemas.openxmlformats.org/presentationml/2006/main">
-  <p:cSld>
-    <p:spTree>
-      <p:nvGrpSpPr>
-        <p:cNvPr id="1" name=""/>
-        <p:cNvGrpSpPr/>
-        <p:nvPr/>
-      </p:nvGrpSpPr>
-      <p:grpSpPr>
-        <a:xfrm>
-          <a:off x="0" y="0"/>
-          <a:ext cx="0" cy="0"/>
-          <a:chOff x="0" y="0"/>
-          <a:chExt cx="0" cy="0"/>
-        </a:xfrm>
-      </p:grpSpPr>
-      <p:sp>
-        <p:nvSpPr>
-          <p:cNvPr id="2" name="Title 1">
-            <a:extLst>
-              <a:ext uri="{FF2B5EF4-FFF2-40B4-BE49-F238E27FC236}">
-                <a16:creationId xmlns:a16="http://schemas.microsoft.com/office/drawing/2014/main" id="{AA6541A3-1098-4890-9026-B4A319A3388D}"/>
-              </a:ext>
-            </a:extLst>
-          </p:cNvPr>
-          <p:cNvSpPr>
-            <a:spLocks noGrp="1"/>
-          </p:cNvSpPr>
-          <p:nvPr>
-            <p:ph type="title"/>
-          </p:nvPr>
-        </p:nvSpPr>
-        <p:spPr/>
-        <p:txBody>
-          <a:bodyPr/>
-          <a:lstStyle/>
-          <a:p>
-            <a:r>
-              <a:rPr lang="en-US" dirty="0"/>
-              <a:t>Conditions Tested</a:t>
-            </a:r>
-          </a:p>
-        </p:txBody>
-      </p:sp>
-      <p:sp>
-        <p:nvSpPr>
-          <p:cNvPr id="3" name="Content Placeholder 2">
-            <a:extLst>
-              <a:ext uri="{FF2B5EF4-FFF2-40B4-BE49-F238E27FC236}">
-                <a16:creationId xmlns:a16="http://schemas.microsoft.com/office/drawing/2014/main" id="{B864DC10-6976-4355-9561-2E266CDAF092}"/>
-              </a:ext>
-            </a:extLst>
-          </p:cNvPr>
-          <p:cNvSpPr>
-            <a:spLocks noGrp="1"/>
-          </p:cNvSpPr>
-          <p:nvPr>
-            <p:ph idx="1"/>
-          </p:nvPr>
-        </p:nvSpPr>
-        <p:spPr/>
-        <p:txBody>
-          <a:bodyPr>
-            <a:normAutofit/>
-          </a:bodyPr>
-          <a:lstStyle/>
-          <a:p>
-            <a:pPr>
-              <a:lnSpc>
-                <a:spcPct val="107000"/>
-              </a:lnSpc>
-              <a:spcBef>
-                <a:spcPts val="0"/>
-              </a:spcBef>
-            </a:pPr>
-            <a:r>
-              <a:rPr lang="en-US" sz="2400" dirty="0">
-                <a:latin typeface="Calibri" panose="020F0502020204030204" pitchFamily="34" charset="0"/>
-                <a:ea typeface="Calibri" panose="020F0502020204030204" pitchFamily="34" charset="0"/>
-                <a:cs typeface="Times New Roman" panose="02020603050405020304" pitchFamily="18" charset="0"/>
-              </a:rPr>
-              <a:t>cassandraRW.py (only 10 iterations instead of 10000 for time purposes)</a:t>
-            </a:r>
-          </a:p>
-          <a:p>
-            <a:pPr lvl="1">
-              <a:lnSpc>
-                <a:spcPct val="107000"/>
-              </a:lnSpc>
-              <a:spcBef>
-                <a:spcPts val="0"/>
-              </a:spcBef>
-            </a:pPr>
-            <a:r>
-              <a:rPr lang="en-US" dirty="0">
-                <a:latin typeface="Calibri" panose="020F0502020204030204" pitchFamily="34" charset="0"/>
-                <a:ea typeface="Calibri" panose="020F0502020204030204" pitchFamily="34" charset="0"/>
-                <a:cs typeface="Times New Roman" panose="02020603050405020304" pitchFamily="18" charset="0"/>
-              </a:rPr>
-              <a:t>Each test with writers writes to the database based on the experiment-specified character lengths: 128, 254, 512, 1024, 10000</a:t>
-            </a:r>
-            <a:endParaRPr lang="en-US" dirty="0">
-              <a:effectLst/>
-              <a:latin typeface="Calibri" panose="020F0502020204030204" pitchFamily="34" charset="0"/>
-              <a:ea typeface="Calibri" panose="020F0502020204030204" pitchFamily="34" charset="0"/>
-              <a:cs typeface="Times New Roman" panose="02020603050405020304" pitchFamily="18" charset="0"/>
-            </a:endParaRPr>
-          </a:p>
-          <a:p>
-            <a:pPr lvl="1">
-              <a:lnSpc>
-                <a:spcPct val="107000"/>
-              </a:lnSpc>
-              <a:spcBef>
-                <a:spcPts val="0"/>
-              </a:spcBef>
-            </a:pPr>
-            <a:r>
-              <a:rPr lang="en-US" dirty="0">
-                <a:effectLst/>
-                <a:latin typeface="Calibri" panose="020F0502020204030204" pitchFamily="34" charset="0"/>
-                <a:ea typeface="Calibri" panose="020F0502020204030204" pitchFamily="34" charset="0"/>
-                <a:cs typeface="Times New Roman" panose="02020603050405020304" pitchFamily="18" charset="0"/>
-              </a:rPr>
-              <a:t>1 VM x 1writerTest</a:t>
-            </a:r>
-          </a:p>
-          <a:p>
-            <a:pPr lvl="1">
-              <a:lnSpc>
-                <a:spcPct val="107000"/>
-              </a:lnSpc>
-              <a:spcBef>
-                <a:spcPts val="0"/>
-              </a:spcBef>
-            </a:pPr>
-            <a:r>
-              <a:rPr lang="en-US" dirty="0">
-                <a:effectLst/>
-                <a:latin typeface="Calibri" panose="020F0502020204030204" pitchFamily="34" charset="0"/>
-                <a:ea typeface="Calibri" panose="020F0502020204030204" pitchFamily="34" charset="0"/>
-                <a:cs typeface="Times New Roman" panose="02020603050405020304" pitchFamily="18" charset="0"/>
-              </a:rPr>
-              <a:t>1 VM x 1readerTest</a:t>
-            </a:r>
-          </a:p>
-          <a:p>
-            <a:pPr lvl="1">
-              <a:lnSpc>
-                <a:spcPct val="107000"/>
-              </a:lnSpc>
-              <a:spcBef>
-                <a:spcPts val="0"/>
-              </a:spcBef>
-            </a:pPr>
-            <a:r>
-              <a:rPr lang="en-US" dirty="0">
-                <a:effectLst/>
-                <a:latin typeface="Calibri" panose="020F0502020204030204" pitchFamily="34" charset="0"/>
-                <a:ea typeface="Calibri" panose="020F0502020204030204" pitchFamily="34" charset="0"/>
-                <a:cs typeface="Times New Roman" panose="02020603050405020304" pitchFamily="18" charset="0"/>
-              </a:rPr>
-              <a:t>10 VM x 10writer1readerTest</a:t>
-            </a:r>
-          </a:p>
-          <a:p>
-            <a:pPr lvl="1">
-              <a:lnSpc>
-                <a:spcPct val="107000"/>
-              </a:lnSpc>
-              <a:spcBef>
-                <a:spcPts val="0"/>
-              </a:spcBef>
-            </a:pPr>
-            <a:r>
-              <a:rPr lang="en-US" dirty="0">
-                <a:effectLst/>
-                <a:latin typeface="Calibri" panose="020F0502020204030204" pitchFamily="34" charset="0"/>
-                <a:ea typeface="Calibri" panose="020F0502020204030204" pitchFamily="34" charset="0"/>
-                <a:cs typeface="Times New Roman" panose="02020603050405020304" pitchFamily="18" charset="0"/>
-              </a:rPr>
-              <a:t>10 VM x 1writer10readerTest</a:t>
-            </a:r>
-          </a:p>
-          <a:p>
-            <a:pPr lvl="1">
-              <a:lnSpc>
-                <a:spcPct val="107000"/>
-              </a:lnSpc>
-              <a:spcBef>
-                <a:spcPts val="0"/>
-              </a:spcBef>
-              <a:spcAft>
-                <a:spcPts val="800"/>
-              </a:spcAft>
-            </a:pPr>
-            <a:r>
-              <a:rPr lang="en-US" dirty="0">
-                <a:effectLst/>
-                <a:latin typeface="Calibri" panose="020F0502020204030204" pitchFamily="34" charset="0"/>
-                <a:ea typeface="Calibri" panose="020F0502020204030204" pitchFamily="34" charset="0"/>
-                <a:cs typeface="Times New Roman" panose="02020603050405020304" pitchFamily="18" charset="0"/>
-              </a:rPr>
-              <a:t>5 VM x 25writer25readerTest</a:t>
-            </a:r>
-          </a:p>
-        </p:txBody>
-      </p:sp>
-    </p:spTree>
-    <p:extLst>
-      <p:ext uri="{BB962C8B-B14F-4D97-AF65-F5344CB8AC3E}">
-        <p14:creationId xmlns:p14="http://schemas.microsoft.com/office/powerpoint/2010/main" val="713689981"/>
       </p:ext>
     </p:extLst>
   </p:cSld>
